--- a/progress/樫本/卒研発表リハ.pptx
+++ b/progress/樫本/卒研発表リハ.pptx
@@ -15,36 +15,41 @@
     <p:sldId id="296" r:id="rId9"/>
     <p:sldId id="294" r:id="rId10"/>
     <p:sldId id="270" r:id="rId11"/>
-    <p:sldId id="271" r:id="rId12"/>
-    <p:sldId id="275" r:id="rId13"/>
-    <p:sldId id="297" r:id="rId14"/>
-    <p:sldId id="277" r:id="rId15"/>
-    <p:sldId id="279" r:id="rId16"/>
-    <p:sldId id="298" r:id="rId17"/>
-    <p:sldId id="274" r:id="rId18"/>
-    <p:sldId id="299" r:id="rId19"/>
-    <p:sldId id="300" r:id="rId20"/>
-    <p:sldId id="301" r:id="rId21"/>
-    <p:sldId id="302" r:id="rId22"/>
-    <p:sldId id="303" r:id="rId23"/>
-    <p:sldId id="304" r:id="rId24"/>
-    <p:sldId id="305" r:id="rId25"/>
-    <p:sldId id="306" r:id="rId26"/>
-    <p:sldId id="307" r:id="rId27"/>
-    <p:sldId id="308" r:id="rId28"/>
-    <p:sldId id="289" r:id="rId29"/>
-    <p:sldId id="309" r:id="rId30"/>
-    <p:sldId id="282" r:id="rId31"/>
-    <p:sldId id="283" r:id="rId32"/>
-    <p:sldId id="260" r:id="rId33"/>
-    <p:sldId id="284" r:id="rId34"/>
-    <p:sldId id="261" r:id="rId35"/>
-    <p:sldId id="278" r:id="rId36"/>
-    <p:sldId id="285" r:id="rId37"/>
-    <p:sldId id="290" r:id="rId38"/>
-    <p:sldId id="292" r:id="rId39"/>
-    <p:sldId id="293" r:id="rId40"/>
-    <p:sldId id="280" r:id="rId41"/>
+    <p:sldId id="312" r:id="rId12"/>
+    <p:sldId id="311" r:id="rId13"/>
+    <p:sldId id="271" r:id="rId14"/>
+    <p:sldId id="314" r:id="rId15"/>
+    <p:sldId id="313" r:id="rId16"/>
+    <p:sldId id="297" r:id="rId17"/>
+    <p:sldId id="277" r:id="rId18"/>
+    <p:sldId id="279" r:id="rId19"/>
+    <p:sldId id="298" r:id="rId20"/>
+    <p:sldId id="274" r:id="rId21"/>
+    <p:sldId id="299" r:id="rId22"/>
+    <p:sldId id="300" r:id="rId23"/>
+    <p:sldId id="301" r:id="rId24"/>
+    <p:sldId id="302" r:id="rId25"/>
+    <p:sldId id="303" r:id="rId26"/>
+    <p:sldId id="304" r:id="rId27"/>
+    <p:sldId id="305" r:id="rId28"/>
+    <p:sldId id="306" r:id="rId29"/>
+    <p:sldId id="307" r:id="rId30"/>
+    <p:sldId id="308" r:id="rId31"/>
+    <p:sldId id="289" r:id="rId32"/>
+    <p:sldId id="309" r:id="rId33"/>
+    <p:sldId id="282" r:id="rId34"/>
+    <p:sldId id="310" r:id="rId35"/>
+    <p:sldId id="283" r:id="rId36"/>
+    <p:sldId id="260" r:id="rId37"/>
+    <p:sldId id="284" r:id="rId38"/>
+    <p:sldId id="278" r:id="rId39"/>
+    <p:sldId id="285" r:id="rId40"/>
+    <p:sldId id="290" r:id="rId41"/>
+    <p:sldId id="261" r:id="rId42"/>
+    <p:sldId id="292" r:id="rId43"/>
+    <p:sldId id="293" r:id="rId44"/>
+    <p:sldId id="280" r:id="rId45"/>
+    <p:sldId id="275" r:id="rId46"/>
   </p:sldIdLst>
   <p:sldSz cx="12192000" cy="6858000"/>
   <p:notesSz cx="6858000" cy="9144000"/>
@@ -1097,7 +1102,7 @@
           <a:lstStyle/>
           <a:p>
             <a:pPr>
-              <a:defRPr sz="1400" b="0" i="0" u="none" strike="noStrike" kern="1200" spc="0" baseline="0">
+              <a:defRPr sz="1400" b="1" i="0" u="none" strike="noStrike" kern="1200" spc="0" baseline="0">
                 <a:solidFill>
                   <a:schemeClr val="tx1">
                     <a:lumMod val="65000"/>
@@ -1110,7 +1115,7 @@
               </a:defRPr>
             </a:pPr>
             <a:r>
-              <a:rPr lang="ja-JP" altLang="en-US"/>
+              <a:rPr lang="ja-JP" altLang="en-US" b="1"/>
               <a:t>無限大キャンパス</a:t>
             </a:r>
           </a:p>
@@ -1129,7 +1134,7 @@
         <a:lstStyle/>
         <a:p>
           <a:pPr>
-            <a:defRPr sz="1400" b="0" i="0" u="none" strike="noStrike" kern="1200" spc="0" baseline="0">
+            <a:defRPr sz="1400" b="1" i="0" u="none" strike="noStrike" kern="1200" spc="0" baseline="0">
               <a:solidFill>
                 <a:schemeClr val="tx1">
                   <a:lumMod val="65000"/>
@@ -1429,6 +1434,7 @@
     </c:legend>
     <c:plotVisOnly val="1"/>
     <c:dispBlanksAs val="gap"/>
+    <c:showDLblsOverMax val="0"/>
     <c:extLst>
       <c:ext xmlns:c16r3="http://schemas.microsoft.com/office/drawing/2017/03/chart" uri="{56B9EC1D-385E-4148-901F-78D8002777C0}">
         <c16r3:dataDisplayOptions16>
@@ -1436,7 +1442,6 @@
         </c16r3:dataDisplayOptions16>
       </c:ext>
     </c:extLst>
-    <c:showDLblsOverMax val="0"/>
   </c:chart>
   <c:spPr>
     <a:noFill/>
@@ -1814,6 +1819,7 @@
     </c:legend>
     <c:plotVisOnly val="1"/>
     <c:dispBlanksAs val="gap"/>
+    <c:showDLblsOverMax val="0"/>
     <c:extLst>
       <c:ext xmlns:c16r3="http://schemas.microsoft.com/office/drawing/2017/03/chart" uri="{56B9EC1D-385E-4148-901F-78D8002777C0}">
         <c16r3:dataDisplayOptions16>
@@ -1821,7 +1827,6 @@
         </c16r3:dataDisplayOptions16>
       </c:ext>
     </c:extLst>
-    <c:showDLblsOverMax val="0"/>
   </c:chart>
   <c:spPr>
     <a:noFill/>
@@ -2199,6 +2204,7 @@
     </c:legend>
     <c:plotVisOnly val="1"/>
     <c:dispBlanksAs val="gap"/>
+    <c:showDLblsOverMax val="0"/>
     <c:extLst>
       <c:ext xmlns:c16r3="http://schemas.microsoft.com/office/drawing/2017/03/chart" uri="{56B9EC1D-385E-4148-901F-78D8002777C0}">
         <c16r3:dataDisplayOptions16>
@@ -2206,7 +2212,6 @@
         </c16r3:dataDisplayOptions16>
       </c:ext>
     </c:extLst>
-    <c:showDLblsOverMax val="0"/>
   </c:chart>
   <c:spPr>
     <a:noFill/>
@@ -2584,6 +2589,7 @@
     </c:legend>
     <c:plotVisOnly val="1"/>
     <c:dispBlanksAs val="gap"/>
+    <c:showDLblsOverMax val="0"/>
     <c:extLst>
       <c:ext xmlns:c16r3="http://schemas.microsoft.com/office/drawing/2017/03/chart" uri="{56B9EC1D-385E-4148-901F-78D8002777C0}">
         <c16r3:dataDisplayOptions16>
@@ -2591,7 +2597,6 @@
         </c16r3:dataDisplayOptions16>
       </c:ext>
     </c:extLst>
-    <c:showDLblsOverMax val="0"/>
   </c:chart>
   <c:spPr>
     <a:noFill/>
@@ -2977,6 +2982,7 @@
     </c:legend>
     <c:plotVisOnly val="1"/>
     <c:dispBlanksAs val="gap"/>
+    <c:showDLblsOverMax val="0"/>
     <c:extLst>
       <c:ext xmlns:c16r3="http://schemas.microsoft.com/office/drawing/2017/03/chart" uri="{56B9EC1D-385E-4148-901F-78D8002777C0}">
         <c16r3:dataDisplayOptions16>
@@ -2984,7 +2990,6 @@
         </c16r3:dataDisplayOptions16>
       </c:ext>
     </c:extLst>
-    <c:showDLblsOverMax val="0"/>
   </c:chart>
   <c:spPr>
     <a:noFill/>
@@ -3362,6 +3367,7 @@
     </c:legend>
     <c:plotVisOnly val="1"/>
     <c:dispBlanksAs val="gap"/>
+    <c:showDLblsOverMax val="0"/>
     <c:extLst>
       <c:ext xmlns:c16r3="http://schemas.microsoft.com/office/drawing/2017/03/chart" uri="{56B9EC1D-385E-4148-901F-78D8002777C0}">
         <c16r3:dataDisplayOptions16>
@@ -3369,7 +3375,6 @@
         </c16r3:dataDisplayOptions16>
       </c:ext>
     </c:extLst>
-    <c:showDLblsOverMax val="0"/>
   </c:chart>
   <c:spPr>
     <a:noFill/>
@@ -3758,6 +3763,7 @@
     </c:legend>
     <c:plotVisOnly val="1"/>
     <c:dispBlanksAs val="gap"/>
+    <c:showDLblsOverMax val="0"/>
     <c:extLst>
       <c:ext xmlns:c16r3="http://schemas.microsoft.com/office/drawing/2017/03/chart" uri="{56B9EC1D-385E-4148-901F-78D8002777C0}">
         <c16r3:dataDisplayOptions16>
@@ -3765,7 +3771,6 @@
         </c16r3:dataDisplayOptions16>
       </c:ext>
     </c:extLst>
-    <c:showDLblsOverMax val="0"/>
   </c:chart>
   <c:spPr>
     <a:noFill/>
@@ -4154,6 +4159,7 @@
     </c:legend>
     <c:plotVisOnly val="1"/>
     <c:dispBlanksAs val="gap"/>
+    <c:showDLblsOverMax val="0"/>
     <c:extLst>
       <c:ext xmlns:c16r3="http://schemas.microsoft.com/office/drawing/2017/03/chart" uri="{56B9EC1D-385E-4148-901F-78D8002777C0}">
         <c16r3:dataDisplayOptions16>
@@ -4161,7 +4167,6 @@
         </c16r3:dataDisplayOptions16>
       </c:ext>
     </c:extLst>
-    <c:showDLblsOverMax val="0"/>
   </c:chart>
   <c:spPr>
     <a:noFill/>
@@ -4563,6 +4568,7 @@
     </c:legend>
     <c:plotVisOnly val="1"/>
     <c:dispBlanksAs val="gap"/>
+    <c:showDLblsOverMax val="0"/>
     <c:extLst>
       <c:ext xmlns:c16r3="http://schemas.microsoft.com/office/drawing/2017/03/chart" uri="{56B9EC1D-385E-4148-901F-78D8002777C0}">
         <c16r3:dataDisplayOptions16>
@@ -4570,7 +4576,6 @@
         </c16r3:dataDisplayOptions16>
       </c:ext>
     </c:extLst>
-    <c:showDLblsOverMax val="0"/>
   </c:chart>
   <c:spPr>
     <a:noFill/>
@@ -4948,6 +4953,7 @@
     </c:legend>
     <c:plotVisOnly val="1"/>
     <c:dispBlanksAs val="gap"/>
+    <c:showDLblsOverMax val="0"/>
     <c:extLst>
       <c:ext xmlns:c16r3="http://schemas.microsoft.com/office/drawing/2017/03/chart" uri="{56B9EC1D-385E-4148-901F-78D8002777C0}">
         <c16r3:dataDisplayOptions16>
@@ -4955,7 +4961,6 @@
         </c16r3:dataDisplayOptions16>
       </c:ext>
     </c:extLst>
-    <c:showDLblsOverMax val="0"/>
   </c:chart>
   <c:spPr>
     <a:noFill/>
@@ -5333,6 +5338,7 @@
     </c:legend>
     <c:plotVisOnly val="1"/>
     <c:dispBlanksAs val="gap"/>
+    <c:showDLblsOverMax val="0"/>
     <c:extLst>
       <c:ext xmlns:c16r3="http://schemas.microsoft.com/office/drawing/2017/03/chart" uri="{56B9EC1D-385E-4148-901F-78D8002777C0}">
         <c16r3:dataDisplayOptions16>
@@ -5340,7 +5346,6 @@
         </c16r3:dataDisplayOptions16>
       </c:ext>
     </c:extLst>
-    <c:showDLblsOverMax val="0"/>
   </c:chart>
   <c:spPr>
     <a:noFill/>
@@ -5386,7 +5391,7 @@
           <a:lstStyle/>
           <a:p>
             <a:pPr>
-              <a:defRPr sz="1400" b="0" i="0" u="none" strike="noStrike" kern="1200" spc="0" baseline="0">
+              <a:defRPr sz="1400" b="1" i="0" u="none" strike="noStrike" kern="1200" spc="0" baseline="0">
                 <a:solidFill>
                   <a:schemeClr val="tx1">
                     <a:lumMod val="65000"/>
@@ -5399,7 +5404,7 @@
               </a:defRPr>
             </a:pPr>
             <a:r>
-              <a:rPr lang="ja-JP" altLang="en-US"/>
+              <a:rPr lang="ja-JP" altLang="en-US" b="1"/>
               <a:t>無限大キャンパス（東京工芸大学）</a:t>
             </a:r>
           </a:p>
@@ -5418,7 +5423,7 @@
         <a:lstStyle/>
         <a:p>
           <a:pPr>
-            <a:defRPr sz="1400" b="0" i="0" u="none" strike="noStrike" kern="1200" spc="0" baseline="0">
+            <a:defRPr sz="1400" b="1" i="0" u="none" strike="noStrike" kern="1200" spc="0" baseline="0">
               <a:solidFill>
                 <a:schemeClr val="tx1">
                   <a:lumMod val="65000"/>
@@ -5718,6 +5723,7 @@
     </c:legend>
     <c:plotVisOnly val="1"/>
     <c:dispBlanksAs val="gap"/>
+    <c:showDLblsOverMax val="0"/>
     <c:extLst>
       <c:ext xmlns:c16r3="http://schemas.microsoft.com/office/drawing/2017/03/chart" uri="{56B9EC1D-385E-4148-901F-78D8002777C0}">
         <c16r3:dataDisplayOptions16>
@@ -5725,7 +5731,6 @@
         </c16r3:dataDisplayOptions16>
       </c:ext>
     </c:extLst>
-    <c:showDLblsOverMax val="0"/>
   </c:chart>
   <c:spPr>
     <a:noFill/>
@@ -6111,6 +6116,7 @@
     </c:legend>
     <c:plotVisOnly val="1"/>
     <c:dispBlanksAs val="gap"/>
+    <c:showDLblsOverMax val="0"/>
     <c:extLst>
       <c:ext xmlns:c16r3="http://schemas.microsoft.com/office/drawing/2017/03/chart" uri="{56B9EC1D-385E-4148-901F-78D8002777C0}">
         <c16r3:dataDisplayOptions16>
@@ -6118,7 +6124,6 @@
         </c16r3:dataDisplayOptions16>
       </c:ext>
     </c:extLst>
-    <c:showDLblsOverMax val="0"/>
   </c:chart>
   <c:spPr>
     <a:noFill/>
@@ -6496,6 +6501,7 @@
     </c:legend>
     <c:plotVisOnly val="1"/>
     <c:dispBlanksAs val="gap"/>
+    <c:showDLblsOverMax val="0"/>
     <c:extLst>
       <c:ext xmlns:c16r3="http://schemas.microsoft.com/office/drawing/2017/03/chart" uri="{56B9EC1D-385E-4148-901F-78D8002777C0}">
         <c16r3:dataDisplayOptions16>
@@ -6503,7 +6509,6 @@
         </c16r3:dataDisplayOptions16>
       </c:ext>
     </c:extLst>
-    <c:showDLblsOverMax val="0"/>
   </c:chart>
   <c:spPr>
     <a:noFill/>
@@ -6881,6 +6886,7 @@
     </c:legend>
     <c:plotVisOnly val="1"/>
     <c:dispBlanksAs val="gap"/>
+    <c:showDLblsOverMax val="0"/>
     <c:extLst>
       <c:ext xmlns:c16r3="http://schemas.microsoft.com/office/drawing/2017/03/chart" uri="{56B9EC1D-385E-4148-901F-78D8002777C0}">
         <c16r3:dataDisplayOptions16>
@@ -6888,7 +6894,6 @@
         </c16r3:dataDisplayOptions16>
       </c:ext>
     </c:extLst>
-    <c:showDLblsOverMax val="0"/>
   </c:chart>
   <c:spPr>
     <a:noFill/>
@@ -7266,6 +7271,7 @@
     </c:legend>
     <c:plotVisOnly val="1"/>
     <c:dispBlanksAs val="gap"/>
+    <c:showDLblsOverMax val="0"/>
     <c:extLst>
       <c:ext xmlns:c16r3="http://schemas.microsoft.com/office/drawing/2017/03/chart" uri="{56B9EC1D-385E-4148-901F-78D8002777C0}">
         <c16r3:dataDisplayOptions16>
@@ -7273,7 +7279,6 @@
         </c16r3:dataDisplayOptions16>
       </c:ext>
     </c:extLst>
-    <c:showDLblsOverMax val="0"/>
   </c:chart>
   <c:spPr>
     <a:noFill/>
@@ -7651,6 +7656,7 @@
     </c:legend>
     <c:plotVisOnly val="1"/>
     <c:dispBlanksAs val="gap"/>
+    <c:showDLblsOverMax val="0"/>
     <c:extLst>
       <c:ext xmlns:c16r3="http://schemas.microsoft.com/office/drawing/2017/03/chart" uri="{56B9EC1D-385E-4148-901F-78D8002777C0}">
         <c16r3:dataDisplayOptions16>
@@ -7658,7 +7664,6 @@
         </c16r3:dataDisplayOptions16>
       </c:ext>
     </c:extLst>
-    <c:showDLblsOverMax val="0"/>
   </c:chart>
   <c:spPr>
     <a:noFill/>
@@ -8044,6 +8049,7 @@
     </c:legend>
     <c:plotVisOnly val="1"/>
     <c:dispBlanksAs val="gap"/>
+    <c:showDLblsOverMax val="0"/>
     <c:extLst>
       <c:ext xmlns:c16r3="http://schemas.microsoft.com/office/drawing/2017/03/chart" uri="{56B9EC1D-385E-4148-901F-78D8002777C0}">
         <c16r3:dataDisplayOptions16>
@@ -8051,7 +8057,6 @@
         </c16r3:dataDisplayOptions16>
       </c:ext>
     </c:extLst>
-    <c:showDLblsOverMax val="0"/>
   </c:chart>
   <c:spPr>
     <a:noFill/>
@@ -8429,6 +8434,7 @@
     </c:legend>
     <c:plotVisOnly val="1"/>
     <c:dispBlanksAs val="gap"/>
+    <c:showDLblsOverMax val="0"/>
     <c:extLst>
       <c:ext xmlns:c16r3="http://schemas.microsoft.com/office/drawing/2017/03/chart" uri="{56B9EC1D-385E-4148-901F-78D8002777C0}">
         <c16r3:dataDisplayOptions16>
@@ -8436,7 +8442,6 @@
         </c16r3:dataDisplayOptions16>
       </c:ext>
     </c:extLst>
-    <c:showDLblsOverMax val="0"/>
   </c:chart>
   <c:spPr>
     <a:noFill/>
@@ -8814,6 +8819,7 @@
     </c:legend>
     <c:plotVisOnly val="1"/>
     <c:dispBlanksAs val="gap"/>
+    <c:showDLblsOverMax val="0"/>
     <c:extLst>
       <c:ext xmlns:c16r3="http://schemas.microsoft.com/office/drawing/2017/03/chart" uri="{56B9EC1D-385E-4148-901F-78D8002777C0}">
         <c16r3:dataDisplayOptions16>
@@ -8821,7 +8827,6 @@
         </c16r3:dataDisplayOptions16>
       </c:ext>
     </c:extLst>
-    <c:showDLblsOverMax val="0"/>
   </c:chart>
   <c:spPr>
     <a:noFill/>
@@ -9199,6 +9204,7 @@
     </c:legend>
     <c:plotVisOnly val="1"/>
     <c:dispBlanksAs val="gap"/>
+    <c:showDLblsOverMax val="0"/>
     <c:extLst>
       <c:ext xmlns:c16r3="http://schemas.microsoft.com/office/drawing/2017/03/chart" uri="{56B9EC1D-385E-4148-901F-78D8002777C0}">
         <c16r3:dataDisplayOptions16>
@@ -9206,7 +9212,6 @@
         </c16r3:dataDisplayOptions16>
       </c:ext>
     </c:extLst>
-    <c:showDLblsOverMax val="0"/>
   </c:chart>
   <c:spPr>
     <a:noFill/>
@@ -9584,6 +9589,7 @@
     </c:legend>
     <c:plotVisOnly val="1"/>
     <c:dispBlanksAs val="gap"/>
+    <c:showDLblsOverMax val="0"/>
     <c:extLst>
       <c:ext xmlns:c16r3="http://schemas.microsoft.com/office/drawing/2017/03/chart" uri="{56B9EC1D-385E-4148-901F-78D8002777C0}">
         <c16r3:dataDisplayOptions16>
@@ -9591,7 +9597,6 @@
         </c16r3:dataDisplayOptions16>
       </c:ext>
     </c:extLst>
-    <c:showDLblsOverMax val="0"/>
   </c:chart>
   <c:spPr>
     <a:noFill/>
@@ -9637,7 +9642,7 @@
           <a:lstStyle/>
           <a:p>
             <a:pPr>
-              <a:defRPr sz="1400" b="0" i="0" u="none" strike="noStrike" kern="1200" spc="0" baseline="0">
+              <a:defRPr sz="1400" b="1" i="0" u="none" strike="noStrike" kern="1200" spc="0" baseline="0">
                 <a:solidFill>
                   <a:schemeClr val="tx1">
                     <a:lumMod val="65000"/>
@@ -9650,7 +9655,7 @@
               </a:defRPr>
             </a:pPr>
             <a:r>
-              <a:rPr lang="ja-JP" altLang="en-US"/>
+              <a:rPr lang="ja-JP" altLang="en-US" b="1"/>
               <a:t>無限大キャンパス（ボタンだけ）</a:t>
             </a:r>
           </a:p>
@@ -9669,7 +9674,7 @@
         <a:lstStyle/>
         <a:p>
           <a:pPr>
-            <a:defRPr sz="1400" b="0" i="0" u="none" strike="noStrike" kern="1200" spc="0" baseline="0">
+            <a:defRPr sz="1400" b="1" i="0" u="none" strike="noStrike" kern="1200" spc="0" baseline="0">
               <a:solidFill>
                 <a:schemeClr val="tx1">
                   <a:lumMod val="65000"/>
@@ -9969,6 +9974,7 @@
     </c:legend>
     <c:plotVisOnly val="1"/>
     <c:dispBlanksAs val="gap"/>
+    <c:showDLblsOverMax val="0"/>
     <c:extLst>
       <c:ext xmlns:c16r3="http://schemas.microsoft.com/office/drawing/2017/03/chart" uri="{56B9EC1D-385E-4148-901F-78D8002777C0}">
         <c16r3:dataDisplayOptions16>
@@ -9976,7 +9982,6 @@
         </c16r3:dataDisplayOptions16>
       </c:ext>
     </c:extLst>
-    <c:showDLblsOverMax val="0"/>
   </c:chart>
   <c:spPr>
     <a:noFill/>
@@ -10354,6 +10359,7 @@
     </c:legend>
     <c:plotVisOnly val="1"/>
     <c:dispBlanksAs val="gap"/>
+    <c:showDLblsOverMax val="0"/>
     <c:extLst>
       <c:ext xmlns:c16r3="http://schemas.microsoft.com/office/drawing/2017/03/chart" uri="{56B9EC1D-385E-4148-901F-78D8002777C0}">
         <c16r3:dataDisplayOptions16>
@@ -10361,7 +10367,6 @@
         </c16r3:dataDisplayOptions16>
       </c:ext>
     </c:extLst>
-    <c:showDLblsOverMax val="0"/>
   </c:chart>
   <c:spPr>
     <a:noFill/>
@@ -10739,6 +10744,7 @@
     </c:legend>
     <c:plotVisOnly val="1"/>
     <c:dispBlanksAs val="gap"/>
+    <c:showDLblsOverMax val="0"/>
     <c:extLst>
       <c:ext xmlns:c16r3="http://schemas.microsoft.com/office/drawing/2017/03/chart" uri="{56B9EC1D-385E-4148-901F-78D8002777C0}">
         <c16r3:dataDisplayOptions16>
@@ -10746,7 +10752,6 @@
         </c16r3:dataDisplayOptions16>
       </c:ext>
     </c:extLst>
-    <c:showDLblsOverMax val="0"/>
   </c:chart>
   <c:spPr>
     <a:noFill/>
@@ -11124,6 +11129,7 @@
     </c:legend>
     <c:plotVisOnly val="1"/>
     <c:dispBlanksAs val="gap"/>
+    <c:showDLblsOverMax val="0"/>
     <c:extLst>
       <c:ext xmlns:c16r3="http://schemas.microsoft.com/office/drawing/2017/03/chart" uri="{56B9EC1D-385E-4148-901F-78D8002777C0}">
         <c16r3:dataDisplayOptions16>
@@ -11131,7 +11137,6 @@
         </c16r3:dataDisplayOptions16>
       </c:ext>
     </c:extLst>
-    <c:showDLblsOverMax val="0"/>
   </c:chart>
   <c:spPr>
     <a:noFill/>
@@ -11517,6 +11522,7 @@
     </c:legend>
     <c:plotVisOnly val="1"/>
     <c:dispBlanksAs val="gap"/>
+    <c:showDLblsOverMax val="0"/>
     <c:extLst>
       <c:ext xmlns:c16r3="http://schemas.microsoft.com/office/drawing/2017/03/chart" uri="{56B9EC1D-385E-4148-901F-78D8002777C0}">
         <c16r3:dataDisplayOptions16>
@@ -11524,7 +11530,6 @@
         </c16r3:dataDisplayOptions16>
       </c:ext>
     </c:extLst>
-    <c:showDLblsOverMax val="0"/>
   </c:chart>
   <c:spPr>
     <a:noFill/>
@@ -11902,6 +11907,7 @@
     </c:legend>
     <c:plotVisOnly val="1"/>
     <c:dispBlanksAs val="gap"/>
+    <c:showDLblsOverMax val="0"/>
     <c:extLst>
       <c:ext xmlns:c16r3="http://schemas.microsoft.com/office/drawing/2017/03/chart" uri="{56B9EC1D-385E-4148-901F-78D8002777C0}">
         <c16r3:dataDisplayOptions16>
@@ -11909,7 +11915,6 @@
         </c16r3:dataDisplayOptions16>
       </c:ext>
     </c:extLst>
-    <c:showDLblsOverMax val="0"/>
   </c:chart>
   <c:spPr>
     <a:noFill/>
@@ -12287,6 +12292,7 @@
     </c:legend>
     <c:plotVisOnly val="1"/>
     <c:dispBlanksAs val="gap"/>
+    <c:showDLblsOverMax val="0"/>
     <c:extLst>
       <c:ext xmlns:c16r3="http://schemas.microsoft.com/office/drawing/2017/03/chart" uri="{56B9EC1D-385E-4148-901F-78D8002777C0}">
         <c16r3:dataDisplayOptions16>
@@ -12294,7 +12300,6 @@
         </c16r3:dataDisplayOptions16>
       </c:ext>
     </c:extLst>
-    <c:showDLblsOverMax val="0"/>
   </c:chart>
   <c:spPr>
     <a:noFill/>
@@ -12672,6 +12677,7 @@
     </c:legend>
     <c:plotVisOnly val="1"/>
     <c:dispBlanksAs val="gap"/>
+    <c:showDLblsOverMax val="0"/>
     <c:extLst>
       <c:ext xmlns:c16r3="http://schemas.microsoft.com/office/drawing/2017/03/chart" uri="{56B9EC1D-385E-4148-901F-78D8002777C0}">
         <c16r3:dataDisplayOptions16>
@@ -12679,7 +12685,6 @@
         </c16r3:dataDisplayOptions16>
       </c:ext>
     </c:extLst>
-    <c:showDLblsOverMax val="0"/>
   </c:chart>
   <c:spPr>
     <a:noFill/>
@@ -13065,6 +13070,7 @@
     </c:legend>
     <c:plotVisOnly val="1"/>
     <c:dispBlanksAs val="gap"/>
+    <c:showDLblsOverMax val="0"/>
     <c:extLst>
       <c:ext xmlns:c16r3="http://schemas.microsoft.com/office/drawing/2017/03/chart" uri="{56B9EC1D-385E-4148-901F-78D8002777C0}">
         <c16r3:dataDisplayOptions16>
@@ -13072,7 +13078,6 @@
         </c16r3:dataDisplayOptions16>
       </c:ext>
     </c:extLst>
-    <c:showDLblsOverMax val="0"/>
   </c:chart>
   <c:spPr>
     <a:noFill/>
@@ -13118,7 +13123,7 @@
           <a:lstStyle/>
           <a:p>
             <a:pPr>
-              <a:defRPr sz="1400" b="0" i="0" u="none" strike="noStrike" kern="1200" spc="0" baseline="0">
+              <a:defRPr sz="1400" b="1" i="0" u="none" strike="noStrike" kern="1200" spc="0" baseline="0">
                 <a:solidFill>
                   <a:schemeClr val="tx1">
                     <a:lumMod val="65000"/>
@@ -13131,15 +13136,15 @@
               </a:defRPr>
             </a:pPr>
             <a:r>
-              <a:rPr lang="ja-JP" altLang="en-US"/>
+              <a:rPr lang="ja-JP" altLang="en-US" b="1"/>
               <a:t>無限大キャンパス（</a:t>
             </a:r>
             <a:r>
-              <a:rPr lang="en-US" altLang="ja-JP"/>
+              <a:rPr lang="en-US" altLang="ja-JP" b="1"/>
               <a:t>Materialize CSS</a:t>
             </a:r>
             <a:r>
-              <a:rPr lang="ja-JP" altLang="en-US"/>
+              <a:rPr lang="ja-JP" altLang="en-US" b="1"/>
               <a:t>）</a:t>
             </a:r>
           </a:p>
@@ -13158,7 +13163,7 @@
         <a:lstStyle/>
         <a:p>
           <a:pPr>
-            <a:defRPr sz="1400" b="0" i="0" u="none" strike="noStrike" kern="1200" spc="0" baseline="0">
+            <a:defRPr sz="1400" b="1" i="0" u="none" strike="noStrike" kern="1200" spc="0" baseline="0">
               <a:solidFill>
                 <a:schemeClr val="tx1">
                   <a:lumMod val="65000"/>
@@ -13458,6 +13463,7 @@
     </c:legend>
     <c:plotVisOnly val="1"/>
     <c:dispBlanksAs val="gap"/>
+    <c:showDLblsOverMax val="0"/>
     <c:extLst>
       <c:ext xmlns:c16r3="http://schemas.microsoft.com/office/drawing/2017/03/chart" uri="{56B9EC1D-385E-4148-901F-78D8002777C0}">
         <c16r3:dataDisplayOptions16>
@@ -13465,7 +13471,6 @@
         </c16r3:dataDisplayOptions16>
       </c:ext>
     </c:extLst>
-    <c:showDLblsOverMax val="0"/>
   </c:chart>
   <c:spPr>
     <a:noFill/>
@@ -13561,6 +13566,7 @@
     </c:legend>
     <c:plotVisOnly val="1"/>
     <c:dispBlanksAs val="gap"/>
+    <c:showDLblsOverMax val="0"/>
     <c:extLst>
       <c:ext xmlns:c16r3="http://schemas.microsoft.com/office/drawing/2017/03/chart" uri="{56B9EC1D-385E-4148-901F-78D8002777C0}">
         <c16r3:dataDisplayOptions16>
@@ -13568,7 +13574,6 @@
         </c16r3:dataDisplayOptions16>
       </c:ext>
     </c:extLst>
-    <c:showDLblsOverMax val="0"/>
   </c:chart>
   <c:spPr>
     <a:noFill/>
@@ -13614,7 +13619,7 @@
           <a:lstStyle/>
           <a:p>
             <a:pPr>
-              <a:defRPr sz="1400" b="0" i="0" u="none" strike="noStrike" kern="1200" spc="0" baseline="0">
+              <a:defRPr sz="1400" b="1" i="0" u="none" strike="noStrike" kern="1200" spc="0" baseline="0">
                 <a:solidFill>
                   <a:schemeClr val="tx1">
                     <a:lumMod val="65000"/>
@@ -13627,7 +13632,7 @@
               </a:defRPr>
             </a:pPr>
             <a:r>
-              <a:rPr lang="ja-JP" altLang="en-US"/>
+              <a:rPr lang="ja-JP" altLang="en-US" b="1"/>
               <a:t>無限大キャンパス</a:t>
             </a:r>
           </a:p>
@@ -13646,7 +13651,7 @@
         <a:lstStyle/>
         <a:p>
           <a:pPr>
-            <a:defRPr sz="1400" b="0" i="0" u="none" strike="noStrike" kern="1200" spc="0" baseline="0">
+            <a:defRPr sz="1400" b="1" i="0" u="none" strike="noStrike" kern="1200" spc="0" baseline="0">
               <a:solidFill>
                 <a:schemeClr val="tx1">
                   <a:lumMod val="65000"/>
@@ -13946,6 +13951,7 @@
     </c:legend>
     <c:plotVisOnly val="1"/>
     <c:dispBlanksAs val="gap"/>
+    <c:showDLblsOverMax val="0"/>
     <c:extLst>
       <c:ext xmlns:c16r3="http://schemas.microsoft.com/office/drawing/2017/03/chart" uri="{56B9EC1D-385E-4148-901F-78D8002777C0}">
         <c16r3:dataDisplayOptions16>
@@ -13953,7 +13959,6 @@
         </c16r3:dataDisplayOptions16>
       </c:ext>
     </c:extLst>
-    <c:showDLblsOverMax val="0"/>
   </c:chart>
   <c:spPr>
     <a:noFill/>
@@ -13999,7 +14004,7 @@
           <a:lstStyle/>
           <a:p>
             <a:pPr>
-              <a:defRPr sz="1400" b="0" i="0" u="none" strike="noStrike" kern="1200" spc="0" baseline="0">
+              <a:defRPr sz="1400" b="1" i="0" u="none" strike="noStrike" kern="1200" spc="0" baseline="0">
                 <a:solidFill>
                   <a:schemeClr val="tx1">
                     <a:lumMod val="65000"/>
@@ -14012,7 +14017,7 @@
               </a:defRPr>
             </a:pPr>
             <a:r>
-              <a:rPr lang="ja-JP" altLang="en-US"/>
+              <a:rPr lang="ja-JP" altLang="en-US" b="1"/>
               <a:t>無限大キャンパス（東京工芸大学）</a:t>
             </a:r>
           </a:p>
@@ -14031,7 +14036,7 @@
         <a:lstStyle/>
         <a:p>
           <a:pPr>
-            <a:defRPr sz="1400" b="0" i="0" u="none" strike="noStrike" kern="1200" spc="0" baseline="0">
+            <a:defRPr sz="1400" b="1" i="0" u="none" strike="noStrike" kern="1200" spc="0" baseline="0">
               <a:solidFill>
                 <a:schemeClr val="tx1">
                   <a:lumMod val="65000"/>
@@ -14331,6 +14336,7 @@
     </c:legend>
     <c:plotVisOnly val="1"/>
     <c:dispBlanksAs val="gap"/>
+    <c:showDLblsOverMax val="0"/>
     <c:extLst>
       <c:ext xmlns:c16r3="http://schemas.microsoft.com/office/drawing/2017/03/chart" uri="{56B9EC1D-385E-4148-901F-78D8002777C0}">
         <c16r3:dataDisplayOptions16>
@@ -14338,7 +14344,6 @@
         </c16r3:dataDisplayOptions16>
       </c:ext>
     </c:extLst>
-    <c:showDLblsOverMax val="0"/>
   </c:chart>
   <c:spPr>
     <a:noFill/>
@@ -14724,6 +14729,7 @@
     </c:legend>
     <c:plotVisOnly val="1"/>
     <c:dispBlanksAs val="gap"/>
+    <c:showDLblsOverMax val="0"/>
     <c:extLst>
       <c:ext xmlns:c16r3="http://schemas.microsoft.com/office/drawing/2017/03/chart" uri="{56B9EC1D-385E-4148-901F-78D8002777C0}">
         <c16r3:dataDisplayOptions16>
@@ -14731,7 +14737,6 @@
         </c16r3:dataDisplayOptions16>
       </c:ext>
     </c:extLst>
-    <c:showDLblsOverMax val="0"/>
   </c:chart>
   <c:spPr>
     <a:noFill/>
@@ -14777,7 +14782,7 @@
           <a:lstStyle/>
           <a:p>
             <a:pPr>
-              <a:defRPr sz="1400" b="0" i="0" u="none" strike="noStrike" kern="1200" spc="0" baseline="0">
+              <a:defRPr sz="1400" b="1" i="0" u="none" strike="noStrike" kern="1200" spc="0" baseline="0">
                 <a:solidFill>
                   <a:schemeClr val="tx1">
                     <a:lumMod val="65000"/>
@@ -14790,7 +14795,7 @@
               </a:defRPr>
             </a:pPr>
             <a:r>
-              <a:rPr lang="ja-JP" altLang="en-US"/>
+              <a:rPr lang="ja-JP" altLang="en-US" b="1"/>
               <a:t>無限大キャンパス（ボタンだけ）</a:t>
             </a:r>
           </a:p>
@@ -14809,7 +14814,7 @@
         <a:lstStyle/>
         <a:p>
           <a:pPr>
-            <a:defRPr sz="1400" b="0" i="0" u="none" strike="noStrike" kern="1200" spc="0" baseline="0">
+            <a:defRPr sz="1400" b="1" i="0" u="none" strike="noStrike" kern="1200" spc="0" baseline="0">
               <a:solidFill>
                 <a:schemeClr val="tx1">
                   <a:lumMod val="65000"/>
@@ -15109,6 +15114,7 @@
     </c:legend>
     <c:plotVisOnly val="1"/>
     <c:dispBlanksAs val="gap"/>
+    <c:showDLblsOverMax val="0"/>
     <c:extLst>
       <c:ext xmlns:c16r3="http://schemas.microsoft.com/office/drawing/2017/03/chart" uri="{56B9EC1D-385E-4148-901F-78D8002777C0}">
         <c16r3:dataDisplayOptions16>
@@ -15116,7 +15122,6 @@
         </c16r3:dataDisplayOptions16>
       </c:ext>
     </c:extLst>
-    <c:showDLblsOverMax val="0"/>
   </c:chart>
   <c:spPr>
     <a:noFill/>
@@ -37591,6 +37596,13 @@
         </dgm:presLayoutVars>
       </dgm:prSet>
       <dgm:spPr/>
+      <dgm:t>
+        <a:bodyPr/>
+        <a:lstStyle/>
+        <a:p>
+          <a:endParaRPr kumimoji="1" lang="ja-JP" altLang="en-US"/>
+        </a:p>
+      </dgm:t>
     </dgm:pt>
     <dgm:pt modelId="{5D8A2247-66F2-4B16-9F04-7C18BFC20FB9}" type="pres">
       <dgm:prSet presAssocID="{F3A3E740-7DF7-49E0-8E46-184127346BA3}" presName="thickLine" presStyleLbl="alignNode1" presStyleIdx="0" presStyleCnt="6"/>
@@ -37603,6 +37615,13 @@
     <dgm:pt modelId="{0AD3774A-B950-443A-B244-DC03D4AF2716}" type="pres">
       <dgm:prSet presAssocID="{F3A3E740-7DF7-49E0-8E46-184127346BA3}" presName="tx1" presStyleLbl="revTx" presStyleIdx="0" presStyleCnt="6"/>
       <dgm:spPr/>
+      <dgm:t>
+        <a:bodyPr/>
+        <a:lstStyle/>
+        <a:p>
+          <a:endParaRPr kumimoji="1" lang="ja-JP" altLang="en-US"/>
+        </a:p>
+      </dgm:t>
     </dgm:pt>
     <dgm:pt modelId="{07610526-7B8C-4979-B02A-24F4C3E56A87}" type="pres">
       <dgm:prSet presAssocID="{F3A3E740-7DF7-49E0-8E46-184127346BA3}" presName="vert1" presStyleCnt="0"/>
@@ -37619,6 +37638,13 @@
     <dgm:pt modelId="{D43BB688-86D1-4199-A30F-BB4391932024}" type="pres">
       <dgm:prSet presAssocID="{16CB5A6F-3556-4D07-A0B2-1D9C51777006}" presName="tx1" presStyleLbl="revTx" presStyleIdx="1" presStyleCnt="6"/>
       <dgm:spPr/>
+      <dgm:t>
+        <a:bodyPr/>
+        <a:lstStyle/>
+        <a:p>
+          <a:endParaRPr kumimoji="1" lang="ja-JP" altLang="en-US"/>
+        </a:p>
+      </dgm:t>
     </dgm:pt>
     <dgm:pt modelId="{CA911BF3-3239-41B5-B3CA-34C32A470CA7}" type="pres">
       <dgm:prSet presAssocID="{16CB5A6F-3556-4D07-A0B2-1D9C51777006}" presName="vert1" presStyleCnt="0"/>
@@ -37635,6 +37661,13 @@
     <dgm:pt modelId="{CDD1B157-387F-4F2F-BAB5-758086059716}" type="pres">
       <dgm:prSet presAssocID="{347D5D29-1825-4FEF-9447-EAF32A91CB5D}" presName="tx1" presStyleLbl="revTx" presStyleIdx="2" presStyleCnt="6"/>
       <dgm:spPr/>
+      <dgm:t>
+        <a:bodyPr/>
+        <a:lstStyle/>
+        <a:p>
+          <a:endParaRPr kumimoji="1" lang="ja-JP" altLang="en-US"/>
+        </a:p>
+      </dgm:t>
     </dgm:pt>
     <dgm:pt modelId="{C1CA821E-F525-45A5-95AE-46DB0F0568BE}" type="pres">
       <dgm:prSet presAssocID="{347D5D29-1825-4FEF-9447-EAF32A91CB5D}" presName="vert1" presStyleCnt="0"/>
@@ -37651,6 +37684,13 @@
     <dgm:pt modelId="{65AA41FA-7AE1-4A2F-816A-258F8FFE177B}" type="pres">
       <dgm:prSet presAssocID="{5704D76F-03CD-4557-8C5B-DE8C05DB5763}" presName="tx1" presStyleLbl="revTx" presStyleIdx="3" presStyleCnt="6"/>
       <dgm:spPr/>
+      <dgm:t>
+        <a:bodyPr/>
+        <a:lstStyle/>
+        <a:p>
+          <a:endParaRPr kumimoji="1" lang="ja-JP" altLang="en-US"/>
+        </a:p>
+      </dgm:t>
     </dgm:pt>
     <dgm:pt modelId="{F5133E5F-4A5C-4373-996A-42C1D9200B56}" type="pres">
       <dgm:prSet presAssocID="{5704D76F-03CD-4557-8C5B-DE8C05DB5763}" presName="vert1" presStyleCnt="0"/>
@@ -37667,6 +37707,13 @@
     <dgm:pt modelId="{5B14BD68-C870-425D-BDDB-2B8D38C60E3D}" type="pres">
       <dgm:prSet presAssocID="{4CC4535B-1533-4E76-B824-5FAB494F4AC8}" presName="tx1" presStyleLbl="revTx" presStyleIdx="4" presStyleCnt="6"/>
       <dgm:spPr/>
+      <dgm:t>
+        <a:bodyPr/>
+        <a:lstStyle/>
+        <a:p>
+          <a:endParaRPr kumimoji="1" lang="ja-JP" altLang="en-US"/>
+        </a:p>
+      </dgm:t>
     </dgm:pt>
     <dgm:pt modelId="{FF0D3558-1756-48E9-9E47-5734B6F5F8A6}" type="pres">
       <dgm:prSet presAssocID="{4CC4535B-1533-4E76-B824-5FAB494F4AC8}" presName="vert1" presStyleCnt="0"/>
@@ -37683,6 +37730,13 @@
     <dgm:pt modelId="{7B60F2D3-B728-4893-BF17-4DD66A386C10}" type="pres">
       <dgm:prSet presAssocID="{732D11A1-EFF4-4DCF-8570-90C5FC84A98B}" presName="tx1" presStyleLbl="revTx" presStyleIdx="5" presStyleCnt="6"/>
       <dgm:spPr/>
+      <dgm:t>
+        <a:bodyPr/>
+        <a:lstStyle/>
+        <a:p>
+          <a:endParaRPr kumimoji="1" lang="ja-JP" altLang="en-US"/>
+        </a:p>
+      </dgm:t>
     </dgm:pt>
     <dgm:pt modelId="{BAC2D9AF-8CD4-4E75-A049-3EA209DC1881}" type="pres">
       <dgm:prSet presAssocID="{732D11A1-EFF4-4DCF-8570-90C5FC84A98B}" presName="vert1" presStyleCnt="0"/>
@@ -37690,19 +37744,19 @@
     </dgm:pt>
   </dgm:ptLst>
   <dgm:cxnLst>
+    <dgm:cxn modelId="{1663E496-8084-4152-84A9-7EA1A84CB348}" type="presOf" srcId="{347D5D29-1825-4FEF-9447-EAF32A91CB5D}" destId="{CDD1B157-387F-4F2F-BAB5-758086059716}" srcOrd="0" destOrd="0" presId="urn:microsoft.com/office/officeart/2008/layout/LinedList"/>
+    <dgm:cxn modelId="{99BA0262-E25C-4310-A50D-6DCD5A94D10E}" srcId="{54F91D9D-FDF1-4757-95E4-F78834A02514}" destId="{732D11A1-EFF4-4DCF-8570-90C5FC84A98B}" srcOrd="5" destOrd="0" parTransId="{7568E8D2-FA4E-4F40-B323-459E3E1961B0}" sibTransId="{4681E7AF-4593-4552-A13A-157BE41A82CB}"/>
+    <dgm:cxn modelId="{1B45EA42-C662-435C-89BF-00FFFAD1CA70}" srcId="{54F91D9D-FDF1-4757-95E4-F78834A02514}" destId="{5704D76F-03CD-4557-8C5B-DE8C05DB5763}" srcOrd="3" destOrd="0" parTransId="{11AFF5DF-C53D-483E-8820-A47B0E8FBBA9}" sibTransId="{14BCAB88-33B1-49D0-B01F-DADC551A147D}"/>
+    <dgm:cxn modelId="{FC5DC496-C3CA-45F6-B22C-1B0FB4EC067F}" type="presOf" srcId="{4CC4535B-1533-4E76-B824-5FAB494F4AC8}" destId="{5B14BD68-C870-425D-BDDB-2B8D38C60E3D}" srcOrd="0" destOrd="0" presId="urn:microsoft.com/office/officeart/2008/layout/LinedList"/>
+    <dgm:cxn modelId="{6635F84F-EA2D-47D9-8A10-31F8098F4991}" type="presOf" srcId="{F3A3E740-7DF7-49E0-8E46-184127346BA3}" destId="{0AD3774A-B950-443A-B244-DC03D4AF2716}" srcOrd="0" destOrd="0" presId="urn:microsoft.com/office/officeart/2008/layout/LinedList"/>
+    <dgm:cxn modelId="{EF0C589F-4166-4C4B-8698-1A682A23CDF5}" type="presOf" srcId="{5704D76F-03CD-4557-8C5B-DE8C05DB5763}" destId="{65AA41FA-7AE1-4A2F-816A-258F8FFE177B}" srcOrd="0" destOrd="0" presId="urn:microsoft.com/office/officeart/2008/layout/LinedList"/>
     <dgm:cxn modelId="{270AB937-5E22-4795-9682-67BF91B880A9}" srcId="{54F91D9D-FDF1-4757-95E4-F78834A02514}" destId="{347D5D29-1825-4FEF-9447-EAF32A91CB5D}" srcOrd="2" destOrd="0" parTransId="{26D006CC-86D3-4867-A601-44E1791715A9}" sibTransId="{6A5FDAA4-91BC-4631-817D-EAB51B40067B}"/>
-    <dgm:cxn modelId="{99BA0262-E25C-4310-A50D-6DCD5A94D10E}" srcId="{54F91D9D-FDF1-4757-95E4-F78834A02514}" destId="{732D11A1-EFF4-4DCF-8570-90C5FC84A98B}" srcOrd="5" destOrd="0" parTransId="{7568E8D2-FA4E-4F40-B323-459E3E1961B0}" sibTransId="{4681E7AF-4593-4552-A13A-157BE41A82CB}"/>
-    <dgm:cxn modelId="{6E1D3C62-384C-4203-9F9F-7E813DB09427}" type="presOf" srcId="{732D11A1-EFF4-4DCF-8570-90C5FC84A98B}" destId="{7B60F2D3-B728-4893-BF17-4DD66A386C10}" srcOrd="0" destOrd="0" presId="urn:microsoft.com/office/officeart/2008/layout/LinedList"/>
-    <dgm:cxn modelId="{1B45EA42-C662-435C-89BF-00FFFAD1CA70}" srcId="{54F91D9D-FDF1-4757-95E4-F78834A02514}" destId="{5704D76F-03CD-4557-8C5B-DE8C05DB5763}" srcOrd="3" destOrd="0" parTransId="{11AFF5DF-C53D-483E-8820-A47B0E8FBBA9}" sibTransId="{14BCAB88-33B1-49D0-B01F-DADC551A147D}"/>
-    <dgm:cxn modelId="{6635F84F-EA2D-47D9-8A10-31F8098F4991}" type="presOf" srcId="{F3A3E740-7DF7-49E0-8E46-184127346BA3}" destId="{0AD3774A-B950-443A-B244-DC03D4AF2716}" srcOrd="0" destOrd="0" presId="urn:microsoft.com/office/officeart/2008/layout/LinedList"/>
+    <dgm:cxn modelId="{F0FD05F7-8FC6-45E5-9DE3-21B1D5139A76}" srcId="{54F91D9D-FDF1-4757-95E4-F78834A02514}" destId="{F3A3E740-7DF7-49E0-8E46-184127346BA3}" srcOrd="0" destOrd="0" parTransId="{DA0DBB4B-D070-4486-A025-E5A93733C823}" sibTransId="{FBDDC293-E2AA-4DE7-B712-21DECD04AAE2}"/>
     <dgm:cxn modelId="{E35A377D-9509-487E-8539-E0C85D004E7A}" srcId="{54F91D9D-FDF1-4757-95E4-F78834A02514}" destId="{16CB5A6F-3556-4D07-A0B2-1D9C51777006}" srcOrd="1" destOrd="0" parTransId="{7C685834-1E9F-43A7-9215-870018178521}" sibTransId="{25875687-3A32-44C9-A526-5DEB69A4996D}"/>
     <dgm:cxn modelId="{AC892F81-9F6A-4775-960D-4F75E85DDED2}" type="presOf" srcId="{16CB5A6F-3556-4D07-A0B2-1D9C51777006}" destId="{D43BB688-86D1-4199-A30F-BB4391932024}" srcOrd="0" destOrd="0" presId="urn:microsoft.com/office/officeart/2008/layout/LinedList"/>
-    <dgm:cxn modelId="{FC5DC496-C3CA-45F6-B22C-1B0FB4EC067F}" type="presOf" srcId="{4CC4535B-1533-4E76-B824-5FAB494F4AC8}" destId="{5B14BD68-C870-425D-BDDB-2B8D38C60E3D}" srcOrd="0" destOrd="0" presId="urn:microsoft.com/office/officeart/2008/layout/LinedList"/>
-    <dgm:cxn modelId="{1663E496-8084-4152-84A9-7EA1A84CB348}" type="presOf" srcId="{347D5D29-1825-4FEF-9447-EAF32A91CB5D}" destId="{CDD1B157-387F-4F2F-BAB5-758086059716}" srcOrd="0" destOrd="0" presId="urn:microsoft.com/office/officeart/2008/layout/LinedList"/>
-    <dgm:cxn modelId="{EF0C589F-4166-4C4B-8698-1A682A23CDF5}" type="presOf" srcId="{5704D76F-03CD-4557-8C5B-DE8C05DB5763}" destId="{65AA41FA-7AE1-4A2F-816A-258F8FFE177B}" srcOrd="0" destOrd="0" presId="urn:microsoft.com/office/officeart/2008/layout/LinedList"/>
+    <dgm:cxn modelId="{6E1D3C62-384C-4203-9F9F-7E813DB09427}" type="presOf" srcId="{732D11A1-EFF4-4DCF-8570-90C5FC84A98B}" destId="{7B60F2D3-B728-4893-BF17-4DD66A386C10}" srcOrd="0" destOrd="0" presId="urn:microsoft.com/office/officeart/2008/layout/LinedList"/>
     <dgm:cxn modelId="{B7F0F3CF-2AE8-4175-AF51-4C5B6BD8EC45}" srcId="{54F91D9D-FDF1-4757-95E4-F78834A02514}" destId="{4CC4535B-1533-4E76-B824-5FAB494F4AC8}" srcOrd="4" destOrd="0" parTransId="{47523E1B-3978-4D1F-BCCB-BB248E59A0AD}" sibTransId="{6743C7DD-38AE-4DD6-AF34-CF84C779E340}"/>
     <dgm:cxn modelId="{5E6BD3E3-FDA6-4A74-AC7C-E5FB90290C0D}" type="presOf" srcId="{54F91D9D-FDF1-4757-95E4-F78834A02514}" destId="{87E2001A-8C4E-4F25-9616-7BBC7AB8E142}" srcOrd="0" destOrd="0" presId="urn:microsoft.com/office/officeart/2008/layout/LinedList"/>
-    <dgm:cxn modelId="{F0FD05F7-8FC6-45E5-9DE3-21B1D5139A76}" srcId="{54F91D9D-FDF1-4757-95E4-F78834A02514}" destId="{F3A3E740-7DF7-49E0-8E46-184127346BA3}" srcOrd="0" destOrd="0" parTransId="{DA0DBB4B-D070-4486-A025-E5A93733C823}" sibTransId="{FBDDC293-E2AA-4DE7-B712-21DECD04AAE2}"/>
     <dgm:cxn modelId="{96B9C0E1-A7B1-45EC-83A1-029977D44D4D}" type="presParOf" srcId="{87E2001A-8C4E-4F25-9616-7BBC7AB8E142}" destId="{5D8A2247-66F2-4B16-9F04-7C18BFC20FB9}" srcOrd="0" destOrd="0" presId="urn:microsoft.com/office/officeart/2008/layout/LinedList"/>
     <dgm:cxn modelId="{76F156E6-7552-466B-A037-C4A0DA28503A}" type="presParOf" srcId="{87E2001A-8C4E-4F25-9616-7BBC7AB8E142}" destId="{79D4CA24-6A98-47B7-BD1D-E3E157934E6E}" srcOrd="1" destOrd="0" presId="urn:microsoft.com/office/officeart/2008/layout/LinedList"/>
     <dgm:cxn modelId="{B1AB30C4-E101-4863-AC6B-3D26958E64CE}" type="presParOf" srcId="{79D4CA24-6A98-47B7-BD1D-E3E157934E6E}" destId="{0AD3774A-B950-443A-B244-DC03D4AF2716}" srcOrd="0" destOrd="0" presId="urn:microsoft.com/office/officeart/2008/layout/LinedList"/>
@@ -38162,6 +38216,13 @@
         </dgm:presLayoutVars>
       </dgm:prSet>
       <dgm:spPr/>
+      <dgm:t>
+        <a:bodyPr/>
+        <a:lstStyle/>
+        <a:p>
+          <a:endParaRPr kumimoji="1" lang="ja-JP" altLang="en-US"/>
+        </a:p>
+      </dgm:t>
     </dgm:pt>
     <dgm:pt modelId="{C71873FE-1301-4FAA-A1FA-4DA583D71B2A}" type="pres">
       <dgm:prSet presAssocID="{F8FB15E0-8342-42A8-9AAE-FDD2118039AA}" presName="parentLin" presStyleCnt="0"/>
@@ -38170,6 +38231,13 @@
     <dgm:pt modelId="{11851AE9-97D8-42E2-BBBD-21C77F990880}" type="pres">
       <dgm:prSet presAssocID="{F8FB15E0-8342-42A8-9AAE-FDD2118039AA}" presName="parentLeftMargin" presStyleLbl="node1" presStyleIdx="0" presStyleCnt="3"/>
       <dgm:spPr/>
+      <dgm:t>
+        <a:bodyPr/>
+        <a:lstStyle/>
+        <a:p>
+          <a:endParaRPr kumimoji="1" lang="ja-JP" altLang="en-US"/>
+        </a:p>
+      </dgm:t>
     </dgm:pt>
     <dgm:pt modelId="{98FDD25D-8269-4C75-A1E8-063F550353BF}" type="pres">
       <dgm:prSet presAssocID="{F8FB15E0-8342-42A8-9AAE-FDD2118039AA}" presName="parentText" presStyleLbl="node1" presStyleIdx="0" presStyleCnt="3">
@@ -38179,6 +38247,13 @@
         </dgm:presLayoutVars>
       </dgm:prSet>
       <dgm:spPr/>
+      <dgm:t>
+        <a:bodyPr/>
+        <a:lstStyle/>
+        <a:p>
+          <a:endParaRPr kumimoji="1" lang="ja-JP" altLang="en-US"/>
+        </a:p>
+      </dgm:t>
     </dgm:pt>
     <dgm:pt modelId="{D22B3FD4-71E5-48EF-B5B2-355EBB8878A1}" type="pres">
       <dgm:prSet presAssocID="{F8FB15E0-8342-42A8-9AAE-FDD2118039AA}" presName="negativeSpace" presStyleCnt="0"/>
@@ -38191,6 +38266,13 @@
         </dgm:presLayoutVars>
       </dgm:prSet>
       <dgm:spPr/>
+      <dgm:t>
+        <a:bodyPr/>
+        <a:lstStyle/>
+        <a:p>
+          <a:endParaRPr kumimoji="1" lang="ja-JP" altLang="en-US"/>
+        </a:p>
+      </dgm:t>
     </dgm:pt>
     <dgm:pt modelId="{51D1B442-7B0E-431C-BA3E-D1EF9DB76355}" type="pres">
       <dgm:prSet presAssocID="{9E07AB73-45AF-41D2-9650-6ECD73F81BA9}" presName="spaceBetweenRectangles" presStyleCnt="0"/>
@@ -38203,6 +38285,13 @@
     <dgm:pt modelId="{FE94C511-DC03-4BE9-9DD5-5B7874B0CB11}" type="pres">
       <dgm:prSet presAssocID="{AD659516-668B-47B5-8FF0-3A3A2DBA348D}" presName="parentLeftMargin" presStyleLbl="node1" presStyleIdx="0" presStyleCnt="3"/>
       <dgm:spPr/>
+      <dgm:t>
+        <a:bodyPr/>
+        <a:lstStyle/>
+        <a:p>
+          <a:endParaRPr kumimoji="1" lang="ja-JP" altLang="en-US"/>
+        </a:p>
+      </dgm:t>
     </dgm:pt>
     <dgm:pt modelId="{A7F4599E-7B11-4058-B70D-7202A405DF73}" type="pres">
       <dgm:prSet presAssocID="{AD659516-668B-47B5-8FF0-3A3A2DBA348D}" presName="parentText" presStyleLbl="node1" presStyleIdx="1" presStyleCnt="3">
@@ -38212,6 +38301,13 @@
         </dgm:presLayoutVars>
       </dgm:prSet>
       <dgm:spPr/>
+      <dgm:t>
+        <a:bodyPr/>
+        <a:lstStyle/>
+        <a:p>
+          <a:endParaRPr kumimoji="1" lang="ja-JP" altLang="en-US"/>
+        </a:p>
+      </dgm:t>
     </dgm:pt>
     <dgm:pt modelId="{FF0A704F-96BE-48F6-864B-FAB73863E0EE}" type="pres">
       <dgm:prSet presAssocID="{AD659516-668B-47B5-8FF0-3A3A2DBA348D}" presName="negativeSpace" presStyleCnt="0"/>
@@ -38224,6 +38320,13 @@
         </dgm:presLayoutVars>
       </dgm:prSet>
       <dgm:spPr/>
+      <dgm:t>
+        <a:bodyPr/>
+        <a:lstStyle/>
+        <a:p>
+          <a:endParaRPr kumimoji="1" lang="ja-JP" altLang="en-US"/>
+        </a:p>
+      </dgm:t>
     </dgm:pt>
     <dgm:pt modelId="{3433B0C6-3B5F-4877-A1E8-0F42E92B9484}" type="pres">
       <dgm:prSet presAssocID="{39AADC18-E5C4-4688-8ECC-83037E6B0B66}" presName="spaceBetweenRectangles" presStyleCnt="0"/>
@@ -38236,6 +38339,13 @@
     <dgm:pt modelId="{C331BFE7-6275-43EB-9AFE-C3FB7AA03D88}" type="pres">
       <dgm:prSet presAssocID="{8671003B-C095-426A-BF25-2D69449E8081}" presName="parentLeftMargin" presStyleLbl="node1" presStyleIdx="1" presStyleCnt="3"/>
       <dgm:spPr/>
+      <dgm:t>
+        <a:bodyPr/>
+        <a:lstStyle/>
+        <a:p>
+          <a:endParaRPr kumimoji="1" lang="ja-JP" altLang="en-US"/>
+        </a:p>
+      </dgm:t>
     </dgm:pt>
     <dgm:pt modelId="{94D71C60-E073-4CD3-9D87-B5EE9BA9B60C}" type="pres">
       <dgm:prSet presAssocID="{8671003B-C095-426A-BF25-2D69449E8081}" presName="parentText" presStyleLbl="node1" presStyleIdx="2" presStyleCnt="3">
@@ -38245,6 +38355,13 @@
         </dgm:presLayoutVars>
       </dgm:prSet>
       <dgm:spPr/>
+      <dgm:t>
+        <a:bodyPr/>
+        <a:lstStyle/>
+        <a:p>
+          <a:endParaRPr kumimoji="1" lang="ja-JP" altLang="en-US"/>
+        </a:p>
+      </dgm:t>
     </dgm:pt>
     <dgm:pt modelId="{A9515B6A-2F28-4BFF-BDBA-3335514B3D69}" type="pres">
       <dgm:prSet presAssocID="{8671003B-C095-426A-BF25-2D69449E8081}" presName="negativeSpace" presStyleCnt="0"/>
@@ -38257,31 +38374,38 @@
         </dgm:presLayoutVars>
       </dgm:prSet>
       <dgm:spPr/>
+      <dgm:t>
+        <a:bodyPr/>
+        <a:lstStyle/>
+        <a:p>
+          <a:endParaRPr kumimoji="1" lang="ja-JP" altLang="en-US"/>
+        </a:p>
+      </dgm:t>
     </dgm:pt>
   </dgm:ptLst>
   <dgm:cxnLst>
     <dgm:cxn modelId="{7064C118-2A31-41EF-8F57-CBD736579CB8}" type="presOf" srcId="{F8FB15E0-8342-42A8-9AAE-FDD2118039AA}" destId="{98FDD25D-8269-4C75-A1E8-063F550353BF}" srcOrd="1" destOrd="0" presId="urn:microsoft.com/office/officeart/2005/8/layout/list1"/>
-    <dgm:cxn modelId="{D7371719-D972-41D4-9A7E-F9D385FFCBF6}" type="presOf" srcId="{F8FB15E0-8342-42A8-9AAE-FDD2118039AA}" destId="{11851AE9-97D8-42E2-BBBD-21C77F990880}" srcOrd="0" destOrd="0" presId="urn:microsoft.com/office/officeart/2005/8/layout/list1"/>
-    <dgm:cxn modelId="{C4D1F924-78CF-46BF-98E0-EE9FC5CD480B}" type="presOf" srcId="{AD659516-668B-47B5-8FF0-3A3A2DBA348D}" destId="{A7F4599E-7B11-4058-B70D-7202A405DF73}" srcOrd="1" destOrd="0" presId="urn:microsoft.com/office/officeart/2005/8/layout/list1"/>
-    <dgm:cxn modelId="{88FF6F26-3C3D-44A9-A7BD-9B1837480E59}" srcId="{F8FB15E0-8342-42A8-9AAE-FDD2118039AA}" destId="{B5F33CA0-9E5E-42FD-8EEE-46E37F0F8BDF}" srcOrd="0" destOrd="0" parTransId="{191C9FDF-8DEB-4D81-8D0E-BB3069CF49AC}" sibTransId="{B68EA902-3088-4691-B7B4-FBE81CB0AD33}"/>
     <dgm:cxn modelId="{286FBD2B-7AE2-4774-9097-19015FBCBE51}" type="presOf" srcId="{EFF2A51A-BE39-4243-B2DC-D85DD6483885}" destId="{0737EE74-9FED-4F31-A301-7204E8C7FBF8}" srcOrd="0" destOrd="1" presId="urn:microsoft.com/office/officeart/2005/8/layout/list1"/>
     <dgm:cxn modelId="{E6E3E135-736A-4F5E-BBBC-372316D60798}" srcId="{56C216CB-2955-44A4-94AF-8407CEB5AA94}" destId="{F8FB15E0-8342-42A8-9AAE-FDD2118039AA}" srcOrd="0" destOrd="0" parTransId="{81E36240-3CB1-4F5E-AA46-65EB65394224}" sibTransId="{9E07AB73-45AF-41D2-9650-6ECD73F81BA9}"/>
     <dgm:cxn modelId="{0237FD5C-3A6F-4301-8F30-AACAA65AFB7F}" type="presOf" srcId="{275A5836-A574-400C-8F2F-6241B2F1FB9C}" destId="{0737EE74-9FED-4F31-A301-7204E8C7FBF8}" srcOrd="0" destOrd="0" presId="urn:microsoft.com/office/officeart/2005/8/layout/list1"/>
+    <dgm:cxn modelId="{88FF6F26-3C3D-44A9-A7BD-9B1837480E59}" srcId="{F8FB15E0-8342-42A8-9AAE-FDD2118039AA}" destId="{B5F33CA0-9E5E-42FD-8EEE-46E37F0F8BDF}" srcOrd="0" destOrd="0" parTransId="{191C9FDF-8DEB-4D81-8D0E-BB3069CF49AC}" sibTransId="{B68EA902-3088-4691-B7B4-FBE81CB0AD33}"/>
+    <dgm:cxn modelId="{CF2E4877-5E7E-4225-A9C2-198A1124B68B}" srcId="{8671003B-C095-426A-BF25-2D69449E8081}" destId="{B302070A-6D2F-4F29-9D2C-05B339AB279F}" srcOrd="0" destOrd="0" parTransId="{09712751-D76E-4E29-A4E9-15963009DE05}" sibTransId="{2B1E3488-DBAF-4666-A437-83613F37E1FB}"/>
+    <dgm:cxn modelId="{48138785-D95C-4220-9EA2-8FDF81077F42}" srcId="{56C216CB-2955-44A4-94AF-8407CEB5AA94}" destId="{AD659516-668B-47B5-8FF0-3A3A2DBA348D}" srcOrd="1" destOrd="0" parTransId="{3D3E276F-F4E2-4997-BA06-79987178BA5D}" sibTransId="{39AADC18-E5C4-4688-8ECC-83037E6B0B66}"/>
+    <dgm:cxn modelId="{C4D1F924-78CF-46BF-98E0-EE9FC5CD480B}" type="presOf" srcId="{AD659516-668B-47B5-8FF0-3A3A2DBA348D}" destId="{A7F4599E-7B11-4058-B70D-7202A405DF73}" srcOrd="1" destOrd="0" presId="urn:microsoft.com/office/officeart/2005/8/layout/list1"/>
+    <dgm:cxn modelId="{0BBA5EBC-DA7B-4D5F-919D-E0791CCBE41A}" srcId="{56C216CB-2955-44A4-94AF-8407CEB5AA94}" destId="{8671003B-C095-426A-BF25-2D69449E8081}" srcOrd="2" destOrd="0" parTransId="{43B8230D-F33C-4DCA-9DC4-0EACCCECC20E}" sibTransId="{19B2F2D3-CA57-4CE0-AFB5-571BEB3E9C03}"/>
+    <dgm:cxn modelId="{0D5D79F4-9541-41DE-BA57-08FAE6EFEEAD}" type="presOf" srcId="{8671003B-C095-426A-BF25-2D69449E8081}" destId="{C331BFE7-6275-43EB-9AFE-C3FB7AA03D88}" srcOrd="0" destOrd="0" presId="urn:microsoft.com/office/officeart/2005/8/layout/list1"/>
+    <dgm:cxn modelId="{06B951AB-02AD-4EA2-9391-B0CA6D0AFC37}" type="presOf" srcId="{AD659516-668B-47B5-8FF0-3A3A2DBA348D}" destId="{FE94C511-DC03-4BE9-9DD5-5B7874B0CB11}" srcOrd="0" destOrd="0" presId="urn:microsoft.com/office/officeart/2005/8/layout/list1"/>
+    <dgm:cxn modelId="{1076F3C9-C019-4508-B923-2220B3A263B3}" type="presOf" srcId="{99879015-29AE-4D8E-BCD9-34E930AC974E}" destId="{3AFB6898-DD12-40D1-89FD-A2038F6DB2B7}" srcOrd="0" destOrd="1" presId="urn:microsoft.com/office/officeart/2005/8/layout/list1"/>
+    <dgm:cxn modelId="{A69CF9BC-F5B5-4E27-83D4-C4E74B4FA9AB}" type="presOf" srcId="{B5F33CA0-9E5E-42FD-8EEE-46E37F0F8BDF}" destId="{3AFB6898-DD12-40D1-89FD-A2038F6DB2B7}" srcOrd="0" destOrd="0" presId="urn:microsoft.com/office/officeart/2005/8/layout/list1"/>
+    <dgm:cxn modelId="{A8C960F0-33F6-42D8-809B-4F7902E7BB6D}" srcId="{AD659516-668B-47B5-8FF0-3A3A2DBA348D}" destId="{275A5836-A574-400C-8F2F-6241B2F1FB9C}" srcOrd="0" destOrd="0" parTransId="{0FDF39A9-576B-4BE2-B8DE-5D21FD053A9C}" sibTransId="{EE8E4FC2-D782-4439-AA70-5F29E4336B6D}"/>
+    <dgm:cxn modelId="{EC02CBF6-DB9E-4654-A6F5-9A4CB81C4B63}" type="presOf" srcId="{F69C241A-127E-4F1D-83A7-C2A908A82C3B}" destId="{90E11F11-01A0-4C28-B6BC-8974CB220E9C}" srcOrd="0" destOrd="1" presId="urn:microsoft.com/office/officeart/2005/8/layout/list1"/>
+    <dgm:cxn modelId="{FBED7A7E-E7CF-415B-81BA-1906A5D9E9FD}" type="presOf" srcId="{8671003B-C095-426A-BF25-2D69449E8081}" destId="{94D71C60-E073-4CD3-9D87-B5EE9BA9B60C}" srcOrd="1" destOrd="0" presId="urn:microsoft.com/office/officeart/2005/8/layout/list1"/>
+    <dgm:cxn modelId="{D7371719-D972-41D4-9A7E-F9D385FFCBF6}" type="presOf" srcId="{F8FB15E0-8342-42A8-9AAE-FDD2118039AA}" destId="{11851AE9-97D8-42E2-BBBD-21C77F990880}" srcOrd="0" destOrd="0" presId="urn:microsoft.com/office/officeart/2005/8/layout/list1"/>
+    <dgm:cxn modelId="{F78769AC-CA08-4AC0-A144-20E74FF76D6D}" type="presOf" srcId="{B302070A-6D2F-4F29-9D2C-05B339AB279F}" destId="{90E11F11-01A0-4C28-B6BC-8974CB220E9C}" srcOrd="0" destOrd="0" presId="urn:microsoft.com/office/officeart/2005/8/layout/list1"/>
+    <dgm:cxn modelId="{E0A92946-852F-4F42-BD05-DF221DB608B0}" srcId="{AD659516-668B-47B5-8FF0-3A3A2DBA348D}" destId="{EFF2A51A-BE39-4243-B2DC-D85DD6483885}" srcOrd="1" destOrd="0" parTransId="{C4BDC086-0AF5-4AF0-A863-26D1D94D6A09}" sibTransId="{9FD57F72-6EC8-4660-A710-33EA3A7E23C1}"/>
+    <dgm:cxn modelId="{740B6A63-467D-4DB9-9FDE-5DF751375826}" srcId="{F8FB15E0-8342-42A8-9AAE-FDD2118039AA}" destId="{99879015-29AE-4D8E-BCD9-34E930AC974E}" srcOrd="1" destOrd="0" parTransId="{E990E473-88D6-4278-A124-9889FBEC0270}" sibTransId="{CF34E13F-CB21-48E0-BBDF-E7ED222DCD5C}"/>
+    <dgm:cxn modelId="{FD3329D9-C533-4058-8F26-FA42AD5791AA}" type="presOf" srcId="{56C216CB-2955-44A4-94AF-8407CEB5AA94}" destId="{17F4D42C-ED91-4CAE-B338-235D42E76D78}" srcOrd="0" destOrd="0" presId="urn:microsoft.com/office/officeart/2005/8/layout/list1"/>
     <dgm:cxn modelId="{EDA8675F-7AF9-4DF0-8EE6-AC9BF7F7FF0D}" srcId="{8671003B-C095-426A-BF25-2D69449E8081}" destId="{F69C241A-127E-4F1D-83A7-C2A908A82C3B}" srcOrd="1" destOrd="0" parTransId="{A9EB38D4-465D-414E-9D59-19F36AF3505F}" sibTransId="{A62E2760-E4D7-492D-8710-E6800AB9148B}"/>
-    <dgm:cxn modelId="{740B6A63-467D-4DB9-9FDE-5DF751375826}" srcId="{F8FB15E0-8342-42A8-9AAE-FDD2118039AA}" destId="{99879015-29AE-4D8E-BCD9-34E930AC974E}" srcOrd="1" destOrd="0" parTransId="{E990E473-88D6-4278-A124-9889FBEC0270}" sibTransId="{CF34E13F-CB21-48E0-BBDF-E7ED222DCD5C}"/>
-    <dgm:cxn modelId="{E0A92946-852F-4F42-BD05-DF221DB608B0}" srcId="{AD659516-668B-47B5-8FF0-3A3A2DBA348D}" destId="{EFF2A51A-BE39-4243-B2DC-D85DD6483885}" srcOrd="1" destOrd="0" parTransId="{C4BDC086-0AF5-4AF0-A863-26D1D94D6A09}" sibTransId="{9FD57F72-6EC8-4660-A710-33EA3A7E23C1}"/>
-    <dgm:cxn modelId="{CF2E4877-5E7E-4225-A9C2-198A1124B68B}" srcId="{8671003B-C095-426A-BF25-2D69449E8081}" destId="{B302070A-6D2F-4F29-9D2C-05B339AB279F}" srcOrd="0" destOrd="0" parTransId="{09712751-D76E-4E29-A4E9-15963009DE05}" sibTransId="{2B1E3488-DBAF-4666-A437-83613F37E1FB}"/>
-    <dgm:cxn modelId="{FBED7A7E-E7CF-415B-81BA-1906A5D9E9FD}" type="presOf" srcId="{8671003B-C095-426A-BF25-2D69449E8081}" destId="{94D71C60-E073-4CD3-9D87-B5EE9BA9B60C}" srcOrd="1" destOrd="0" presId="urn:microsoft.com/office/officeart/2005/8/layout/list1"/>
-    <dgm:cxn modelId="{48138785-D95C-4220-9EA2-8FDF81077F42}" srcId="{56C216CB-2955-44A4-94AF-8407CEB5AA94}" destId="{AD659516-668B-47B5-8FF0-3A3A2DBA348D}" srcOrd="1" destOrd="0" parTransId="{3D3E276F-F4E2-4997-BA06-79987178BA5D}" sibTransId="{39AADC18-E5C4-4688-8ECC-83037E6B0B66}"/>
-    <dgm:cxn modelId="{06B951AB-02AD-4EA2-9391-B0CA6D0AFC37}" type="presOf" srcId="{AD659516-668B-47B5-8FF0-3A3A2DBA348D}" destId="{FE94C511-DC03-4BE9-9DD5-5B7874B0CB11}" srcOrd="0" destOrd="0" presId="urn:microsoft.com/office/officeart/2005/8/layout/list1"/>
-    <dgm:cxn modelId="{F78769AC-CA08-4AC0-A144-20E74FF76D6D}" type="presOf" srcId="{B302070A-6D2F-4F29-9D2C-05B339AB279F}" destId="{90E11F11-01A0-4C28-B6BC-8974CB220E9C}" srcOrd="0" destOrd="0" presId="urn:microsoft.com/office/officeart/2005/8/layout/list1"/>
-    <dgm:cxn modelId="{0BBA5EBC-DA7B-4D5F-919D-E0791CCBE41A}" srcId="{56C216CB-2955-44A4-94AF-8407CEB5AA94}" destId="{8671003B-C095-426A-BF25-2D69449E8081}" srcOrd="2" destOrd="0" parTransId="{43B8230D-F33C-4DCA-9DC4-0EACCCECC20E}" sibTransId="{19B2F2D3-CA57-4CE0-AFB5-571BEB3E9C03}"/>
-    <dgm:cxn modelId="{A69CF9BC-F5B5-4E27-83D4-C4E74B4FA9AB}" type="presOf" srcId="{B5F33CA0-9E5E-42FD-8EEE-46E37F0F8BDF}" destId="{3AFB6898-DD12-40D1-89FD-A2038F6DB2B7}" srcOrd="0" destOrd="0" presId="urn:microsoft.com/office/officeart/2005/8/layout/list1"/>
-    <dgm:cxn modelId="{1076F3C9-C019-4508-B923-2220B3A263B3}" type="presOf" srcId="{99879015-29AE-4D8E-BCD9-34E930AC974E}" destId="{3AFB6898-DD12-40D1-89FD-A2038F6DB2B7}" srcOrd="0" destOrd="1" presId="urn:microsoft.com/office/officeart/2005/8/layout/list1"/>
-    <dgm:cxn modelId="{FD3329D9-C533-4058-8F26-FA42AD5791AA}" type="presOf" srcId="{56C216CB-2955-44A4-94AF-8407CEB5AA94}" destId="{17F4D42C-ED91-4CAE-B338-235D42E76D78}" srcOrd="0" destOrd="0" presId="urn:microsoft.com/office/officeart/2005/8/layout/list1"/>
-    <dgm:cxn modelId="{A8C960F0-33F6-42D8-809B-4F7902E7BB6D}" srcId="{AD659516-668B-47B5-8FF0-3A3A2DBA348D}" destId="{275A5836-A574-400C-8F2F-6241B2F1FB9C}" srcOrd="0" destOrd="0" parTransId="{0FDF39A9-576B-4BE2-B8DE-5D21FD053A9C}" sibTransId="{EE8E4FC2-D782-4439-AA70-5F29E4336B6D}"/>
-    <dgm:cxn modelId="{0D5D79F4-9541-41DE-BA57-08FAE6EFEEAD}" type="presOf" srcId="{8671003B-C095-426A-BF25-2D69449E8081}" destId="{C331BFE7-6275-43EB-9AFE-C3FB7AA03D88}" srcOrd="0" destOrd="0" presId="urn:microsoft.com/office/officeart/2005/8/layout/list1"/>
-    <dgm:cxn modelId="{EC02CBF6-DB9E-4654-A6F5-9A4CB81C4B63}" type="presOf" srcId="{F69C241A-127E-4F1D-83A7-C2A908A82C3B}" destId="{90E11F11-01A0-4C28-B6BC-8974CB220E9C}" srcOrd="0" destOrd="1" presId="urn:microsoft.com/office/officeart/2005/8/layout/list1"/>
     <dgm:cxn modelId="{66510ADB-5EE4-4007-A7E9-823AB477DC26}" type="presParOf" srcId="{17F4D42C-ED91-4CAE-B338-235D42E76D78}" destId="{C71873FE-1301-4FAA-A1FA-4DA583D71B2A}" srcOrd="0" destOrd="0" presId="urn:microsoft.com/office/officeart/2005/8/layout/list1"/>
     <dgm:cxn modelId="{8C931769-0BAF-472D-855E-6407EDC05C4C}" type="presParOf" srcId="{C71873FE-1301-4FAA-A1FA-4DA583D71B2A}" destId="{11851AE9-97D8-42E2-BBBD-21C77F990880}" srcOrd="0" destOrd="0" presId="urn:microsoft.com/office/officeart/2005/8/layout/list1"/>
     <dgm:cxn modelId="{36C0F52F-AE15-46FD-9777-F602575EAD7C}" type="presParOf" srcId="{C71873FE-1301-4FAA-A1FA-4DA583D71B2A}" destId="{98FDD25D-8269-4C75-A1E8-063F550353BF}" srcOrd="1" destOrd="0" presId="urn:microsoft.com/office/officeart/2005/8/layout/list1"/>
@@ -38405,7 +38529,7 @@
         </a:bodyPr>
         <a:lstStyle/>
         <a:p>
-          <a:pPr marL="0" lvl="0" indent="0" algn="l" defTabSz="933450">
+          <a:pPr lvl="0" algn="l" defTabSz="933450">
             <a:lnSpc>
               <a:spcPct val="90000"/>
             </a:lnSpc>
@@ -38415,7 +38539,6 @@
             <a:spcAft>
               <a:spcPct val="35000"/>
             </a:spcAft>
-            <a:buNone/>
           </a:pPr>
           <a:r>
             <a:rPr lang="ja-JP" altLang="en-US" sz="2100" kern="1200" dirty="0"/>
@@ -38520,7 +38643,7 @@
         </a:bodyPr>
         <a:lstStyle/>
         <a:p>
-          <a:pPr marL="0" lvl="0" indent="0" algn="l" defTabSz="933450">
+          <a:pPr lvl="0" algn="l" defTabSz="933450">
             <a:lnSpc>
               <a:spcPct val="90000"/>
             </a:lnSpc>
@@ -38530,7 +38653,6 @@
             <a:spcAft>
               <a:spcPct val="35000"/>
             </a:spcAft>
-            <a:buNone/>
           </a:pPr>
           <a:r>
             <a:rPr lang="ja-JP" altLang="en-US" sz="2100" kern="1200" dirty="0"/>
@@ -38635,7 +38757,7 @@
         </a:bodyPr>
         <a:lstStyle/>
         <a:p>
-          <a:pPr marL="0" lvl="0" indent="0" algn="l" defTabSz="933450">
+          <a:pPr lvl="0" algn="l" defTabSz="933450">
             <a:lnSpc>
               <a:spcPct val="90000"/>
             </a:lnSpc>
@@ -38645,7 +38767,6 @@
             <a:spcAft>
               <a:spcPct val="35000"/>
             </a:spcAft>
-            <a:buNone/>
           </a:pPr>
           <a:r>
             <a:rPr lang="ja-JP" altLang="en-US" sz="2100" kern="1200" dirty="0"/>
@@ -38754,7 +38875,7 @@
         </a:bodyPr>
         <a:lstStyle/>
         <a:p>
-          <a:pPr marL="0" lvl="0" indent="0" algn="l" defTabSz="933450">
+          <a:pPr lvl="0" algn="l" defTabSz="933450">
             <a:lnSpc>
               <a:spcPct val="90000"/>
             </a:lnSpc>
@@ -38764,7 +38885,6 @@
             <a:spcAft>
               <a:spcPct val="35000"/>
             </a:spcAft>
-            <a:buNone/>
           </a:pPr>
           <a:r>
             <a:rPr lang="ja-JP" altLang="en-US" sz="2100" kern="1200" dirty="0"/>
@@ -38869,7 +38989,7 @@
         </a:bodyPr>
         <a:lstStyle/>
         <a:p>
-          <a:pPr marL="0" lvl="0" indent="0" algn="l" defTabSz="933450">
+          <a:pPr lvl="0" algn="l" defTabSz="933450">
             <a:lnSpc>
               <a:spcPct val="90000"/>
             </a:lnSpc>
@@ -38879,7 +38999,6 @@
             <a:spcAft>
               <a:spcPct val="35000"/>
             </a:spcAft>
-            <a:buNone/>
           </a:pPr>
           <a:r>
             <a:rPr lang="ja-JP" altLang="en-US" sz="2100" kern="1200" dirty="0"/>
@@ -38984,7 +39103,7 @@
         </a:bodyPr>
         <a:lstStyle/>
         <a:p>
-          <a:pPr marL="0" lvl="0" indent="0" algn="l" defTabSz="933450">
+          <a:pPr lvl="0" algn="l" defTabSz="933450">
             <a:lnSpc>
               <a:spcPct val="90000"/>
             </a:lnSpc>
@@ -38994,7 +39113,6 @@
             <a:spcAft>
               <a:spcPct val="35000"/>
             </a:spcAft>
-            <a:buNone/>
           </a:pPr>
           <a:r>
             <a:rPr lang="ja-JP" altLang="en-US" sz="2100" kern="1200" dirty="0"/>
@@ -39088,7 +39206,7 @@
             <a:spcAft>
               <a:spcPct val="15000"/>
             </a:spcAft>
-            <a:buChar char="•"/>
+            <a:buChar char="••"/>
           </a:pPr>
           <a:r>
             <a:rPr lang="en-US" sz="1700" kern="1200"/>
@@ -39111,7 +39229,7 @@
             <a:spcAft>
               <a:spcPct val="15000"/>
             </a:spcAft>
-            <a:buChar char="•"/>
+            <a:buChar char="••"/>
           </a:pPr>
           <a:r>
             <a:rPr lang="ja-JP" sz="1700" kern="1200"/>
@@ -39180,7 +39298,7 @@
         </a:bodyPr>
         <a:lstStyle/>
         <a:p>
-          <a:pPr marL="0" lvl="0" indent="0" algn="l" defTabSz="755650">
+          <a:pPr lvl="0" algn="l" defTabSz="755650">
             <a:lnSpc>
               <a:spcPct val="90000"/>
             </a:lnSpc>
@@ -39190,7 +39308,6 @@
             <a:spcAft>
               <a:spcPct val="35000"/>
             </a:spcAft>
-            <a:buNone/>
           </a:pPr>
           <a:r>
             <a:rPr kumimoji="1" lang="ja-JP" sz="1700" b="1" kern="1200" dirty="0">
@@ -39274,7 +39391,7 @@
             <a:spcAft>
               <a:spcPct val="15000"/>
             </a:spcAft>
-            <a:buChar char="•"/>
+            <a:buChar char="••"/>
           </a:pPr>
           <a:r>
             <a:rPr kumimoji="1" lang="ja-JP" sz="1700" kern="1200"/>
@@ -39293,7 +39410,7 @@
             <a:spcAft>
               <a:spcPct val="15000"/>
             </a:spcAft>
-            <a:buChar char="•"/>
+            <a:buChar char="••"/>
           </a:pPr>
           <a:r>
             <a:rPr lang="ja-JP" sz="1700" kern="1200"/>
@@ -39362,7 +39479,7 @@
         </a:bodyPr>
         <a:lstStyle/>
         <a:p>
-          <a:pPr marL="0" lvl="0" indent="0" algn="l" defTabSz="755650">
+          <a:pPr lvl="0" algn="l" defTabSz="755650">
             <a:lnSpc>
               <a:spcPct val="90000"/>
             </a:lnSpc>
@@ -39372,7 +39489,6 @@
             <a:spcAft>
               <a:spcPct val="35000"/>
             </a:spcAft>
-            <a:buNone/>
           </a:pPr>
           <a:r>
             <a:rPr kumimoji="1" lang="ja-JP" sz="1700" b="1" kern="1200" dirty="0">
@@ -39464,7 +39580,7 @@
             <a:spcAft>
               <a:spcPct val="15000"/>
             </a:spcAft>
-            <a:buChar char="•"/>
+            <a:buChar char="••"/>
           </a:pPr>
           <a:r>
             <a:rPr lang="en-US" sz="1700" kern="1200"/>
@@ -39491,7 +39607,7 @@
             <a:spcAft>
               <a:spcPct val="15000"/>
             </a:spcAft>
-            <a:buChar char="•"/>
+            <a:buChar char="••"/>
           </a:pPr>
           <a:r>
             <a:rPr kumimoji="1" lang="ja-JP" sz="1700" kern="1200"/>
@@ -39560,7 +39676,7 @@
         </a:bodyPr>
         <a:lstStyle/>
         <a:p>
-          <a:pPr marL="0" lvl="0" indent="0" algn="l" defTabSz="755650">
+          <a:pPr lvl="0" algn="l" defTabSz="755650">
             <a:lnSpc>
               <a:spcPct val="90000"/>
             </a:lnSpc>
@@ -39570,7 +39686,6 @@
             <a:spcAft>
               <a:spcPct val="35000"/>
             </a:spcAft>
-            <a:buNone/>
           </a:pPr>
           <a:r>
             <a:rPr kumimoji="1" lang="ja-JP" sz="1700" b="1" kern="1200" dirty="0">
@@ -42514,7 +42629,7 @@
           <a:p>
             <a:fld id="{F0FE4933-18EF-4E39-901F-710158412FDD}" type="datetimeFigureOut">
               <a:rPr kumimoji="1" lang="ja-JP" altLang="en-US" smtClean="0"/>
-              <a:t>2022/2/8</a:t>
+              <a:t>2022/2/9</a:t>
             </a:fld>
             <a:endParaRPr kumimoji="1" lang="ja-JP" altLang="en-US"/>
           </a:p>
@@ -42716,7 +42831,7 @@
           <a:p>
             <a:fld id="{F0FE4933-18EF-4E39-901F-710158412FDD}" type="datetimeFigureOut">
               <a:rPr kumimoji="1" lang="ja-JP" altLang="en-US" smtClean="0"/>
-              <a:t>2022/2/8</a:t>
+              <a:t>2022/2/9</a:t>
             </a:fld>
             <a:endParaRPr kumimoji="1" lang="ja-JP" altLang="en-US"/>
           </a:p>
@@ -42928,7 +43043,7 @@
           <a:p>
             <a:fld id="{F0FE4933-18EF-4E39-901F-710158412FDD}" type="datetimeFigureOut">
               <a:rPr kumimoji="1" lang="ja-JP" altLang="en-US" smtClean="0"/>
-              <a:t>2022/2/8</a:t>
+              <a:t>2022/2/9</a:t>
             </a:fld>
             <a:endParaRPr kumimoji="1" lang="ja-JP" altLang="en-US"/>
           </a:p>
@@ -43130,7 +43245,7 @@
           <a:p>
             <a:fld id="{F0FE4933-18EF-4E39-901F-710158412FDD}" type="datetimeFigureOut">
               <a:rPr kumimoji="1" lang="ja-JP" altLang="en-US" smtClean="0"/>
-              <a:t>2022/2/8</a:t>
+              <a:t>2022/2/9</a:t>
             </a:fld>
             <a:endParaRPr kumimoji="1" lang="ja-JP" altLang="en-US"/>
           </a:p>
@@ -43376,7 +43491,7 @@
           <a:p>
             <a:fld id="{F0FE4933-18EF-4E39-901F-710158412FDD}" type="datetimeFigureOut">
               <a:rPr kumimoji="1" lang="ja-JP" altLang="en-US" smtClean="0"/>
-              <a:t>2022/2/8</a:t>
+              <a:t>2022/2/9</a:t>
             </a:fld>
             <a:endParaRPr kumimoji="1" lang="ja-JP" altLang="en-US"/>
           </a:p>
@@ -43672,7 +43787,7 @@
           <a:p>
             <a:fld id="{F0FE4933-18EF-4E39-901F-710158412FDD}" type="datetimeFigureOut">
               <a:rPr kumimoji="1" lang="ja-JP" altLang="en-US" smtClean="0"/>
-              <a:t>2022/2/8</a:t>
+              <a:t>2022/2/9</a:t>
             </a:fld>
             <a:endParaRPr kumimoji="1" lang="ja-JP" altLang="en-US"/>
           </a:p>
@@ -44103,7 +44218,7 @@
           <a:p>
             <a:fld id="{F0FE4933-18EF-4E39-901F-710158412FDD}" type="datetimeFigureOut">
               <a:rPr kumimoji="1" lang="ja-JP" altLang="en-US" smtClean="0"/>
-              <a:t>2022/2/8</a:t>
+              <a:t>2022/2/9</a:t>
             </a:fld>
             <a:endParaRPr kumimoji="1" lang="ja-JP" altLang="en-US"/>
           </a:p>
@@ -44221,7 +44336,7 @@
           <a:p>
             <a:fld id="{F0FE4933-18EF-4E39-901F-710158412FDD}" type="datetimeFigureOut">
               <a:rPr kumimoji="1" lang="ja-JP" altLang="en-US" smtClean="0"/>
-              <a:t>2022/2/8</a:t>
+              <a:t>2022/2/9</a:t>
             </a:fld>
             <a:endParaRPr kumimoji="1" lang="ja-JP" altLang="en-US"/>
           </a:p>
@@ -44316,7 +44431,7 @@
           <a:p>
             <a:fld id="{F0FE4933-18EF-4E39-901F-710158412FDD}" type="datetimeFigureOut">
               <a:rPr kumimoji="1" lang="ja-JP" altLang="en-US" smtClean="0"/>
-              <a:t>2022/2/8</a:t>
+              <a:t>2022/2/9</a:t>
             </a:fld>
             <a:endParaRPr kumimoji="1" lang="ja-JP" altLang="en-US"/>
           </a:p>
@@ -44625,7 +44740,7 @@
           <a:p>
             <a:fld id="{F0FE4933-18EF-4E39-901F-710158412FDD}" type="datetimeFigureOut">
               <a:rPr kumimoji="1" lang="ja-JP" altLang="en-US" smtClean="0"/>
-              <a:t>2022/2/8</a:t>
+              <a:t>2022/2/9</a:t>
             </a:fld>
             <a:endParaRPr kumimoji="1" lang="ja-JP" altLang="en-US"/>
           </a:p>
@@ -44882,7 +44997,7 @@
           <a:p>
             <a:fld id="{F0FE4933-18EF-4E39-901F-710158412FDD}" type="datetimeFigureOut">
               <a:rPr kumimoji="1" lang="ja-JP" altLang="en-US" smtClean="0"/>
-              <a:t>2022/2/8</a:t>
+              <a:t>2022/2/9</a:t>
             </a:fld>
             <a:endParaRPr kumimoji="1" lang="ja-JP" altLang="en-US"/>
           </a:p>
@@ -45127,7 +45242,7 @@
           <a:p>
             <a:fld id="{F0FE4933-18EF-4E39-901F-710158412FDD}" type="datetimeFigureOut">
               <a:rPr kumimoji="1" lang="ja-JP" altLang="en-US" smtClean="0"/>
-              <a:t>2022/2/8</a:t>
+              <a:t>2022/2/9</a:t>
             </a:fld>
             <a:endParaRPr kumimoji="1" lang="ja-JP" altLang="en-US"/>
           </a:p>
@@ -45548,7 +45663,7 @@
                 <a16:creationId xmlns:a16="http://schemas.microsoft.com/office/drawing/2014/main" id="{5A59F003-E00A-43F9-91DC-CC54E3B87466}"/>
               </a:ext>
               <a:ext uri="{C183D7F6-B498-43B3-948B-1728B52AA6E4}">
-                <adec:decorative xmlns:adec="http://schemas.microsoft.com/office/drawing/2017/decorative" val="1"/>
+                <adec:decorative xmlns:adec="http://schemas.microsoft.com/office/drawing/2017/decorative" xmlns="" val="1"/>
               </a:ext>
             </a:extLst>
           </p:cNvPr>
@@ -45637,7 +45752,7 @@
                 <a16:creationId xmlns:a16="http://schemas.microsoft.com/office/drawing/2014/main" id="{D74A4382-E3AD-430A-9A1F-DFA3E0E77A7D}"/>
               </a:ext>
               <a:ext uri="{C183D7F6-B498-43B3-948B-1728B52AA6E4}">
-                <adec:decorative xmlns:adec="http://schemas.microsoft.com/office/drawing/2017/decorative" val="1"/>
+                <adec:decorative xmlns:adec="http://schemas.microsoft.com/office/drawing/2017/decorative" xmlns="" val="1"/>
               </a:ext>
             </a:extLst>
           </p:cNvPr>
@@ -45744,6 +45859,13 @@
               </a:rPr>
               <a:t>ポータルサイトにおける</a:t>
             </a:r>
+            <a:r>
+              <a:rPr lang="en-US" altLang="ja-JP" sz="6100" dirty="0">
+                <a:latin typeface="BIZ UDPゴシック" panose="020B0400000000000000" pitchFamily="50" charset="-128"/>
+                <a:ea typeface="BIZ UDPゴシック" panose="020B0400000000000000" pitchFamily="50" charset="-128"/>
+              </a:rPr>
+              <a:t/>
+            </a:r>
             <a:br>
               <a:rPr lang="en-US" altLang="ja-JP" sz="6100" dirty="0">
                 <a:latin typeface="BIZ UDPゴシック" panose="020B0400000000000000" pitchFamily="50" charset="-128"/>
@@ -45779,7 +45901,7 @@
                 <a16:creationId xmlns:a16="http://schemas.microsoft.com/office/drawing/2014/main" id="{79F40191-0F44-4FD1-82CC-ACB507C14BE6}"/>
               </a:ext>
               <a:ext uri="{C183D7F6-B498-43B3-948B-1728B52AA6E4}">
-                <adec:decorative xmlns:adec="http://schemas.microsoft.com/office/drawing/2017/decorative" val="1"/>
+                <adec:decorative xmlns:adec="http://schemas.microsoft.com/office/drawing/2017/decorative" xmlns="" val="1"/>
               </a:ext>
             </a:extLst>
           </p:cNvPr>
@@ -46326,6 +46448,495 @@
           <a:chExt cx="0" cy="0"/>
         </a:xfrm>
       </p:grpSpPr>
+      <p:pic>
+        <p:nvPicPr>
+          <p:cNvPr id="4" name="図 3"/>
+          <p:cNvPicPr>
+            <a:picLocks noChangeAspect="1"/>
+          </p:cNvPicPr>
+          <p:nvPr/>
+        </p:nvPicPr>
+        <p:blipFill>
+          <a:blip r:embed="rId2">
+            <a:extLst>
+              <a:ext uri="{28A0092B-C50C-407E-A947-70E740481C1C}">
+                <a14:useLocalDpi xmlns:a14="http://schemas.microsoft.com/office/drawing/2010/main" val="0"/>
+              </a:ext>
+            </a:extLst>
+          </a:blip>
+          <a:stretch>
+            <a:fillRect/>
+          </a:stretch>
+        </p:blipFill>
+        <p:spPr>
+          <a:xfrm>
+            <a:off x="-1" y="0"/>
+            <a:ext cx="12191549" cy="6392487"/>
+          </a:xfrm>
+          <a:prstGeom prst="rect">
+            <a:avLst/>
+          </a:prstGeom>
+        </p:spPr>
+      </p:pic>
+    </p:spTree>
+    <p:extLst>
+      <p:ext uri="{BB962C8B-B14F-4D97-AF65-F5344CB8AC3E}">
+        <p14:creationId xmlns:p14="http://schemas.microsoft.com/office/powerpoint/2010/main" val="3364254263"/>
+      </p:ext>
+    </p:extLst>
+  </p:cSld>
+  <p:clrMapOvr>
+    <a:masterClrMapping/>
+  </p:clrMapOvr>
+</p:sld>
+</file>
+
+<file path=ppt/slides/slide12.xml><?xml version="1.0" encoding="utf-8"?>
+<p:sld xmlns:a="http://schemas.openxmlformats.org/drawingml/2006/main" xmlns:r="http://schemas.openxmlformats.org/officeDocument/2006/relationships" xmlns:p="http://schemas.openxmlformats.org/presentationml/2006/main">
+  <p:cSld>
+    <p:spTree>
+      <p:nvGrpSpPr>
+        <p:cNvPr id="1" name=""/>
+        <p:cNvGrpSpPr/>
+        <p:nvPr/>
+      </p:nvGrpSpPr>
+      <p:grpSpPr>
+        <a:xfrm>
+          <a:off x="0" y="0"/>
+          <a:ext cx="0" cy="0"/>
+          <a:chOff x="0" y="0"/>
+          <a:chExt cx="0" cy="0"/>
+        </a:xfrm>
+      </p:grpSpPr>
+      <p:sp>
+        <p:nvSpPr>
+          <p:cNvPr id="3" name="コンテンツ プレースホルダー 2"/>
+          <p:cNvSpPr>
+            <a:spLocks noGrp="1"/>
+          </p:cNvSpPr>
+          <p:nvPr>
+            <p:ph idx="1"/>
+          </p:nvPr>
+        </p:nvSpPr>
+        <p:spPr>
+          <a:xfrm>
+            <a:off x="838200" y="1289956"/>
+            <a:ext cx="10515600" cy="5290457"/>
+          </a:xfrm>
+        </p:spPr>
+        <p:txBody>
+          <a:bodyPr/>
+          <a:lstStyle/>
+          <a:p>
+            <a:pPr marL="514350" indent="-514350">
+              <a:buFont typeface="+mj-lt"/>
+              <a:buAutoNum type="alphaUcParenR"/>
+            </a:pPr>
+            <a:r>
+              <a:rPr kumimoji="1" lang="ja-JP" altLang="en-US" sz="3600" dirty="0">
+                <a:effectLst>
+                  <a:outerShdw blurRad="38100" dist="38100" dir="2700000" algn="tl">
+                    <a:srgbClr val="000000">
+                      <a:alpha val="43137"/>
+                    </a:srgbClr>
+                  </a:outerShdw>
+                </a:effectLst>
+              </a:rPr>
+              <a:t>学生に対するインタビュー</a:t>
+            </a:r>
+            <a:endParaRPr kumimoji="1" lang="en-US" altLang="ja-JP" sz="3600" dirty="0">
+              <a:effectLst>
+                <a:outerShdw blurRad="38100" dist="38100" dir="2700000" algn="tl">
+                  <a:srgbClr val="000000">
+                    <a:alpha val="43137"/>
+                  </a:srgbClr>
+                </a:outerShdw>
+              </a:effectLst>
+            </a:endParaRPr>
+          </a:p>
+          <a:p>
+            <a:pPr marL="0" indent="0">
+              <a:buNone/>
+            </a:pPr>
+            <a:r>
+              <a:rPr lang="ja-JP" altLang="en-US" dirty="0"/>
+              <a:t>　</a:t>
+            </a:r>
+            <a:r>
+              <a:rPr lang="ja-JP" altLang="en-US" sz="2400" u="sng" dirty="0"/>
+              <a:t>対象：北海道情報大学通信教育部 正科生</a:t>
+            </a:r>
+            <a:r>
+              <a:rPr lang="en-US" altLang="ja-JP" sz="2400" u="sng" dirty="0"/>
+              <a:t>B</a:t>
+            </a:r>
+            <a:r>
+              <a:rPr lang="ja-JP" altLang="en-US" sz="2400" u="sng" dirty="0"/>
+              <a:t>の</a:t>
+            </a:r>
+            <a:r>
+              <a:rPr lang="en-US" altLang="ja-JP" sz="2400" u="sng" dirty="0"/>
+              <a:t>3</a:t>
+            </a:r>
+            <a:r>
+              <a:rPr lang="ja-JP" altLang="en-US" sz="2400" u="sng" dirty="0"/>
+              <a:t>人</a:t>
+            </a:r>
+            <a:endParaRPr lang="en-US" altLang="ja-JP" sz="2400" u="sng" dirty="0"/>
+          </a:p>
+          <a:p>
+            <a:pPr marL="0" indent="0">
+              <a:buNone/>
+            </a:pPr>
+            <a:r>
+              <a:rPr lang="ja-JP" altLang="en-US" dirty="0"/>
+              <a:t>　システムの利用状況、使用感、システムに期待することを中心にインタビューを行った。（定性的ユーザビリティ調査）</a:t>
+            </a:r>
+            <a:endParaRPr lang="en-US" altLang="ja-JP" dirty="0"/>
+          </a:p>
+          <a:p>
+            <a:pPr marL="0" indent="0">
+              <a:buNone/>
+            </a:pPr>
+            <a:endParaRPr kumimoji="1" lang="en-US" altLang="ja-JP" dirty="0"/>
+          </a:p>
+          <a:p>
+            <a:pPr marL="0" indent="0">
+              <a:buNone/>
+            </a:pPr>
+            <a:endParaRPr kumimoji="1" lang="en-US" altLang="ja-JP" dirty="0"/>
+          </a:p>
+          <a:p>
+            <a:pPr marL="0" indent="0">
+              <a:buNone/>
+            </a:pPr>
+            <a:r>
+              <a:rPr lang="ja-JP" altLang="en-US" dirty="0"/>
+              <a:t>結論：</a:t>
+            </a:r>
+            <a:endParaRPr lang="en-US" altLang="ja-JP" dirty="0"/>
+          </a:p>
+          <a:p>
+            <a:pPr marL="0" indent="0">
+              <a:buNone/>
+            </a:pPr>
+            <a:r>
+              <a:rPr lang="en-US" altLang="ja-JP" dirty="0"/>
+              <a:t>3</a:t>
+            </a:r>
+            <a:r>
+              <a:rPr lang="ja-JP" altLang="en-US" dirty="0"/>
+              <a:t>人それぞれが、使いにくい・満足度が低いと判断。</a:t>
+            </a:r>
+            <a:endParaRPr lang="en-US" altLang="ja-JP" dirty="0"/>
+          </a:p>
+          <a:p>
+            <a:pPr marL="0" indent="0">
+              <a:buNone/>
+            </a:pPr>
+            <a:r>
+              <a:rPr lang="ja-JP" altLang="en-US" dirty="0"/>
+              <a:t>少なからず、デザインに関して問題があるのではないか？</a:t>
+            </a:r>
+            <a:endParaRPr kumimoji="1" lang="en-US" altLang="ja-JP" dirty="0"/>
+          </a:p>
+          <a:p>
+            <a:pPr marL="0" indent="0">
+              <a:buNone/>
+            </a:pPr>
+            <a:endParaRPr kumimoji="1" lang="ja-JP" altLang="en-US" dirty="0"/>
+          </a:p>
+        </p:txBody>
+      </p:sp>
+      <p:sp>
+        <p:nvSpPr>
+          <p:cNvPr id="4" name="タイトル 1"/>
+          <p:cNvSpPr txBox="1">
+            <a:spLocks/>
+          </p:cNvSpPr>
+          <p:nvPr/>
+        </p:nvSpPr>
+        <p:spPr>
+          <a:xfrm>
+            <a:off x="838200" y="365126"/>
+            <a:ext cx="11353800" cy="761546"/>
+          </a:xfrm>
+          <a:prstGeom prst="rect">
+            <a:avLst/>
+          </a:prstGeom>
+        </p:spPr>
+        <p:txBody>
+          <a:bodyPr vert="horz" lIns="91440" tIns="45720" rIns="91440" bIns="45720" rtlCol="0" anchor="ctr">
+            <a:normAutofit/>
+          </a:bodyPr>
+          <a:lstStyle>
+            <a:lvl1pPr algn="l" defTabSz="914400" rtl="0" eaLnBrk="1" latinLnBrk="0" hangingPunct="1">
+              <a:lnSpc>
+                <a:spcPct val="90000"/>
+              </a:lnSpc>
+              <a:spcBef>
+                <a:spcPct val="0"/>
+              </a:spcBef>
+              <a:buNone/>
+              <a:defRPr kumimoji="1" sz="4400" kern="1200">
+                <a:solidFill>
+                  <a:schemeClr val="tx1"/>
+                </a:solidFill>
+                <a:latin typeface="+mj-lt"/>
+                <a:ea typeface="+mj-ea"/>
+                <a:cs typeface="+mj-cs"/>
+              </a:defRPr>
+            </a:lvl1pPr>
+          </a:lstStyle>
+          <a:p>
+            <a:r>
+              <a:rPr lang="ja-JP" altLang="en-US" dirty="0">
+                <a:latin typeface="HG丸ｺﾞｼｯｸM-PRO" panose="020F0600000000000000" pitchFamily="50" charset="-128"/>
+                <a:ea typeface="HG丸ｺﾞｼｯｸM-PRO" panose="020F0600000000000000" pitchFamily="50" charset="-128"/>
+              </a:rPr>
+              <a:t>デザイン調査</a:t>
+            </a:r>
+          </a:p>
+        </p:txBody>
+      </p:sp>
+      <p:cxnSp>
+        <p:nvCxnSpPr>
+          <p:cNvPr id="6" name="直線コネクタ 5"/>
+          <p:cNvCxnSpPr/>
+          <p:nvPr/>
+        </p:nvCxnSpPr>
+        <p:spPr>
+          <a:xfrm>
+            <a:off x="838200" y="1126672"/>
+            <a:ext cx="10515600" cy="0"/>
+          </a:xfrm>
+          <a:prstGeom prst="line">
+            <a:avLst/>
+          </a:prstGeom>
+          <a:ln w="76200"/>
+        </p:spPr>
+        <p:style>
+          <a:lnRef idx="1">
+            <a:schemeClr val="accent1"/>
+          </a:lnRef>
+          <a:fillRef idx="0">
+            <a:schemeClr val="accent1"/>
+          </a:fillRef>
+          <a:effectRef idx="0">
+            <a:schemeClr val="accent1"/>
+          </a:effectRef>
+          <a:fontRef idx="minor">
+            <a:schemeClr val="tx1"/>
+          </a:fontRef>
+        </p:style>
+      </p:cxnSp>
+    </p:spTree>
+    <p:extLst>
+      <p:ext uri="{BB962C8B-B14F-4D97-AF65-F5344CB8AC3E}">
+        <p14:creationId xmlns:p14="http://schemas.microsoft.com/office/powerpoint/2010/main" val="956999080"/>
+      </p:ext>
+    </p:extLst>
+  </p:cSld>
+  <p:clrMapOvr>
+    <a:masterClrMapping/>
+  </p:clrMapOvr>
+  <p:timing>
+    <p:tnLst>
+      <p:par>
+        <p:cTn id="1" dur="indefinite" restart="never" nodeType="tmRoot">
+          <p:childTnLst>
+            <p:seq concurrent="1" nextAc="seek">
+              <p:cTn id="2" dur="indefinite" nodeType="mainSeq">
+                <p:childTnLst>
+                  <p:par>
+                    <p:cTn id="3" fill="hold">
+                      <p:stCondLst>
+                        <p:cond delay="indefinite"/>
+                      </p:stCondLst>
+                      <p:childTnLst>
+                        <p:par>
+                          <p:cTn id="4" fill="hold">
+                            <p:stCondLst>
+                              <p:cond delay="0"/>
+                            </p:stCondLst>
+                            <p:childTnLst>
+                              <p:par>
+                                <p:cTn id="5" presetID="10" presetClass="entr" presetSubtype="0" fill="hold" nodeType="clickEffect">
+                                  <p:stCondLst>
+                                    <p:cond delay="0"/>
+                                  </p:stCondLst>
+                                  <p:childTnLst>
+                                    <p:set>
+                                      <p:cBhvr>
+                                        <p:cTn id="6" dur="1" fill="hold">
+                                          <p:stCondLst>
+                                            <p:cond delay="0"/>
+                                          </p:stCondLst>
+                                        </p:cTn>
+                                        <p:tgtEl>
+                                          <p:spTgt spid="3">
+                                            <p:txEl>
+                                              <p:pRg st="5" end="5"/>
+                                            </p:txEl>
+                                          </p:spTgt>
+                                        </p:tgtEl>
+                                        <p:attrNameLst>
+                                          <p:attrName>style.visibility</p:attrName>
+                                        </p:attrNameLst>
+                                      </p:cBhvr>
+                                      <p:to>
+                                        <p:strVal val="visible"/>
+                                      </p:to>
+                                    </p:set>
+                                    <p:animEffect transition="in" filter="fade">
+                                      <p:cBhvr>
+                                        <p:cTn id="7" dur="500"/>
+                                        <p:tgtEl>
+                                          <p:spTgt spid="3">
+                                            <p:txEl>
+                                              <p:pRg st="5" end="5"/>
+                                            </p:txEl>
+                                          </p:spTgt>
+                                        </p:tgtEl>
+                                      </p:cBhvr>
+                                    </p:animEffect>
+                                  </p:childTnLst>
+                                </p:cTn>
+                              </p:par>
+                              <p:par>
+                                <p:cTn id="8" presetID="10" presetClass="entr" presetSubtype="0" fill="hold" nodeType="withEffect">
+                                  <p:stCondLst>
+                                    <p:cond delay="0"/>
+                                  </p:stCondLst>
+                                  <p:childTnLst>
+                                    <p:set>
+                                      <p:cBhvr>
+                                        <p:cTn id="9" dur="1" fill="hold">
+                                          <p:stCondLst>
+                                            <p:cond delay="0"/>
+                                          </p:stCondLst>
+                                        </p:cTn>
+                                        <p:tgtEl>
+                                          <p:spTgt spid="3">
+                                            <p:txEl>
+                                              <p:pRg st="6" end="6"/>
+                                            </p:txEl>
+                                          </p:spTgt>
+                                        </p:tgtEl>
+                                        <p:attrNameLst>
+                                          <p:attrName>style.visibility</p:attrName>
+                                        </p:attrNameLst>
+                                      </p:cBhvr>
+                                      <p:to>
+                                        <p:strVal val="visible"/>
+                                      </p:to>
+                                    </p:set>
+                                    <p:animEffect transition="in" filter="fade">
+                                      <p:cBhvr>
+                                        <p:cTn id="10" dur="500"/>
+                                        <p:tgtEl>
+                                          <p:spTgt spid="3">
+                                            <p:txEl>
+                                              <p:pRg st="6" end="6"/>
+                                            </p:txEl>
+                                          </p:spTgt>
+                                        </p:tgtEl>
+                                      </p:cBhvr>
+                                    </p:animEffect>
+                                  </p:childTnLst>
+                                </p:cTn>
+                              </p:par>
+                              <p:par>
+                                <p:cTn id="11" presetID="10" presetClass="entr" presetSubtype="0" fill="hold" nodeType="withEffect">
+                                  <p:stCondLst>
+                                    <p:cond delay="0"/>
+                                  </p:stCondLst>
+                                  <p:childTnLst>
+                                    <p:set>
+                                      <p:cBhvr>
+                                        <p:cTn id="12" dur="1" fill="hold">
+                                          <p:stCondLst>
+                                            <p:cond delay="0"/>
+                                          </p:stCondLst>
+                                        </p:cTn>
+                                        <p:tgtEl>
+                                          <p:spTgt spid="3">
+                                            <p:txEl>
+                                              <p:pRg st="7" end="7"/>
+                                            </p:txEl>
+                                          </p:spTgt>
+                                        </p:tgtEl>
+                                        <p:attrNameLst>
+                                          <p:attrName>style.visibility</p:attrName>
+                                        </p:attrNameLst>
+                                      </p:cBhvr>
+                                      <p:to>
+                                        <p:strVal val="visible"/>
+                                      </p:to>
+                                    </p:set>
+                                    <p:animEffect transition="in" filter="fade">
+                                      <p:cBhvr>
+                                        <p:cTn id="13" dur="500"/>
+                                        <p:tgtEl>
+                                          <p:spTgt spid="3">
+                                            <p:txEl>
+                                              <p:pRg st="7" end="7"/>
+                                            </p:txEl>
+                                          </p:spTgt>
+                                        </p:tgtEl>
+                                      </p:cBhvr>
+                                    </p:animEffect>
+                                  </p:childTnLst>
+                                </p:cTn>
+                              </p:par>
+                            </p:childTnLst>
+                          </p:cTn>
+                        </p:par>
+                      </p:childTnLst>
+                    </p:cTn>
+                  </p:par>
+                </p:childTnLst>
+              </p:cTn>
+              <p:prevCondLst>
+                <p:cond evt="onPrev" delay="0">
+                  <p:tgtEl>
+                    <p:sldTgt/>
+                  </p:tgtEl>
+                </p:cond>
+              </p:prevCondLst>
+              <p:nextCondLst>
+                <p:cond evt="onNext" delay="0">
+                  <p:tgtEl>
+                    <p:sldTgt/>
+                  </p:tgtEl>
+                </p:cond>
+              </p:nextCondLst>
+            </p:seq>
+          </p:childTnLst>
+        </p:cTn>
+      </p:par>
+    </p:tnLst>
+  </p:timing>
+</p:sld>
+</file>
+
+<file path=ppt/slides/slide13.xml><?xml version="1.0" encoding="utf-8"?>
+<p:sld xmlns:a="http://schemas.openxmlformats.org/drawingml/2006/main" xmlns:r="http://schemas.openxmlformats.org/officeDocument/2006/relationships" xmlns:p="http://schemas.openxmlformats.org/presentationml/2006/main">
+  <p:cSld>
+    <p:spTree>
+      <p:nvGrpSpPr>
+        <p:cNvPr id="1" name=""/>
+        <p:cNvGrpSpPr/>
+        <p:nvPr/>
+      </p:nvGrpSpPr>
+      <p:grpSpPr>
+        <a:xfrm>
+          <a:off x="0" y="0"/>
+          <a:ext cx="0" cy="0"/>
+          <a:chOff x="0" y="0"/>
+          <a:chExt cx="0" cy="0"/>
+        </a:xfrm>
+      </p:grpSpPr>
       <p:sp>
         <p:nvSpPr>
           <p:cNvPr id="3" name="コンテンツ プレースホルダー 2"/>
@@ -46436,7 +47047,19 @@
             </a:pPr>
             <a:r>
               <a:rPr lang="ja-JP" altLang="en-US" dirty="0"/>
-              <a:t>遷移先が重複するにも拘らず名前の違うボタンなど、</a:t>
+              <a:t>遷移先が重複するに</a:t>
+            </a:r>
+            <a:r>
+              <a:rPr lang="ja-JP" altLang="en-US" dirty="0" smtClean="0"/>
+              <a:t>もかかわらず、名前</a:t>
+            </a:r>
+            <a:r>
+              <a:rPr lang="ja-JP" altLang="en-US" dirty="0"/>
+              <a:t>の違うボタン</a:t>
+            </a:r>
+            <a:r>
+              <a:rPr lang="ja-JP" altLang="en-US" dirty="0" smtClean="0"/>
+              <a:t>など</a:t>
             </a:r>
             <a:endParaRPr lang="en-US" altLang="ja-JP" dirty="0"/>
           </a:p>
@@ -46767,7 +47390,67 @@
 </p:sld>
 </file>
 
-<file path=ppt/slides/slide12.xml><?xml version="1.0" encoding="utf-8"?>
+<file path=ppt/slides/slide14.xml><?xml version="1.0" encoding="utf-8"?>
+<p:sld xmlns:a="http://schemas.openxmlformats.org/drawingml/2006/main" xmlns:r="http://schemas.openxmlformats.org/officeDocument/2006/relationships" xmlns:p="http://schemas.openxmlformats.org/presentationml/2006/main">
+  <p:cSld>
+    <p:spTree>
+      <p:nvGrpSpPr>
+        <p:cNvPr id="1" name=""/>
+        <p:cNvGrpSpPr/>
+        <p:nvPr/>
+      </p:nvGrpSpPr>
+      <p:grpSpPr>
+        <a:xfrm>
+          <a:off x="0" y="0"/>
+          <a:ext cx="0" cy="0"/>
+          <a:chOff x="0" y="0"/>
+          <a:chExt cx="0" cy="0"/>
+        </a:xfrm>
+      </p:grpSpPr>
+      <p:pic>
+        <p:nvPicPr>
+          <p:cNvPr id="4" name="図 3"/>
+          <p:cNvPicPr>
+            <a:picLocks noChangeAspect="1"/>
+          </p:cNvPicPr>
+          <p:nvPr/>
+        </p:nvPicPr>
+        <p:blipFill>
+          <a:blip r:embed="rId2">
+            <a:extLst>
+              <a:ext uri="{28A0092B-C50C-407E-A947-70E740481C1C}">
+                <a14:useLocalDpi xmlns:a14="http://schemas.microsoft.com/office/drawing/2010/main" val="0"/>
+              </a:ext>
+            </a:extLst>
+          </a:blip>
+          <a:stretch>
+            <a:fillRect/>
+          </a:stretch>
+        </p:blipFill>
+        <p:spPr>
+          <a:xfrm>
+            <a:off x="2751044" y="0"/>
+            <a:ext cx="6689911" cy="6858000"/>
+          </a:xfrm>
+          <a:prstGeom prst="rect">
+            <a:avLst/>
+          </a:prstGeom>
+        </p:spPr>
+      </p:pic>
+    </p:spTree>
+    <p:extLst>
+      <p:ext uri="{BB962C8B-B14F-4D97-AF65-F5344CB8AC3E}">
+        <p14:creationId xmlns:p14="http://schemas.microsoft.com/office/powerpoint/2010/main" val="3822129652"/>
+      </p:ext>
+    </p:extLst>
+  </p:cSld>
+  <p:clrMapOvr>
+    <a:masterClrMapping/>
+  </p:clrMapOvr>
+</p:sld>
+</file>
+
+<file path=ppt/slides/slide15.xml><?xml version="1.0" encoding="utf-8"?>
 <p:sld xmlns:a="http://schemas.openxmlformats.org/drawingml/2006/main" xmlns:r="http://schemas.openxmlformats.org/officeDocument/2006/relationships" xmlns:p="http://schemas.openxmlformats.org/presentationml/2006/main">
   <p:cSld>
     <p:spTree>
@@ -46806,9 +47489,9 @@
           </a:bodyPr>
           <a:lstStyle/>
           <a:p>
-            <a:pPr marL="742950" indent="-742950">
+            <a:pPr marL="514350" indent="-514350">
               <a:buFont typeface="+mj-lt"/>
-              <a:buAutoNum type="alphaUcParenR" startAt="3"/>
+              <a:buAutoNum type="alphaUcParenR" startAt="2"/>
             </a:pPr>
             <a:r>
               <a:rPr lang="ja-JP" altLang="en-US" sz="3600" dirty="0">
@@ -46820,7 +47503,7 @@
                   </a:outerShdw>
                 </a:effectLst>
               </a:rPr>
-              <a:t>ヒューリスティック分析</a:t>
+              <a:t>問題点を抽出</a:t>
             </a:r>
             <a:endParaRPr kumimoji="1" lang="en-US" altLang="ja-JP" sz="3600" dirty="0">
               <a:effectLst>
@@ -46852,53 +47535,9 @@
             </a:pPr>
             <a:r>
               <a:rPr lang="ja-JP" altLang="en-US" dirty="0"/>
-              <a:t>　ヤコブ・ニールセン</a:t>
+              <a:t>　インタビュー結果を参考に、操作性や機能性の観点からトップ画面でのデザインにおける問題点を抽出した。</a:t>
             </a:r>
-            <a:r>
-              <a:rPr lang="en-US" altLang="ja-JP" dirty="0"/>
-              <a:t>『</a:t>
-            </a:r>
-            <a:r>
-              <a:rPr lang="ja-JP" altLang="en-US" dirty="0"/>
-              <a:t>ユーザビリティ</a:t>
-            </a:r>
-            <a:r>
-              <a:rPr lang="en-US" altLang="ja-JP" dirty="0"/>
-              <a:t>10</a:t>
-            </a:r>
-            <a:r>
-              <a:rPr lang="ja-JP" altLang="en-US" dirty="0"/>
-              <a:t>原則</a:t>
-            </a:r>
-            <a:r>
-              <a:rPr lang="en-US" altLang="ja-JP" dirty="0"/>
-              <a:t>』</a:t>
-            </a:r>
-            <a:r>
-              <a:rPr lang="ja-JP" altLang="en-US" dirty="0"/>
-              <a:t>を用いた調査を行った。</a:t>
-            </a:r>
-            <a:r>
-              <a:rPr lang="ja-JP" altLang="en-US" sz="2000" dirty="0"/>
-              <a:t>（先行研究</a:t>
-            </a:r>
-            <a:r>
-              <a:rPr lang="en-US" altLang="ja-JP" sz="2000" dirty="0"/>
-              <a:t>〔https://u-site.jp/</a:t>
-            </a:r>
-            <a:r>
-              <a:rPr lang="en-US" altLang="ja-JP" sz="2000" dirty="0" err="1"/>
-              <a:t>alertbox</a:t>
-            </a:r>
-            <a:r>
-              <a:rPr lang="en-US" altLang="ja-JP" sz="2000" dirty="0"/>
-              <a:t>/ten-usability-heuristics〕</a:t>
-            </a:r>
-            <a:r>
-              <a:rPr lang="ja-JP" altLang="en-US" sz="2000" dirty="0"/>
-              <a:t>）</a:t>
-            </a:r>
-            <a:endParaRPr lang="en-US" altLang="ja-JP" sz="2000" dirty="0"/>
+            <a:endParaRPr lang="en-US" altLang="ja-JP" dirty="0"/>
           </a:p>
           <a:p>
             <a:pPr marL="0" indent="0">
@@ -46926,6 +47565,42 @@
             <a:pPr marL="0" indent="0">
               <a:buNone/>
             </a:pPr>
+            <a:r>
+              <a:rPr lang="ja-JP" altLang="en-US" dirty="0"/>
+              <a:t>使用頻度の高い項目が画面買いに存在する状態であることや、</a:t>
+            </a:r>
+            <a:endParaRPr lang="en-US" altLang="ja-JP" dirty="0"/>
+          </a:p>
+          <a:p>
+            <a:pPr marL="0" indent="0">
+              <a:buNone/>
+            </a:pPr>
+            <a:r>
+              <a:rPr lang="ja-JP" altLang="en-US" dirty="0"/>
+              <a:t>遷移先が重複するに</a:t>
+            </a:r>
+            <a:r>
+              <a:rPr lang="ja-JP" altLang="en-US" dirty="0" smtClean="0"/>
+              <a:t>もかかわらず、名前</a:t>
+            </a:r>
+            <a:r>
+              <a:rPr lang="ja-JP" altLang="en-US" dirty="0"/>
+              <a:t>の違うボタン</a:t>
+            </a:r>
+            <a:r>
+              <a:rPr lang="ja-JP" altLang="en-US" dirty="0" smtClean="0"/>
+              <a:t>など</a:t>
+            </a:r>
+            <a:endParaRPr lang="en-US" altLang="ja-JP" dirty="0"/>
+          </a:p>
+          <a:p>
+            <a:pPr marL="0" indent="0">
+              <a:buNone/>
+            </a:pPr>
+            <a:r>
+              <a:rPr lang="ja-JP" altLang="en-US" dirty="0"/>
+              <a:t>様々な問題が発見できた。</a:t>
+            </a:r>
             <a:endParaRPr lang="en-US" altLang="ja-JP" dirty="0"/>
           </a:p>
         </p:txBody>
@@ -47015,7 +47690,7 @@
     </p:spTree>
     <p:extLst>
       <p:ext uri="{BB962C8B-B14F-4D97-AF65-F5344CB8AC3E}">
-        <p14:creationId xmlns:p14="http://schemas.microsoft.com/office/powerpoint/2010/main" val="1830119171"/>
+        <p14:creationId xmlns:p14="http://schemas.microsoft.com/office/powerpoint/2010/main" val="1198356532"/>
       </p:ext>
     </p:extLst>
   </p:cSld>
@@ -47085,6 +47760,135 @@
                                   </p:childTnLst>
                                 </p:cTn>
                               </p:par>
+                              <p:par>
+                                <p:cTn id="8" presetID="10" presetClass="entr" presetSubtype="0" fill="hold" nodeType="withEffect">
+                                  <p:stCondLst>
+                                    <p:cond delay="0"/>
+                                  </p:stCondLst>
+                                  <p:childTnLst>
+                                    <p:set>
+                                      <p:cBhvr>
+                                        <p:cTn id="9" dur="1" fill="hold">
+                                          <p:stCondLst>
+                                            <p:cond delay="0"/>
+                                          </p:stCondLst>
+                                        </p:cTn>
+                                        <p:tgtEl>
+                                          <p:spTgt spid="3">
+                                            <p:txEl>
+                                              <p:pRg st="6" end="6"/>
+                                            </p:txEl>
+                                          </p:spTgt>
+                                        </p:tgtEl>
+                                        <p:attrNameLst>
+                                          <p:attrName>style.visibility</p:attrName>
+                                        </p:attrNameLst>
+                                      </p:cBhvr>
+                                      <p:to>
+                                        <p:strVal val="visible"/>
+                                      </p:to>
+                                    </p:set>
+                                    <p:animEffect transition="in" filter="fade">
+                                      <p:cBhvr>
+                                        <p:cTn id="10" dur="500"/>
+                                        <p:tgtEl>
+                                          <p:spTgt spid="3">
+                                            <p:txEl>
+                                              <p:pRg st="6" end="6"/>
+                                            </p:txEl>
+                                          </p:spTgt>
+                                        </p:tgtEl>
+                                      </p:cBhvr>
+                                    </p:animEffect>
+                                  </p:childTnLst>
+                                </p:cTn>
+                              </p:par>
+                              <p:par>
+                                <p:cTn id="11" presetID="10" presetClass="entr" presetSubtype="0" fill="hold" nodeType="withEffect">
+                                  <p:stCondLst>
+                                    <p:cond delay="0"/>
+                                  </p:stCondLst>
+                                  <p:childTnLst>
+                                    <p:set>
+                                      <p:cBhvr>
+                                        <p:cTn id="12" dur="1" fill="hold">
+                                          <p:stCondLst>
+                                            <p:cond delay="0"/>
+                                          </p:stCondLst>
+                                        </p:cTn>
+                                        <p:tgtEl>
+                                          <p:spTgt spid="3">
+                                            <p:txEl>
+                                              <p:pRg st="7" end="7"/>
+                                            </p:txEl>
+                                          </p:spTgt>
+                                        </p:tgtEl>
+                                        <p:attrNameLst>
+                                          <p:attrName>style.visibility</p:attrName>
+                                        </p:attrNameLst>
+                                      </p:cBhvr>
+                                      <p:to>
+                                        <p:strVal val="visible"/>
+                                      </p:to>
+                                    </p:set>
+                                    <p:animEffect transition="in" filter="fade">
+                                      <p:cBhvr>
+                                        <p:cTn id="13" dur="500"/>
+                                        <p:tgtEl>
+                                          <p:spTgt spid="3">
+                                            <p:txEl>
+                                              <p:pRg st="7" end="7"/>
+                                            </p:txEl>
+                                          </p:spTgt>
+                                        </p:tgtEl>
+                                      </p:cBhvr>
+                                    </p:animEffect>
+                                  </p:childTnLst>
+                                </p:cTn>
+                              </p:par>
+                              <p:par>
+                                <p:cTn id="14" presetID="10" presetClass="entr" presetSubtype="0" fill="hold" nodeType="withEffect">
+                                  <p:stCondLst>
+                                    <p:cond delay="0"/>
+                                  </p:stCondLst>
+                                  <p:childTnLst>
+                                    <p:set>
+                                      <p:cBhvr>
+                                        <p:cTn id="15" dur="1" fill="hold">
+                                          <p:stCondLst>
+                                            <p:cond delay="0"/>
+                                          </p:stCondLst>
+                                        </p:cTn>
+                                        <p:tgtEl>
+                                          <p:spTgt spid="3">
+                                            <p:txEl>
+                                              <p:pRg st="8" end="8"/>
+                                            </p:txEl>
+                                          </p:spTgt>
+                                        </p:tgtEl>
+                                        <p:attrNameLst>
+                                          <p:attrName>style.visibility</p:attrName>
+                                        </p:attrNameLst>
+                                      </p:cBhvr>
+                                      <p:to>
+                                        <p:strVal val="visible"/>
+                                      </p:to>
+                                    </p:set>
+                                    <p:animEffect transition="in" filter="fade">
+                                      <p:cBhvr>
+                                        <p:cTn id="16" dur="500"/>
+                                        <p:tgtEl>
+                                          <p:spTgt spid="3">
+                                            <p:txEl>
+                                              <p:pRg st="8" end="8"/>
+                                            </p:txEl>
+                                          </p:spTgt>
+                                        </p:tgtEl>
+                                      </p:cBhvr>
+                                    </p:animEffect>
+                                  </p:childTnLst>
+                                </p:cTn>
+                              </p:par>
                             </p:childTnLst>
                           </p:cTn>
                         </p:par>
@@ -47116,7 +47920,7 @@
 </p:sld>
 </file>
 
-<file path=ppt/slides/slide13.xml><?xml version="1.0" encoding="utf-8"?>
+<file path=ppt/slides/slide16.xml><?xml version="1.0" encoding="utf-8"?>
 <p:sld xmlns:a="http://schemas.openxmlformats.org/drawingml/2006/main" xmlns:r="http://schemas.openxmlformats.org/officeDocument/2006/relationships" xmlns:p="http://schemas.openxmlformats.org/presentationml/2006/main">
   <p:cSld>
     <p:bg>
@@ -47149,7 +47953,7 @@
                 <a16:creationId xmlns:a16="http://schemas.microsoft.com/office/drawing/2014/main" id="{6F5A5072-7B47-4D32-B52A-4EBBF590B8A5}"/>
               </a:ext>
               <a:ext uri="{C183D7F6-B498-43B3-948B-1728B52AA6E4}">
-                <adec:decorative xmlns:adec="http://schemas.microsoft.com/office/drawing/2017/decorative" val="1"/>
+                <adec:decorative xmlns:adec="http://schemas.microsoft.com/office/drawing/2017/decorative" xmlns="" val="1"/>
               </a:ext>
             </a:extLst>
           </p:cNvPr>
@@ -47225,7 +48029,7 @@
                 <a16:creationId xmlns:a16="http://schemas.microsoft.com/office/drawing/2014/main" id="{9715DAF0-AE1B-46C9-8A6B-DB2AA05AB91D}"/>
               </a:ext>
               <a:ext uri="{C183D7F6-B498-43B3-948B-1728B52AA6E4}">
-                <adec:decorative xmlns:adec="http://schemas.microsoft.com/office/drawing/2017/decorative" val="1"/>
+                <adec:decorative xmlns:adec="http://schemas.microsoft.com/office/drawing/2017/decorative" xmlns="" val="1"/>
               </a:ext>
             </a:extLst>
           </p:cNvPr>
@@ -47298,7 +48102,7 @@
                 <a16:creationId xmlns:a16="http://schemas.microsoft.com/office/drawing/2014/main" id="{6016219D-510E-4184-9090-6D5578A87BD1}"/>
               </a:ext>
               <a:ext uri="{C183D7F6-B498-43B3-948B-1728B52AA6E4}">
-                <adec:decorative xmlns:adec="http://schemas.microsoft.com/office/drawing/2017/decorative" val="1"/>
+                <adec:decorative xmlns:adec="http://schemas.microsoft.com/office/drawing/2017/decorative" xmlns="" val="1"/>
               </a:ext>
             </a:extLst>
           </p:cNvPr>
@@ -47374,7 +48178,7 @@
                 <a16:creationId xmlns:a16="http://schemas.microsoft.com/office/drawing/2014/main" id="{AFF4A713-7B75-4B21-90D7-5AB19547C728}"/>
               </a:ext>
               <a:ext uri="{C183D7F6-B498-43B3-948B-1728B52AA6E4}">
-                <adec:decorative xmlns:adec="http://schemas.microsoft.com/office/drawing/2017/decorative" val="1"/>
+                <adec:decorative xmlns:adec="http://schemas.microsoft.com/office/drawing/2017/decorative" xmlns="" val="1"/>
               </a:ext>
             </a:extLst>
           </p:cNvPr>
@@ -47449,7 +48253,7 @@
                 <a16:creationId xmlns:a16="http://schemas.microsoft.com/office/drawing/2014/main" id="{DC631C0B-6DA6-4E57-8231-CE32B3434A7E}"/>
               </a:ext>
               <a:ext uri="{C183D7F6-B498-43B3-948B-1728B52AA6E4}">
-                <adec:decorative xmlns:adec="http://schemas.microsoft.com/office/drawing/2017/decorative" val="1"/>
+                <adec:decorative xmlns:adec="http://schemas.microsoft.com/office/drawing/2017/decorative" xmlns="" val="1"/>
               </a:ext>
             </a:extLst>
           </p:cNvPr>
@@ -47525,7 +48329,7 @@
                 <a16:creationId xmlns:a16="http://schemas.microsoft.com/office/drawing/2014/main" id="{C29501E6-A978-4A61-9689-9085AF97A53A}"/>
               </a:ext>
               <a:ext uri="{C183D7F6-B498-43B3-948B-1728B52AA6E4}">
-                <adec:decorative xmlns:adec="http://schemas.microsoft.com/office/drawing/2017/decorative" val="1"/>
+                <adec:decorative xmlns:adec="http://schemas.microsoft.com/office/drawing/2017/decorative" xmlns="" val="1"/>
               </a:ext>
             </a:extLst>
           </p:cNvPr>
@@ -47962,7 +48766,7 @@
 </p:sld>
 </file>
 
-<file path=ppt/slides/slide14.xml><?xml version="1.0" encoding="utf-8"?>
+<file path=ppt/slides/slide17.xml><?xml version="1.0" encoding="utf-8"?>
 <p:sld xmlns:a="http://schemas.openxmlformats.org/drawingml/2006/main" xmlns:r="http://schemas.openxmlformats.org/officeDocument/2006/relationships" xmlns:p="http://schemas.openxmlformats.org/presentationml/2006/main">
   <p:cSld>
     <p:spTree>
@@ -48168,7 +48972,7 @@
 </p:sld>
 </file>
 
-<file path=ppt/slides/slide15.xml><?xml version="1.0" encoding="utf-8"?>
+<file path=ppt/slides/slide18.xml><?xml version="1.0" encoding="utf-8"?>
 <p:sld xmlns:a="http://schemas.openxmlformats.org/drawingml/2006/main" xmlns:r="http://schemas.openxmlformats.org/officeDocument/2006/relationships" xmlns:p="http://schemas.openxmlformats.org/presentationml/2006/main">
   <p:cSld>
     <p:spTree>
@@ -48448,7 +49252,7 @@
 </p:sld>
 </file>
 
-<file path=ppt/slides/slide16.xml><?xml version="1.0" encoding="utf-8"?>
+<file path=ppt/slides/slide19.xml><?xml version="1.0" encoding="utf-8"?>
 <p:sld xmlns:a="http://schemas.openxmlformats.org/drawingml/2006/main" xmlns:r="http://schemas.openxmlformats.org/officeDocument/2006/relationships" xmlns:p="http://schemas.openxmlformats.org/presentationml/2006/main">
   <p:cSld>
     <p:bg>
@@ -48481,7 +49285,7 @@
                 <a16:creationId xmlns:a16="http://schemas.microsoft.com/office/drawing/2014/main" id="{6F5A5072-7B47-4D32-B52A-4EBBF590B8A5}"/>
               </a:ext>
               <a:ext uri="{C183D7F6-B498-43B3-948B-1728B52AA6E4}">
-                <adec:decorative xmlns:adec="http://schemas.microsoft.com/office/drawing/2017/decorative" val="1"/>
+                <adec:decorative xmlns:adec="http://schemas.microsoft.com/office/drawing/2017/decorative" xmlns="" val="1"/>
               </a:ext>
             </a:extLst>
           </p:cNvPr>
@@ -48557,7 +49361,7 @@
                 <a16:creationId xmlns:a16="http://schemas.microsoft.com/office/drawing/2014/main" id="{9715DAF0-AE1B-46C9-8A6B-DB2AA05AB91D}"/>
               </a:ext>
               <a:ext uri="{C183D7F6-B498-43B3-948B-1728B52AA6E4}">
-                <adec:decorative xmlns:adec="http://schemas.microsoft.com/office/drawing/2017/decorative" val="1"/>
+                <adec:decorative xmlns:adec="http://schemas.microsoft.com/office/drawing/2017/decorative" xmlns="" val="1"/>
               </a:ext>
             </a:extLst>
           </p:cNvPr>
@@ -48630,7 +49434,7 @@
                 <a16:creationId xmlns:a16="http://schemas.microsoft.com/office/drawing/2014/main" id="{6016219D-510E-4184-9090-6D5578A87BD1}"/>
               </a:ext>
               <a:ext uri="{C183D7F6-B498-43B3-948B-1728B52AA6E4}">
-                <adec:decorative xmlns:adec="http://schemas.microsoft.com/office/drawing/2017/decorative" val="1"/>
+                <adec:decorative xmlns:adec="http://schemas.microsoft.com/office/drawing/2017/decorative" xmlns="" val="1"/>
               </a:ext>
             </a:extLst>
           </p:cNvPr>
@@ -48706,7 +49510,7 @@
                 <a16:creationId xmlns:a16="http://schemas.microsoft.com/office/drawing/2014/main" id="{AFF4A713-7B75-4B21-90D7-5AB19547C728}"/>
               </a:ext>
               <a:ext uri="{C183D7F6-B498-43B3-948B-1728B52AA6E4}">
-                <adec:decorative xmlns:adec="http://schemas.microsoft.com/office/drawing/2017/decorative" val="1"/>
+                <adec:decorative xmlns:adec="http://schemas.microsoft.com/office/drawing/2017/decorative" xmlns="" val="1"/>
               </a:ext>
             </a:extLst>
           </p:cNvPr>
@@ -48781,7 +49585,7 @@
                 <a16:creationId xmlns:a16="http://schemas.microsoft.com/office/drawing/2014/main" id="{DC631C0B-6DA6-4E57-8231-CE32B3434A7E}"/>
               </a:ext>
               <a:ext uri="{C183D7F6-B498-43B3-948B-1728B52AA6E4}">
-                <adec:decorative xmlns:adec="http://schemas.microsoft.com/office/drawing/2017/decorative" val="1"/>
+                <adec:decorative xmlns:adec="http://schemas.microsoft.com/office/drawing/2017/decorative" xmlns="" val="1"/>
               </a:ext>
             </a:extLst>
           </p:cNvPr>
@@ -48857,7 +49661,7 @@
                 <a16:creationId xmlns:a16="http://schemas.microsoft.com/office/drawing/2014/main" id="{C29501E6-A978-4A61-9689-9085AF97A53A}"/>
               </a:ext>
               <a:ext uri="{C183D7F6-B498-43B3-948B-1728B52AA6E4}">
-                <adec:decorative xmlns:adec="http://schemas.microsoft.com/office/drawing/2017/decorative" val="1"/>
+                <adec:decorative xmlns:adec="http://schemas.microsoft.com/office/drawing/2017/decorative" xmlns="" val="1"/>
               </a:ext>
             </a:extLst>
           </p:cNvPr>
@@ -49276,7 +50080,640 @@
 </p:sld>
 </file>
 
-<file path=ppt/slides/slide17.xml><?xml version="1.0" encoding="utf-8"?>
+<file path=ppt/slides/slide2.xml><?xml version="1.0" encoding="utf-8"?>
+<p:sld xmlns:a="http://schemas.openxmlformats.org/drawingml/2006/main" xmlns:r="http://schemas.openxmlformats.org/officeDocument/2006/relationships" xmlns:p="http://schemas.openxmlformats.org/presentationml/2006/main">
+  <p:cSld>
+    <p:bg>
+      <p:bgPr>
+        <a:solidFill>
+          <a:schemeClr val="bg1"/>
+        </a:solidFill>
+        <a:effectLst/>
+      </p:bgPr>
+    </p:bg>
+    <p:spTree>
+      <p:nvGrpSpPr>
+        <p:cNvPr id="1" name=""/>
+        <p:cNvGrpSpPr/>
+        <p:nvPr/>
+      </p:nvGrpSpPr>
+      <p:grpSpPr>
+        <a:xfrm>
+          <a:off x="0" y="0"/>
+          <a:ext cx="0" cy="0"/>
+          <a:chOff x="0" y="0"/>
+          <a:chExt cx="0" cy="0"/>
+        </a:xfrm>
+      </p:grpSpPr>
+      <p:sp useBgFill="1">
+        <p:nvSpPr>
+          <p:cNvPr id="8" name="Rectangle 7">
+            <a:extLst>
+              <a:ext uri="{FF2B5EF4-FFF2-40B4-BE49-F238E27FC236}">
+                <a16:creationId xmlns:a16="http://schemas.microsoft.com/office/drawing/2014/main" id="{827B839B-9ADE-406B-8590-F1CAEDED45A1}"/>
+              </a:ext>
+              <a:ext uri="{C183D7F6-B498-43B3-948B-1728B52AA6E4}">
+                <adec:decorative xmlns:adec="http://schemas.microsoft.com/office/drawing/2017/decorative" xmlns="" val="1"/>
+              </a:ext>
+            </a:extLst>
+          </p:cNvPr>
+          <p:cNvSpPr>
+            <a:spLocks noGrp="1" noRot="1" noChangeAspect="1" noMove="1" noResize="1" noEditPoints="1" noAdjustHandles="1" noChangeArrowheads="1" noChangeShapeType="1" noTextEdit="1"/>
+          </p:cNvSpPr>
+          <p:nvPr>
+            <p:extLst>
+              <p:ext uri="{386F3935-93C4-4BCD-93E2-E3B085C9AB24}">
+                <p16:designElem xmlns:p16="http://schemas.microsoft.com/office/powerpoint/2015/main" val="1"/>
+              </p:ext>
+            </p:extLst>
+          </p:nvPr>
+        </p:nvSpPr>
+        <p:spPr>
+          <a:xfrm>
+            <a:off x="0" y="0"/>
+            <a:ext cx="12188952" cy="6858000"/>
+          </a:xfrm>
+          <a:prstGeom prst="rect">
+            <a:avLst/>
+          </a:prstGeom>
+          <a:ln>
+            <a:noFill/>
+          </a:ln>
+        </p:spPr>
+        <p:style>
+          <a:lnRef idx="2">
+            <a:schemeClr val="accent1">
+              <a:shade val="50000"/>
+            </a:schemeClr>
+          </a:lnRef>
+          <a:fillRef idx="1">
+            <a:schemeClr val="accent1"/>
+          </a:fillRef>
+          <a:effectRef idx="0">
+            <a:schemeClr val="accent1"/>
+          </a:effectRef>
+          <a:fontRef idx="minor">
+            <a:schemeClr val="lt1"/>
+          </a:fontRef>
+        </p:style>
+        <p:txBody>
+          <a:bodyPr rtlCol="0" anchor="ctr"/>
+          <a:lstStyle/>
+          <a:p>
+            <a:pPr algn="ctr"/>
+            <a:endParaRPr lang="en-US"/>
+          </a:p>
+        </p:txBody>
+      </p:sp>
+      <p:sp>
+        <p:nvSpPr>
+          <p:cNvPr id="10" name="Freeform 45">
+            <a:extLst>
+              <a:ext uri="{FF2B5EF4-FFF2-40B4-BE49-F238E27FC236}">
+                <a16:creationId xmlns:a16="http://schemas.microsoft.com/office/drawing/2014/main" id="{CFE45BF0-46DB-408C-B5F7-7B11716805D4}"/>
+              </a:ext>
+              <a:ext uri="{C183D7F6-B498-43B3-948B-1728B52AA6E4}">
+                <adec:decorative xmlns:adec="http://schemas.microsoft.com/office/drawing/2017/decorative" xmlns="" val="1"/>
+              </a:ext>
+            </a:extLst>
+          </p:cNvPr>
+          <p:cNvSpPr>
+            <a:spLocks noGrp="1" noRot="1" noChangeAspect="1" noMove="1" noResize="1" noEditPoints="1" noAdjustHandles="1" noChangeArrowheads="1" noChangeShapeType="1" noTextEdit="1"/>
+          </p:cNvSpPr>
+          <p:nvPr>
+            <p:extLst>
+              <p:ext uri="{386F3935-93C4-4BCD-93E2-E3B085C9AB24}">
+                <p16:designElem xmlns:p16="http://schemas.microsoft.com/office/powerpoint/2015/main" val="1"/>
+              </p:ext>
+            </p:extLst>
+          </p:nvPr>
+        </p:nvSpPr>
+        <p:spPr bwMode="auto">
+          <a:xfrm>
+            <a:off x="409710" y="1022350"/>
+            <a:ext cx="709612" cy="2095501"/>
+          </a:xfrm>
+          <a:custGeom>
+            <a:avLst/>
+            <a:gdLst>
+              <a:gd name="T0" fmla="*/ 447 w 447"/>
+              <a:gd name="T1" fmla="*/ 1363 h 1363"/>
+              <a:gd name="T2" fmla="*/ 0 w 447"/>
+              <a:gd name="T3" fmla="*/ 987 h 1363"/>
+              <a:gd name="T4" fmla="*/ 0 w 447"/>
+              <a:gd name="T5" fmla="*/ 0 h 1363"/>
+              <a:gd name="T6" fmla="*/ 447 w 447"/>
+              <a:gd name="T7" fmla="*/ 376 h 1363"/>
+              <a:gd name="T8" fmla="*/ 447 w 447"/>
+              <a:gd name="T9" fmla="*/ 1363 h 1363"/>
+            </a:gdLst>
+            <a:ahLst/>
+            <a:cxnLst>
+              <a:cxn ang="0">
+                <a:pos x="T0" y="T1"/>
+              </a:cxn>
+              <a:cxn ang="0">
+                <a:pos x="T2" y="T3"/>
+              </a:cxn>
+              <a:cxn ang="0">
+                <a:pos x="T4" y="T5"/>
+              </a:cxn>
+              <a:cxn ang="0">
+                <a:pos x="T6" y="T7"/>
+              </a:cxn>
+              <a:cxn ang="0">
+                <a:pos x="T8" y="T9"/>
+              </a:cxn>
+            </a:cxnLst>
+            <a:rect l="0" t="0" r="r" b="b"/>
+            <a:pathLst>
+              <a:path w="447" h="1363">
+                <a:moveTo>
+                  <a:pt x="447" y="1363"/>
+                </a:moveTo>
+                <a:lnTo>
+                  <a:pt x="0" y="987"/>
+                </a:lnTo>
+                <a:lnTo>
+                  <a:pt x="0" y="0"/>
+                </a:lnTo>
+                <a:lnTo>
+                  <a:pt x="447" y="376"/>
+                </a:lnTo>
+                <a:lnTo>
+                  <a:pt x="447" y="1363"/>
+                </a:lnTo>
+                <a:close/>
+              </a:path>
+            </a:pathLst>
+          </a:custGeom>
+          <a:solidFill>
+            <a:schemeClr val="accent1">
+              <a:lumMod val="50000"/>
+            </a:schemeClr>
+          </a:solidFill>
+          <a:ln>
+            <a:noFill/>
+          </a:ln>
+        </p:spPr>
+        <p:txBody>
+          <a:bodyPr vert="horz" wrap="square" lIns="91440" tIns="45720" rIns="91440" bIns="45720" numCol="1" anchor="t" anchorCtr="0" compatLnSpc="1">
+            <a:prstTxWarp prst="textNoShape">
+              <a:avLst/>
+            </a:prstTxWarp>
+          </a:bodyPr>
+          <a:lstStyle/>
+          <a:p>
+            <a:endParaRPr lang="en-US"/>
+          </a:p>
+        </p:txBody>
+      </p:sp>
+      <p:sp>
+        <p:nvSpPr>
+          <p:cNvPr id="12" name="Freeform 46">
+            <a:extLst>
+              <a:ext uri="{FF2B5EF4-FFF2-40B4-BE49-F238E27FC236}">
+                <a16:creationId xmlns:a16="http://schemas.microsoft.com/office/drawing/2014/main" id="{2AEBC8F2-97B1-41B4-93F1-2D289E197FBA}"/>
+              </a:ext>
+              <a:ext uri="{C183D7F6-B498-43B3-948B-1728B52AA6E4}">
+                <adec:decorative xmlns:adec="http://schemas.microsoft.com/office/drawing/2017/decorative" xmlns="" val="1"/>
+              </a:ext>
+            </a:extLst>
+          </p:cNvPr>
+          <p:cNvSpPr>
+            <a:spLocks noGrp="1" noRot="1" noChangeAspect="1" noMove="1" noResize="1" noEditPoints="1" noAdjustHandles="1" noChangeArrowheads="1" noChangeShapeType="1" noTextEdit="1"/>
+          </p:cNvSpPr>
+          <p:nvPr>
+            <p:extLst>
+              <p:ext uri="{386F3935-93C4-4BCD-93E2-E3B085C9AB24}">
+                <p16:designElem xmlns:p16="http://schemas.microsoft.com/office/powerpoint/2015/main" val="1"/>
+              </p:ext>
+            </p:extLst>
+          </p:nvPr>
+        </p:nvSpPr>
+        <p:spPr bwMode="auto">
+          <a:xfrm>
+            <a:off x="409710" y="837744"/>
+            <a:ext cx="403225" cy="1705431"/>
+          </a:xfrm>
+          <a:custGeom>
+            <a:avLst/>
+            <a:gdLst>
+              <a:gd name="T0" fmla="*/ 254 w 254"/>
+              <a:gd name="T1" fmla="*/ 987 h 1109"/>
+              <a:gd name="T2" fmla="*/ 0 w 254"/>
+              <a:gd name="T3" fmla="*/ 1109 h 1109"/>
+              <a:gd name="T4" fmla="*/ 0 w 254"/>
+              <a:gd name="T5" fmla="*/ 119 h 1109"/>
+              <a:gd name="T6" fmla="*/ 254 w 254"/>
+              <a:gd name="T7" fmla="*/ 0 h 1109"/>
+              <a:gd name="T8" fmla="*/ 254 w 254"/>
+              <a:gd name="T9" fmla="*/ 987 h 1109"/>
+            </a:gdLst>
+            <a:ahLst/>
+            <a:cxnLst>
+              <a:cxn ang="0">
+                <a:pos x="T0" y="T1"/>
+              </a:cxn>
+              <a:cxn ang="0">
+                <a:pos x="T2" y="T3"/>
+              </a:cxn>
+              <a:cxn ang="0">
+                <a:pos x="T4" y="T5"/>
+              </a:cxn>
+              <a:cxn ang="0">
+                <a:pos x="T6" y="T7"/>
+              </a:cxn>
+              <a:cxn ang="0">
+                <a:pos x="T8" y="T9"/>
+              </a:cxn>
+            </a:cxnLst>
+            <a:rect l="0" t="0" r="r" b="b"/>
+            <a:pathLst>
+              <a:path w="254" h="1109">
+                <a:moveTo>
+                  <a:pt x="254" y="987"/>
+                </a:moveTo>
+                <a:lnTo>
+                  <a:pt x="0" y="1109"/>
+                </a:lnTo>
+                <a:lnTo>
+                  <a:pt x="0" y="119"/>
+                </a:lnTo>
+                <a:lnTo>
+                  <a:pt x="254" y="0"/>
+                </a:lnTo>
+                <a:lnTo>
+                  <a:pt x="254" y="987"/>
+                </a:lnTo>
+                <a:close/>
+              </a:path>
+            </a:pathLst>
+          </a:custGeom>
+          <a:solidFill>
+            <a:schemeClr val="accent1">
+              <a:lumMod val="75000"/>
+            </a:schemeClr>
+          </a:solidFill>
+          <a:ln>
+            <a:noFill/>
+          </a:ln>
+        </p:spPr>
+        <p:txBody>
+          <a:bodyPr vert="horz" wrap="square" lIns="91440" tIns="45720" rIns="91440" bIns="45720" numCol="1" anchor="t" anchorCtr="0" compatLnSpc="1">
+            <a:prstTxWarp prst="textNoShape">
+              <a:avLst/>
+            </a:prstTxWarp>
+          </a:bodyPr>
+          <a:lstStyle/>
+          <a:p>
+            <a:endParaRPr lang="en-US"/>
+          </a:p>
+        </p:txBody>
+      </p:sp>
+      <p:sp>
+        <p:nvSpPr>
+          <p:cNvPr id="14" name="Freeform 47">
+            <a:extLst>
+              <a:ext uri="{FF2B5EF4-FFF2-40B4-BE49-F238E27FC236}">
+                <a16:creationId xmlns:a16="http://schemas.microsoft.com/office/drawing/2014/main" id="{472E3A19-F5D5-48FC-BB9C-48C2F68F598B}"/>
+              </a:ext>
+              <a:ext uri="{C183D7F6-B498-43B3-948B-1728B52AA6E4}">
+                <adec:decorative xmlns:adec="http://schemas.microsoft.com/office/drawing/2017/decorative" xmlns="" val="1"/>
+              </a:ext>
+            </a:extLst>
+          </p:cNvPr>
+          <p:cNvSpPr>
+            <a:spLocks noGrp="1" noRot="1" noChangeAspect="1" noMove="1" noResize="1" noEditPoints="1" noAdjustHandles="1" noChangeArrowheads="1" noChangeShapeType="1" noTextEdit="1"/>
+          </p:cNvSpPr>
+          <p:nvPr>
+            <p:extLst>
+              <p:ext uri="{386F3935-93C4-4BCD-93E2-E3B085C9AB24}">
+                <p16:designElem xmlns:p16="http://schemas.microsoft.com/office/powerpoint/2015/main" val="1"/>
+              </p:ext>
+            </p:extLst>
+          </p:nvPr>
+        </p:nvSpPr>
+        <p:spPr bwMode="auto">
+          <a:xfrm>
+            <a:off x="644660" y="640894"/>
+            <a:ext cx="168275" cy="1713195"/>
+          </a:xfrm>
+          <a:custGeom>
+            <a:avLst/>
+            <a:gdLst>
+              <a:gd name="T0" fmla="*/ 106 w 106"/>
+              <a:gd name="T1" fmla="*/ 1114 h 1114"/>
+              <a:gd name="T2" fmla="*/ 0 w 106"/>
+              <a:gd name="T3" fmla="*/ 1005 h 1114"/>
+              <a:gd name="T4" fmla="*/ 0 w 106"/>
+              <a:gd name="T5" fmla="*/ 0 h 1114"/>
+              <a:gd name="T6" fmla="*/ 106 w 106"/>
+              <a:gd name="T7" fmla="*/ 110 h 1114"/>
+              <a:gd name="T8" fmla="*/ 106 w 106"/>
+              <a:gd name="T9" fmla="*/ 1114 h 1114"/>
+            </a:gdLst>
+            <a:ahLst/>
+            <a:cxnLst>
+              <a:cxn ang="0">
+                <a:pos x="T0" y="T1"/>
+              </a:cxn>
+              <a:cxn ang="0">
+                <a:pos x="T2" y="T3"/>
+              </a:cxn>
+              <a:cxn ang="0">
+                <a:pos x="T4" y="T5"/>
+              </a:cxn>
+              <a:cxn ang="0">
+                <a:pos x="T6" y="T7"/>
+              </a:cxn>
+              <a:cxn ang="0">
+                <a:pos x="T8" y="T9"/>
+              </a:cxn>
+            </a:cxnLst>
+            <a:rect l="0" t="0" r="r" b="b"/>
+            <a:pathLst>
+              <a:path w="106" h="1114">
+                <a:moveTo>
+                  <a:pt x="106" y="1114"/>
+                </a:moveTo>
+                <a:lnTo>
+                  <a:pt x="0" y="1005"/>
+                </a:lnTo>
+                <a:lnTo>
+                  <a:pt x="0" y="0"/>
+                </a:lnTo>
+                <a:lnTo>
+                  <a:pt x="106" y="110"/>
+                </a:lnTo>
+                <a:lnTo>
+                  <a:pt x="106" y="1114"/>
+                </a:lnTo>
+                <a:close/>
+              </a:path>
+            </a:pathLst>
+          </a:custGeom>
+          <a:solidFill>
+            <a:schemeClr val="accent1">
+              <a:lumMod val="50000"/>
+            </a:schemeClr>
+          </a:solidFill>
+          <a:ln>
+            <a:noFill/>
+          </a:ln>
+        </p:spPr>
+        <p:txBody>
+          <a:bodyPr vert="horz" wrap="square" lIns="91440" tIns="45720" rIns="91440" bIns="45720" numCol="1" anchor="t" anchorCtr="0" compatLnSpc="1">
+            <a:prstTxWarp prst="textNoShape">
+              <a:avLst/>
+            </a:prstTxWarp>
+          </a:bodyPr>
+          <a:lstStyle/>
+          <a:p>
+            <a:endParaRPr lang="en-US"/>
+          </a:p>
+        </p:txBody>
+      </p:sp>
+      <p:sp>
+        <p:nvSpPr>
+          <p:cNvPr id="16" name="Freeform 44">
+            <a:extLst>
+              <a:ext uri="{FF2B5EF4-FFF2-40B4-BE49-F238E27FC236}">
+                <a16:creationId xmlns:a16="http://schemas.microsoft.com/office/drawing/2014/main" id="{7A62E32F-BB65-43A8-8EB5-92346890E549}"/>
+              </a:ext>
+              <a:ext uri="{C183D7F6-B498-43B3-948B-1728B52AA6E4}">
+                <adec:decorative xmlns:adec="http://schemas.microsoft.com/office/drawing/2017/decorative" xmlns="" val="1"/>
+              </a:ext>
+            </a:extLst>
+          </p:cNvPr>
+          <p:cNvSpPr>
+            <a:spLocks noGrp="1" noRot="1" noChangeAspect="1" noMove="1" noResize="1" noEditPoints="1" noAdjustHandles="1" noChangeArrowheads="1" noChangeShapeType="1" noTextEdit="1"/>
+          </p:cNvSpPr>
+          <p:nvPr>
+            <p:extLst>
+              <p:ext uri="{386F3935-93C4-4BCD-93E2-E3B085C9AB24}">
+                <p16:designElem xmlns:p16="http://schemas.microsoft.com/office/powerpoint/2015/main" val="1"/>
+              </p:ext>
+            </p:extLst>
+          </p:nvPr>
+        </p:nvSpPr>
+        <p:spPr bwMode="auto">
+          <a:xfrm>
+            <a:off x="11223203" y="635716"/>
+            <a:ext cx="328612" cy="1742360"/>
+          </a:xfrm>
+          <a:custGeom>
+            <a:avLst/>
+            <a:gdLst>
+              <a:gd name="T0" fmla="*/ 207 w 207"/>
+              <a:gd name="T1" fmla="*/ 987 h 1114"/>
+              <a:gd name="T2" fmla="*/ 0 w 207"/>
+              <a:gd name="T3" fmla="*/ 1114 h 1114"/>
+              <a:gd name="T4" fmla="*/ 0 w 207"/>
+              <a:gd name="T5" fmla="*/ 127 h 1114"/>
+              <a:gd name="T6" fmla="*/ 207 w 207"/>
+              <a:gd name="T7" fmla="*/ 0 h 1114"/>
+              <a:gd name="T8" fmla="*/ 207 w 207"/>
+              <a:gd name="T9" fmla="*/ 987 h 1114"/>
+            </a:gdLst>
+            <a:ahLst/>
+            <a:cxnLst>
+              <a:cxn ang="0">
+                <a:pos x="T0" y="T1"/>
+              </a:cxn>
+              <a:cxn ang="0">
+                <a:pos x="T2" y="T3"/>
+              </a:cxn>
+              <a:cxn ang="0">
+                <a:pos x="T4" y="T5"/>
+              </a:cxn>
+              <a:cxn ang="0">
+                <a:pos x="T6" y="T7"/>
+              </a:cxn>
+              <a:cxn ang="0">
+                <a:pos x="T8" y="T9"/>
+              </a:cxn>
+            </a:cxnLst>
+            <a:rect l="0" t="0" r="r" b="b"/>
+            <a:pathLst>
+              <a:path w="207" h="1114">
+                <a:moveTo>
+                  <a:pt x="207" y="987"/>
+                </a:moveTo>
+                <a:lnTo>
+                  <a:pt x="0" y="1114"/>
+                </a:lnTo>
+                <a:lnTo>
+                  <a:pt x="0" y="127"/>
+                </a:lnTo>
+                <a:lnTo>
+                  <a:pt x="207" y="0"/>
+                </a:lnTo>
+                <a:lnTo>
+                  <a:pt x="207" y="987"/>
+                </a:lnTo>
+                <a:close/>
+              </a:path>
+            </a:pathLst>
+          </a:custGeom>
+          <a:solidFill>
+            <a:schemeClr val="accent1">
+              <a:lumMod val="50000"/>
+            </a:schemeClr>
+          </a:solidFill>
+          <a:ln>
+            <a:noFill/>
+          </a:ln>
+        </p:spPr>
+        <p:txBody>
+          <a:bodyPr vert="horz" wrap="square" lIns="91440" tIns="45720" rIns="91440" bIns="45720" numCol="1" anchor="t" anchorCtr="0" compatLnSpc="1">
+            <a:prstTxWarp prst="textNoShape">
+              <a:avLst/>
+            </a:prstTxWarp>
+          </a:bodyPr>
+          <a:lstStyle/>
+          <a:p>
+            <a:endParaRPr lang="en-US"/>
+          </a:p>
+        </p:txBody>
+      </p:sp>
+      <p:sp>
+        <p:nvSpPr>
+          <p:cNvPr id="18" name="Rectangle 17">
+            <a:extLst>
+              <a:ext uri="{FF2B5EF4-FFF2-40B4-BE49-F238E27FC236}">
+                <a16:creationId xmlns:a16="http://schemas.microsoft.com/office/drawing/2014/main" id="{14E91B64-9FCC-451E-AFB4-A827D6329367}"/>
+              </a:ext>
+              <a:ext uri="{C183D7F6-B498-43B3-948B-1728B52AA6E4}">
+                <adec:decorative xmlns:adec="http://schemas.microsoft.com/office/drawing/2017/decorative" xmlns="" val="1"/>
+              </a:ext>
+            </a:extLst>
+          </p:cNvPr>
+          <p:cNvSpPr>
+            <a:spLocks noGrp="1" noRot="1" noChangeAspect="1" noMove="1" noResize="1" noEditPoints="1" noAdjustHandles="1" noChangeArrowheads="1" noChangeShapeType="1" noTextEdit="1"/>
+          </p:cNvSpPr>
+          <p:nvPr>
+            <p:extLst>
+              <p:ext uri="{386F3935-93C4-4BCD-93E2-E3B085C9AB24}">
+                <p16:designElem xmlns:p16="http://schemas.microsoft.com/office/powerpoint/2015/main" val="1"/>
+              </p:ext>
+            </p:extLst>
+          </p:nvPr>
+        </p:nvSpPr>
+        <p:spPr bwMode="auto">
+          <a:xfrm>
+            <a:off x="644055" y="635715"/>
+            <a:ext cx="10907863" cy="1541457"/>
+          </a:xfrm>
+          <a:prstGeom prst="rect">
+            <a:avLst/>
+          </a:prstGeom>
+          <a:solidFill>
+            <a:schemeClr val="accent1"/>
+          </a:solidFill>
+          <a:ln>
+            <a:noFill/>
+          </a:ln>
+        </p:spPr>
+        <p:txBody>
+          <a:bodyPr vert="horz" wrap="square" lIns="91440" tIns="45720" rIns="91440" bIns="45720" numCol="1" anchor="t" anchorCtr="0" compatLnSpc="1">
+            <a:prstTxWarp prst="textNoShape">
+              <a:avLst/>
+            </a:prstTxWarp>
+          </a:bodyPr>
+          <a:lstStyle/>
+          <a:p>
+            <a:endParaRPr lang="en-US"/>
+          </a:p>
+        </p:txBody>
+      </p:sp>
+      <p:sp>
+        <p:nvSpPr>
+          <p:cNvPr id="2" name="タイトル 1"/>
+          <p:cNvSpPr>
+            <a:spLocks noGrp="1"/>
+          </p:cNvSpPr>
+          <p:nvPr>
+            <p:ph type="title"/>
+          </p:nvPr>
+        </p:nvSpPr>
+        <p:spPr>
+          <a:xfrm>
+            <a:off x="958506" y="800392"/>
+            <a:ext cx="10264697" cy="1212102"/>
+          </a:xfrm>
+        </p:spPr>
+        <p:txBody>
+          <a:bodyPr>
+            <a:normAutofit/>
+          </a:bodyPr>
+          <a:lstStyle/>
+          <a:p>
+            <a:r>
+              <a:rPr kumimoji="1" lang="ja-JP" altLang="en-US" sz="6000" b="1" dirty="0">
+                <a:solidFill>
+                  <a:srgbClr val="FFFFFF"/>
+                </a:solidFill>
+                <a:effectLst>
+                  <a:outerShdw blurRad="38100" dist="38100" dir="2700000" algn="tl">
+                    <a:srgbClr val="000000">
+                      <a:alpha val="43137"/>
+                    </a:srgbClr>
+                  </a:outerShdw>
+                </a:effectLst>
+                <a:latin typeface="BIZ UDP明朝 Medium" panose="02020500000000000000" pitchFamily="18" charset="-128"/>
+                <a:ea typeface="BIZ UDP明朝 Medium" panose="02020500000000000000" pitchFamily="18" charset="-128"/>
+              </a:rPr>
+              <a:t>目次</a:t>
+            </a:r>
+          </a:p>
+        </p:txBody>
+      </p:sp>
+      <p:graphicFrame>
+        <p:nvGraphicFramePr>
+          <p:cNvPr id="20" name="コンテンツ プレースホルダー 2">
+            <a:extLst>
+              <a:ext uri="{FF2B5EF4-FFF2-40B4-BE49-F238E27FC236}">
+                <a16:creationId xmlns:a16="http://schemas.microsoft.com/office/drawing/2014/main" id="{FEF8C322-86F1-40AA-9EC4-DDA236BD3D7C}"/>
+              </a:ext>
+            </a:extLst>
+          </p:cNvPr>
+          <p:cNvGraphicFramePr>
+            <a:graphicFrameLocks noGrp="1"/>
+          </p:cNvGraphicFramePr>
+          <p:nvPr>
+            <p:ph idx="1"/>
+            <p:extLst>
+              <p:ext uri="{D42A27DB-BD31-4B8C-83A1-F6EECF244321}">
+                <p14:modId xmlns:p14="http://schemas.microsoft.com/office/powerpoint/2010/main" val="3544340283"/>
+              </p:ext>
+            </p:extLst>
+          </p:nvPr>
+        </p:nvGraphicFramePr>
+        <p:xfrm>
+          <a:off x="1367624" y="2490436"/>
+          <a:ext cx="9708995" cy="3567173"/>
+        </p:xfrm>
+        <a:graphic>
+          <a:graphicData uri="http://schemas.openxmlformats.org/drawingml/2006/diagram">
+            <dgm:relIds xmlns:dgm="http://schemas.openxmlformats.org/drawingml/2006/diagram" xmlns:r="http://schemas.openxmlformats.org/officeDocument/2006/relationships" r:dm="rId2" r:lo="rId3" r:qs="rId4" r:cs="rId5"/>
+          </a:graphicData>
+        </a:graphic>
+      </p:graphicFrame>
+    </p:spTree>
+    <p:extLst>
+      <p:ext uri="{BB962C8B-B14F-4D97-AF65-F5344CB8AC3E}">
+        <p14:creationId xmlns:p14="http://schemas.microsoft.com/office/powerpoint/2010/main" val="1005914395"/>
+      </p:ext>
+    </p:extLst>
+  </p:cSld>
+  <p:clrMapOvr>
+    <a:masterClrMapping/>
+  </p:clrMapOvr>
+</p:sld>
+</file>
+
+<file path=ppt/slides/slide20.xml><?xml version="1.0" encoding="utf-8"?>
 <p:sld xmlns:a="http://schemas.openxmlformats.org/drawingml/2006/main" xmlns:r="http://schemas.openxmlformats.org/officeDocument/2006/relationships" xmlns:p="http://schemas.openxmlformats.org/presentationml/2006/main">
   <p:cSld>
     <p:spTree>
@@ -49305,8 +50742,8 @@
         </p:nvSpPr>
         <p:spPr>
           <a:xfrm>
-            <a:off x="838200" y="1288473"/>
-            <a:ext cx="10515600" cy="4888490"/>
+            <a:off x="838200" y="1770611"/>
+            <a:ext cx="10515600" cy="4406352"/>
           </a:xfrm>
         </p:spPr>
         <p:txBody>
@@ -49413,6 +50850,47 @@
           </a:fontRef>
         </p:style>
       </p:cxnSp>
+      <p:pic>
+        <p:nvPicPr>
+          <p:cNvPr id="1026" name="Picture 2" descr="アンケートに答える人のイラスト（女性） | かわいいフリー素材集 いらすとや"/>
+          <p:cNvPicPr>
+            <a:picLocks noChangeAspect="1" noChangeArrowheads="1"/>
+          </p:cNvPicPr>
+          <p:nvPr/>
+        </p:nvPicPr>
+        <p:blipFill>
+          <a:blip r:embed="rId2">
+            <a:extLst>
+              <a:ext uri="{28A0092B-C50C-407E-A947-70E740481C1C}">
+                <a14:useLocalDpi xmlns:a14="http://schemas.microsoft.com/office/drawing/2010/main" val="0"/>
+              </a:ext>
+            </a:extLst>
+          </a:blip>
+          <a:srcRect/>
+          <a:stretch>
+            <a:fillRect/>
+          </a:stretch>
+        </p:blipFill>
+        <p:spPr bwMode="auto">
+          <a:xfrm>
+            <a:off x="7585473" y="2370356"/>
+            <a:ext cx="2717343" cy="4113571"/>
+          </a:xfrm>
+          <a:prstGeom prst="rect">
+            <a:avLst/>
+          </a:prstGeom>
+          <a:noFill/>
+          <a:extLst>
+            <a:ext uri="{909E8E84-426E-40DD-AFC4-6F175D3DCCD1}">
+              <a14:hiddenFill xmlns:a14="http://schemas.microsoft.com/office/drawing/2010/main">
+                <a:solidFill>
+                  <a:srgbClr val="FFFFFF"/>
+                </a:solidFill>
+              </a14:hiddenFill>
+            </a:ext>
+          </a:extLst>
+        </p:spPr>
+      </p:pic>
     </p:spTree>
     <p:extLst>
       <p:ext uri="{BB962C8B-B14F-4D97-AF65-F5344CB8AC3E}">
@@ -49426,7 +50904,7 @@
 </p:sld>
 </file>
 
-<file path=ppt/slides/slide18.xml><?xml version="1.0" encoding="utf-8"?>
+<file path=ppt/slides/slide21.xml><?xml version="1.0" encoding="utf-8"?>
 <p:sld xmlns:a="http://schemas.openxmlformats.org/drawingml/2006/main" xmlns:r="http://schemas.openxmlformats.org/officeDocument/2006/relationships" xmlns:p="http://schemas.openxmlformats.org/presentationml/2006/main">
   <p:cSld>
     <p:spTree>
@@ -49458,7 +50936,7 @@
           <p:nvPr>
             <p:extLst>
               <p:ext uri="{D42A27DB-BD31-4B8C-83A1-F6EECF244321}">
-                <p14:modId xmlns:p14="http://schemas.microsoft.com/office/powerpoint/2010/main" val="554005453"/>
+                <p14:modId xmlns:p14="http://schemas.microsoft.com/office/powerpoint/2010/main" val="1376346408"/>
               </p:ext>
             </p:extLst>
           </p:nvPr>
@@ -49488,7 +50966,7 @@
           <p:nvPr>
             <p:extLst>
               <p:ext uri="{D42A27DB-BD31-4B8C-83A1-F6EECF244321}">
-                <p14:modId xmlns:p14="http://schemas.microsoft.com/office/powerpoint/2010/main" val="3642996673"/>
+                <p14:modId xmlns:p14="http://schemas.microsoft.com/office/powerpoint/2010/main" val="2141378930"/>
               </p:ext>
             </p:extLst>
           </p:nvPr>
@@ -49518,7 +50996,7 @@
           <p:nvPr>
             <p:extLst>
               <p:ext uri="{D42A27DB-BD31-4B8C-83A1-F6EECF244321}">
-                <p14:modId xmlns:p14="http://schemas.microsoft.com/office/powerpoint/2010/main" val="4241916825"/>
+                <p14:modId xmlns:p14="http://schemas.microsoft.com/office/powerpoint/2010/main" val="3647425115"/>
               </p:ext>
             </p:extLst>
           </p:nvPr>
@@ -49548,7 +51026,7 @@
           <p:nvPr>
             <p:extLst>
               <p:ext uri="{D42A27DB-BD31-4B8C-83A1-F6EECF244321}">
-                <p14:modId xmlns:p14="http://schemas.microsoft.com/office/powerpoint/2010/main" val="3416331648"/>
+                <p14:modId xmlns:p14="http://schemas.microsoft.com/office/powerpoint/2010/main" val="1245747009"/>
               </p:ext>
             </p:extLst>
           </p:nvPr>
@@ -49677,7 +51155,7 @@
 </p:sld>
 </file>
 
-<file path=ppt/slides/slide19.xml><?xml version="1.0" encoding="utf-8"?>
+<file path=ppt/slides/slide22.xml><?xml version="1.0" encoding="utf-8"?>
 <p:sld xmlns:a="http://schemas.openxmlformats.org/drawingml/2006/main" xmlns:r="http://schemas.openxmlformats.org/officeDocument/2006/relationships" xmlns:p="http://schemas.openxmlformats.org/presentationml/2006/main">
   <p:cSld>
     <p:spTree>
@@ -49840,7 +51318,7 @@
           <p:nvPr>
             <p:extLst>
               <p:ext uri="{D42A27DB-BD31-4B8C-83A1-F6EECF244321}">
-                <p14:modId xmlns:p14="http://schemas.microsoft.com/office/powerpoint/2010/main" val="3315751414"/>
+                <p14:modId xmlns:p14="http://schemas.microsoft.com/office/powerpoint/2010/main" val="4160108745"/>
               </p:ext>
             </p:extLst>
           </p:nvPr>
@@ -49870,7 +51348,7 @@
           <p:nvPr>
             <p:extLst>
               <p:ext uri="{D42A27DB-BD31-4B8C-83A1-F6EECF244321}">
-                <p14:modId xmlns:p14="http://schemas.microsoft.com/office/powerpoint/2010/main" val="286448874"/>
+                <p14:modId xmlns:p14="http://schemas.microsoft.com/office/powerpoint/2010/main" val="338738403"/>
               </p:ext>
             </p:extLst>
           </p:nvPr>
@@ -49930,7 +51408,7 @@
           <p:nvPr>
             <p:extLst>
               <p:ext uri="{D42A27DB-BD31-4B8C-83A1-F6EECF244321}">
-                <p14:modId xmlns:p14="http://schemas.microsoft.com/office/powerpoint/2010/main" val="1201421314"/>
+                <p14:modId xmlns:p14="http://schemas.microsoft.com/office/powerpoint/2010/main" val="1565827610"/>
               </p:ext>
             </p:extLst>
           </p:nvPr>
@@ -49958,631 +51436,7 @@
 </p:sld>
 </file>
 
-<file path=ppt/slides/slide2.xml><?xml version="1.0" encoding="utf-8"?>
-<p:sld xmlns:a="http://schemas.openxmlformats.org/drawingml/2006/main" xmlns:r="http://schemas.openxmlformats.org/officeDocument/2006/relationships" xmlns:p="http://schemas.openxmlformats.org/presentationml/2006/main">
-  <p:cSld>
-    <p:bg>
-      <p:bgPr>
-        <a:solidFill>
-          <a:schemeClr val="bg1"/>
-        </a:solidFill>
-        <a:effectLst/>
-      </p:bgPr>
-    </p:bg>
-    <p:spTree>
-      <p:nvGrpSpPr>
-        <p:cNvPr id="1" name=""/>
-        <p:cNvGrpSpPr/>
-        <p:nvPr/>
-      </p:nvGrpSpPr>
-      <p:grpSpPr>
-        <a:xfrm>
-          <a:off x="0" y="0"/>
-          <a:ext cx="0" cy="0"/>
-          <a:chOff x="0" y="0"/>
-          <a:chExt cx="0" cy="0"/>
-        </a:xfrm>
-      </p:grpSpPr>
-      <p:sp useBgFill="1">
-        <p:nvSpPr>
-          <p:cNvPr id="8" name="Rectangle 7">
-            <a:extLst>
-              <a:ext uri="{FF2B5EF4-FFF2-40B4-BE49-F238E27FC236}">
-                <a16:creationId xmlns:a16="http://schemas.microsoft.com/office/drawing/2014/main" id="{827B839B-9ADE-406B-8590-F1CAEDED45A1}"/>
-              </a:ext>
-              <a:ext uri="{C183D7F6-B498-43B3-948B-1728B52AA6E4}">
-                <adec:decorative xmlns:adec="http://schemas.microsoft.com/office/drawing/2017/decorative" val="1"/>
-              </a:ext>
-            </a:extLst>
-          </p:cNvPr>
-          <p:cNvSpPr>
-            <a:spLocks noGrp="1" noRot="1" noChangeAspect="1" noMove="1" noResize="1" noEditPoints="1" noAdjustHandles="1" noChangeArrowheads="1" noChangeShapeType="1" noTextEdit="1"/>
-          </p:cNvSpPr>
-          <p:nvPr>
-            <p:extLst>
-              <p:ext uri="{386F3935-93C4-4BCD-93E2-E3B085C9AB24}">
-                <p16:designElem xmlns:p16="http://schemas.microsoft.com/office/powerpoint/2015/main" val="1"/>
-              </p:ext>
-            </p:extLst>
-          </p:nvPr>
-        </p:nvSpPr>
-        <p:spPr>
-          <a:xfrm>
-            <a:off x="0" y="0"/>
-            <a:ext cx="12188952" cy="6858000"/>
-          </a:xfrm>
-          <a:prstGeom prst="rect">
-            <a:avLst/>
-          </a:prstGeom>
-          <a:ln>
-            <a:noFill/>
-          </a:ln>
-        </p:spPr>
-        <p:style>
-          <a:lnRef idx="2">
-            <a:schemeClr val="accent1">
-              <a:shade val="50000"/>
-            </a:schemeClr>
-          </a:lnRef>
-          <a:fillRef idx="1">
-            <a:schemeClr val="accent1"/>
-          </a:fillRef>
-          <a:effectRef idx="0">
-            <a:schemeClr val="accent1"/>
-          </a:effectRef>
-          <a:fontRef idx="minor">
-            <a:schemeClr val="lt1"/>
-          </a:fontRef>
-        </p:style>
-        <p:txBody>
-          <a:bodyPr rtlCol="0" anchor="ctr"/>
-          <a:lstStyle/>
-          <a:p>
-            <a:pPr algn="ctr"/>
-            <a:endParaRPr lang="en-US"/>
-          </a:p>
-        </p:txBody>
-      </p:sp>
-      <p:sp>
-        <p:nvSpPr>
-          <p:cNvPr id="10" name="Freeform 45">
-            <a:extLst>
-              <a:ext uri="{FF2B5EF4-FFF2-40B4-BE49-F238E27FC236}">
-                <a16:creationId xmlns:a16="http://schemas.microsoft.com/office/drawing/2014/main" id="{CFE45BF0-46DB-408C-B5F7-7B11716805D4}"/>
-              </a:ext>
-              <a:ext uri="{C183D7F6-B498-43B3-948B-1728B52AA6E4}">
-                <adec:decorative xmlns:adec="http://schemas.microsoft.com/office/drawing/2017/decorative" val="1"/>
-              </a:ext>
-            </a:extLst>
-          </p:cNvPr>
-          <p:cNvSpPr>
-            <a:spLocks noGrp="1" noRot="1" noChangeAspect="1" noMove="1" noResize="1" noEditPoints="1" noAdjustHandles="1" noChangeArrowheads="1" noChangeShapeType="1" noTextEdit="1"/>
-          </p:cNvSpPr>
-          <p:nvPr>
-            <p:extLst>
-              <p:ext uri="{386F3935-93C4-4BCD-93E2-E3B085C9AB24}">
-                <p16:designElem xmlns:p16="http://schemas.microsoft.com/office/powerpoint/2015/main" val="1"/>
-              </p:ext>
-            </p:extLst>
-          </p:nvPr>
-        </p:nvSpPr>
-        <p:spPr bwMode="auto">
-          <a:xfrm>
-            <a:off x="409710" y="1022350"/>
-            <a:ext cx="709612" cy="2095501"/>
-          </a:xfrm>
-          <a:custGeom>
-            <a:avLst/>
-            <a:gdLst>
-              <a:gd name="T0" fmla="*/ 447 w 447"/>
-              <a:gd name="T1" fmla="*/ 1363 h 1363"/>
-              <a:gd name="T2" fmla="*/ 0 w 447"/>
-              <a:gd name="T3" fmla="*/ 987 h 1363"/>
-              <a:gd name="T4" fmla="*/ 0 w 447"/>
-              <a:gd name="T5" fmla="*/ 0 h 1363"/>
-              <a:gd name="T6" fmla="*/ 447 w 447"/>
-              <a:gd name="T7" fmla="*/ 376 h 1363"/>
-              <a:gd name="T8" fmla="*/ 447 w 447"/>
-              <a:gd name="T9" fmla="*/ 1363 h 1363"/>
-            </a:gdLst>
-            <a:ahLst/>
-            <a:cxnLst>
-              <a:cxn ang="0">
-                <a:pos x="T0" y="T1"/>
-              </a:cxn>
-              <a:cxn ang="0">
-                <a:pos x="T2" y="T3"/>
-              </a:cxn>
-              <a:cxn ang="0">
-                <a:pos x="T4" y="T5"/>
-              </a:cxn>
-              <a:cxn ang="0">
-                <a:pos x="T6" y="T7"/>
-              </a:cxn>
-              <a:cxn ang="0">
-                <a:pos x="T8" y="T9"/>
-              </a:cxn>
-            </a:cxnLst>
-            <a:rect l="0" t="0" r="r" b="b"/>
-            <a:pathLst>
-              <a:path w="447" h="1363">
-                <a:moveTo>
-                  <a:pt x="447" y="1363"/>
-                </a:moveTo>
-                <a:lnTo>
-                  <a:pt x="0" y="987"/>
-                </a:lnTo>
-                <a:lnTo>
-                  <a:pt x="0" y="0"/>
-                </a:lnTo>
-                <a:lnTo>
-                  <a:pt x="447" y="376"/>
-                </a:lnTo>
-                <a:lnTo>
-                  <a:pt x="447" y="1363"/>
-                </a:lnTo>
-                <a:close/>
-              </a:path>
-            </a:pathLst>
-          </a:custGeom>
-          <a:solidFill>
-            <a:schemeClr val="accent1">
-              <a:lumMod val="50000"/>
-            </a:schemeClr>
-          </a:solidFill>
-          <a:ln>
-            <a:noFill/>
-          </a:ln>
-        </p:spPr>
-        <p:txBody>
-          <a:bodyPr vert="horz" wrap="square" lIns="91440" tIns="45720" rIns="91440" bIns="45720" numCol="1" anchor="t" anchorCtr="0" compatLnSpc="1">
-            <a:prstTxWarp prst="textNoShape">
-              <a:avLst/>
-            </a:prstTxWarp>
-          </a:bodyPr>
-          <a:lstStyle/>
-          <a:p>
-            <a:endParaRPr lang="en-US"/>
-          </a:p>
-        </p:txBody>
-      </p:sp>
-      <p:sp>
-        <p:nvSpPr>
-          <p:cNvPr id="12" name="Freeform 46">
-            <a:extLst>
-              <a:ext uri="{FF2B5EF4-FFF2-40B4-BE49-F238E27FC236}">
-                <a16:creationId xmlns:a16="http://schemas.microsoft.com/office/drawing/2014/main" id="{2AEBC8F2-97B1-41B4-93F1-2D289E197FBA}"/>
-              </a:ext>
-              <a:ext uri="{C183D7F6-B498-43B3-948B-1728B52AA6E4}">
-                <adec:decorative xmlns:adec="http://schemas.microsoft.com/office/drawing/2017/decorative" val="1"/>
-              </a:ext>
-            </a:extLst>
-          </p:cNvPr>
-          <p:cNvSpPr>
-            <a:spLocks noGrp="1" noRot="1" noChangeAspect="1" noMove="1" noResize="1" noEditPoints="1" noAdjustHandles="1" noChangeArrowheads="1" noChangeShapeType="1" noTextEdit="1"/>
-          </p:cNvSpPr>
-          <p:nvPr>
-            <p:extLst>
-              <p:ext uri="{386F3935-93C4-4BCD-93E2-E3B085C9AB24}">
-                <p16:designElem xmlns:p16="http://schemas.microsoft.com/office/powerpoint/2015/main" val="1"/>
-              </p:ext>
-            </p:extLst>
-          </p:nvPr>
-        </p:nvSpPr>
-        <p:spPr bwMode="auto">
-          <a:xfrm>
-            <a:off x="409710" y="837744"/>
-            <a:ext cx="403225" cy="1705431"/>
-          </a:xfrm>
-          <a:custGeom>
-            <a:avLst/>
-            <a:gdLst>
-              <a:gd name="T0" fmla="*/ 254 w 254"/>
-              <a:gd name="T1" fmla="*/ 987 h 1109"/>
-              <a:gd name="T2" fmla="*/ 0 w 254"/>
-              <a:gd name="T3" fmla="*/ 1109 h 1109"/>
-              <a:gd name="T4" fmla="*/ 0 w 254"/>
-              <a:gd name="T5" fmla="*/ 119 h 1109"/>
-              <a:gd name="T6" fmla="*/ 254 w 254"/>
-              <a:gd name="T7" fmla="*/ 0 h 1109"/>
-              <a:gd name="T8" fmla="*/ 254 w 254"/>
-              <a:gd name="T9" fmla="*/ 987 h 1109"/>
-            </a:gdLst>
-            <a:ahLst/>
-            <a:cxnLst>
-              <a:cxn ang="0">
-                <a:pos x="T0" y="T1"/>
-              </a:cxn>
-              <a:cxn ang="0">
-                <a:pos x="T2" y="T3"/>
-              </a:cxn>
-              <a:cxn ang="0">
-                <a:pos x="T4" y="T5"/>
-              </a:cxn>
-              <a:cxn ang="0">
-                <a:pos x="T6" y="T7"/>
-              </a:cxn>
-              <a:cxn ang="0">
-                <a:pos x="T8" y="T9"/>
-              </a:cxn>
-            </a:cxnLst>
-            <a:rect l="0" t="0" r="r" b="b"/>
-            <a:pathLst>
-              <a:path w="254" h="1109">
-                <a:moveTo>
-                  <a:pt x="254" y="987"/>
-                </a:moveTo>
-                <a:lnTo>
-                  <a:pt x="0" y="1109"/>
-                </a:lnTo>
-                <a:lnTo>
-                  <a:pt x="0" y="119"/>
-                </a:lnTo>
-                <a:lnTo>
-                  <a:pt x="254" y="0"/>
-                </a:lnTo>
-                <a:lnTo>
-                  <a:pt x="254" y="987"/>
-                </a:lnTo>
-                <a:close/>
-              </a:path>
-            </a:pathLst>
-          </a:custGeom>
-          <a:solidFill>
-            <a:schemeClr val="accent1">
-              <a:lumMod val="75000"/>
-            </a:schemeClr>
-          </a:solidFill>
-          <a:ln>
-            <a:noFill/>
-          </a:ln>
-        </p:spPr>
-        <p:txBody>
-          <a:bodyPr vert="horz" wrap="square" lIns="91440" tIns="45720" rIns="91440" bIns="45720" numCol="1" anchor="t" anchorCtr="0" compatLnSpc="1">
-            <a:prstTxWarp prst="textNoShape">
-              <a:avLst/>
-            </a:prstTxWarp>
-          </a:bodyPr>
-          <a:lstStyle/>
-          <a:p>
-            <a:endParaRPr lang="en-US"/>
-          </a:p>
-        </p:txBody>
-      </p:sp>
-      <p:sp>
-        <p:nvSpPr>
-          <p:cNvPr id="14" name="Freeform 47">
-            <a:extLst>
-              <a:ext uri="{FF2B5EF4-FFF2-40B4-BE49-F238E27FC236}">
-                <a16:creationId xmlns:a16="http://schemas.microsoft.com/office/drawing/2014/main" id="{472E3A19-F5D5-48FC-BB9C-48C2F68F598B}"/>
-              </a:ext>
-              <a:ext uri="{C183D7F6-B498-43B3-948B-1728B52AA6E4}">
-                <adec:decorative xmlns:adec="http://schemas.microsoft.com/office/drawing/2017/decorative" val="1"/>
-              </a:ext>
-            </a:extLst>
-          </p:cNvPr>
-          <p:cNvSpPr>
-            <a:spLocks noGrp="1" noRot="1" noChangeAspect="1" noMove="1" noResize="1" noEditPoints="1" noAdjustHandles="1" noChangeArrowheads="1" noChangeShapeType="1" noTextEdit="1"/>
-          </p:cNvSpPr>
-          <p:nvPr>
-            <p:extLst>
-              <p:ext uri="{386F3935-93C4-4BCD-93E2-E3B085C9AB24}">
-                <p16:designElem xmlns:p16="http://schemas.microsoft.com/office/powerpoint/2015/main" val="1"/>
-              </p:ext>
-            </p:extLst>
-          </p:nvPr>
-        </p:nvSpPr>
-        <p:spPr bwMode="auto">
-          <a:xfrm>
-            <a:off x="644660" y="640894"/>
-            <a:ext cx="168275" cy="1713195"/>
-          </a:xfrm>
-          <a:custGeom>
-            <a:avLst/>
-            <a:gdLst>
-              <a:gd name="T0" fmla="*/ 106 w 106"/>
-              <a:gd name="T1" fmla="*/ 1114 h 1114"/>
-              <a:gd name="T2" fmla="*/ 0 w 106"/>
-              <a:gd name="T3" fmla="*/ 1005 h 1114"/>
-              <a:gd name="T4" fmla="*/ 0 w 106"/>
-              <a:gd name="T5" fmla="*/ 0 h 1114"/>
-              <a:gd name="T6" fmla="*/ 106 w 106"/>
-              <a:gd name="T7" fmla="*/ 110 h 1114"/>
-              <a:gd name="T8" fmla="*/ 106 w 106"/>
-              <a:gd name="T9" fmla="*/ 1114 h 1114"/>
-            </a:gdLst>
-            <a:ahLst/>
-            <a:cxnLst>
-              <a:cxn ang="0">
-                <a:pos x="T0" y="T1"/>
-              </a:cxn>
-              <a:cxn ang="0">
-                <a:pos x="T2" y="T3"/>
-              </a:cxn>
-              <a:cxn ang="0">
-                <a:pos x="T4" y="T5"/>
-              </a:cxn>
-              <a:cxn ang="0">
-                <a:pos x="T6" y="T7"/>
-              </a:cxn>
-              <a:cxn ang="0">
-                <a:pos x="T8" y="T9"/>
-              </a:cxn>
-            </a:cxnLst>
-            <a:rect l="0" t="0" r="r" b="b"/>
-            <a:pathLst>
-              <a:path w="106" h="1114">
-                <a:moveTo>
-                  <a:pt x="106" y="1114"/>
-                </a:moveTo>
-                <a:lnTo>
-                  <a:pt x="0" y="1005"/>
-                </a:lnTo>
-                <a:lnTo>
-                  <a:pt x="0" y="0"/>
-                </a:lnTo>
-                <a:lnTo>
-                  <a:pt x="106" y="110"/>
-                </a:lnTo>
-                <a:lnTo>
-                  <a:pt x="106" y="1114"/>
-                </a:lnTo>
-                <a:close/>
-              </a:path>
-            </a:pathLst>
-          </a:custGeom>
-          <a:solidFill>
-            <a:schemeClr val="accent1">
-              <a:lumMod val="50000"/>
-            </a:schemeClr>
-          </a:solidFill>
-          <a:ln>
-            <a:noFill/>
-          </a:ln>
-        </p:spPr>
-        <p:txBody>
-          <a:bodyPr vert="horz" wrap="square" lIns="91440" tIns="45720" rIns="91440" bIns="45720" numCol="1" anchor="t" anchorCtr="0" compatLnSpc="1">
-            <a:prstTxWarp prst="textNoShape">
-              <a:avLst/>
-            </a:prstTxWarp>
-          </a:bodyPr>
-          <a:lstStyle/>
-          <a:p>
-            <a:endParaRPr lang="en-US"/>
-          </a:p>
-        </p:txBody>
-      </p:sp>
-      <p:sp>
-        <p:nvSpPr>
-          <p:cNvPr id="16" name="Freeform 44">
-            <a:extLst>
-              <a:ext uri="{FF2B5EF4-FFF2-40B4-BE49-F238E27FC236}">
-                <a16:creationId xmlns:a16="http://schemas.microsoft.com/office/drawing/2014/main" id="{7A62E32F-BB65-43A8-8EB5-92346890E549}"/>
-              </a:ext>
-              <a:ext uri="{C183D7F6-B498-43B3-948B-1728B52AA6E4}">
-                <adec:decorative xmlns:adec="http://schemas.microsoft.com/office/drawing/2017/decorative" val="1"/>
-              </a:ext>
-            </a:extLst>
-          </p:cNvPr>
-          <p:cNvSpPr>
-            <a:spLocks noGrp="1" noRot="1" noChangeAspect="1" noMove="1" noResize="1" noEditPoints="1" noAdjustHandles="1" noChangeArrowheads="1" noChangeShapeType="1" noTextEdit="1"/>
-          </p:cNvSpPr>
-          <p:nvPr>
-            <p:extLst>
-              <p:ext uri="{386F3935-93C4-4BCD-93E2-E3B085C9AB24}">
-                <p16:designElem xmlns:p16="http://schemas.microsoft.com/office/powerpoint/2015/main" val="1"/>
-              </p:ext>
-            </p:extLst>
-          </p:nvPr>
-        </p:nvSpPr>
-        <p:spPr bwMode="auto">
-          <a:xfrm>
-            <a:off x="11223203" y="635716"/>
-            <a:ext cx="328612" cy="1742360"/>
-          </a:xfrm>
-          <a:custGeom>
-            <a:avLst/>
-            <a:gdLst>
-              <a:gd name="T0" fmla="*/ 207 w 207"/>
-              <a:gd name="T1" fmla="*/ 987 h 1114"/>
-              <a:gd name="T2" fmla="*/ 0 w 207"/>
-              <a:gd name="T3" fmla="*/ 1114 h 1114"/>
-              <a:gd name="T4" fmla="*/ 0 w 207"/>
-              <a:gd name="T5" fmla="*/ 127 h 1114"/>
-              <a:gd name="T6" fmla="*/ 207 w 207"/>
-              <a:gd name="T7" fmla="*/ 0 h 1114"/>
-              <a:gd name="T8" fmla="*/ 207 w 207"/>
-              <a:gd name="T9" fmla="*/ 987 h 1114"/>
-            </a:gdLst>
-            <a:ahLst/>
-            <a:cxnLst>
-              <a:cxn ang="0">
-                <a:pos x="T0" y="T1"/>
-              </a:cxn>
-              <a:cxn ang="0">
-                <a:pos x="T2" y="T3"/>
-              </a:cxn>
-              <a:cxn ang="0">
-                <a:pos x="T4" y="T5"/>
-              </a:cxn>
-              <a:cxn ang="0">
-                <a:pos x="T6" y="T7"/>
-              </a:cxn>
-              <a:cxn ang="0">
-                <a:pos x="T8" y="T9"/>
-              </a:cxn>
-            </a:cxnLst>
-            <a:rect l="0" t="0" r="r" b="b"/>
-            <a:pathLst>
-              <a:path w="207" h="1114">
-                <a:moveTo>
-                  <a:pt x="207" y="987"/>
-                </a:moveTo>
-                <a:lnTo>
-                  <a:pt x="0" y="1114"/>
-                </a:lnTo>
-                <a:lnTo>
-                  <a:pt x="0" y="127"/>
-                </a:lnTo>
-                <a:lnTo>
-                  <a:pt x="207" y="0"/>
-                </a:lnTo>
-                <a:lnTo>
-                  <a:pt x="207" y="987"/>
-                </a:lnTo>
-                <a:close/>
-              </a:path>
-            </a:pathLst>
-          </a:custGeom>
-          <a:solidFill>
-            <a:schemeClr val="accent1">
-              <a:lumMod val="50000"/>
-            </a:schemeClr>
-          </a:solidFill>
-          <a:ln>
-            <a:noFill/>
-          </a:ln>
-        </p:spPr>
-        <p:txBody>
-          <a:bodyPr vert="horz" wrap="square" lIns="91440" tIns="45720" rIns="91440" bIns="45720" numCol="1" anchor="t" anchorCtr="0" compatLnSpc="1">
-            <a:prstTxWarp prst="textNoShape">
-              <a:avLst/>
-            </a:prstTxWarp>
-          </a:bodyPr>
-          <a:lstStyle/>
-          <a:p>
-            <a:endParaRPr lang="en-US"/>
-          </a:p>
-        </p:txBody>
-      </p:sp>
-      <p:sp>
-        <p:nvSpPr>
-          <p:cNvPr id="18" name="Rectangle 17">
-            <a:extLst>
-              <a:ext uri="{FF2B5EF4-FFF2-40B4-BE49-F238E27FC236}">
-                <a16:creationId xmlns:a16="http://schemas.microsoft.com/office/drawing/2014/main" id="{14E91B64-9FCC-451E-AFB4-A827D6329367}"/>
-              </a:ext>
-              <a:ext uri="{C183D7F6-B498-43B3-948B-1728B52AA6E4}">
-                <adec:decorative xmlns:adec="http://schemas.microsoft.com/office/drawing/2017/decorative" val="1"/>
-              </a:ext>
-            </a:extLst>
-          </p:cNvPr>
-          <p:cNvSpPr>
-            <a:spLocks noGrp="1" noRot="1" noChangeAspect="1" noMove="1" noResize="1" noEditPoints="1" noAdjustHandles="1" noChangeArrowheads="1" noChangeShapeType="1" noTextEdit="1"/>
-          </p:cNvSpPr>
-          <p:nvPr>
-            <p:extLst>
-              <p:ext uri="{386F3935-93C4-4BCD-93E2-E3B085C9AB24}">
-                <p16:designElem xmlns:p16="http://schemas.microsoft.com/office/powerpoint/2015/main" val="1"/>
-              </p:ext>
-            </p:extLst>
-          </p:nvPr>
-        </p:nvSpPr>
-        <p:spPr bwMode="auto">
-          <a:xfrm>
-            <a:off x="644055" y="635715"/>
-            <a:ext cx="10907863" cy="1541457"/>
-          </a:xfrm>
-          <a:prstGeom prst="rect">
-            <a:avLst/>
-          </a:prstGeom>
-          <a:solidFill>
-            <a:schemeClr val="accent1"/>
-          </a:solidFill>
-          <a:ln>
-            <a:noFill/>
-          </a:ln>
-        </p:spPr>
-        <p:txBody>
-          <a:bodyPr vert="horz" wrap="square" lIns="91440" tIns="45720" rIns="91440" bIns="45720" numCol="1" anchor="t" anchorCtr="0" compatLnSpc="1">
-            <a:prstTxWarp prst="textNoShape">
-              <a:avLst/>
-            </a:prstTxWarp>
-          </a:bodyPr>
-          <a:lstStyle/>
-          <a:p>
-            <a:endParaRPr lang="en-US"/>
-          </a:p>
-        </p:txBody>
-      </p:sp>
-      <p:sp>
-        <p:nvSpPr>
-          <p:cNvPr id="2" name="タイトル 1"/>
-          <p:cNvSpPr>
-            <a:spLocks noGrp="1"/>
-          </p:cNvSpPr>
-          <p:nvPr>
-            <p:ph type="title"/>
-          </p:nvPr>
-        </p:nvSpPr>
-        <p:spPr>
-          <a:xfrm>
-            <a:off x="958506" y="800392"/>
-            <a:ext cx="10264697" cy="1212102"/>
-          </a:xfrm>
-        </p:spPr>
-        <p:txBody>
-          <a:bodyPr>
-            <a:normAutofit/>
-          </a:bodyPr>
-          <a:lstStyle/>
-          <a:p>
-            <a:r>
-              <a:rPr kumimoji="1" lang="ja-JP" altLang="en-US" sz="4000">
-                <a:solidFill>
-                  <a:srgbClr val="FFFFFF"/>
-                </a:solidFill>
-              </a:rPr>
-              <a:t>目次</a:t>
-            </a:r>
-          </a:p>
-        </p:txBody>
-      </p:sp>
-      <p:graphicFrame>
-        <p:nvGraphicFramePr>
-          <p:cNvPr id="20" name="コンテンツ プレースホルダー 2">
-            <a:extLst>
-              <a:ext uri="{FF2B5EF4-FFF2-40B4-BE49-F238E27FC236}">
-                <a16:creationId xmlns:a16="http://schemas.microsoft.com/office/drawing/2014/main" id="{FEF8C322-86F1-40AA-9EC4-DDA236BD3D7C}"/>
-              </a:ext>
-            </a:extLst>
-          </p:cNvPr>
-          <p:cNvGraphicFramePr>
-            <a:graphicFrameLocks noGrp="1"/>
-          </p:cNvGraphicFramePr>
-          <p:nvPr>
-            <p:ph idx="1"/>
-            <p:extLst>
-              <p:ext uri="{D42A27DB-BD31-4B8C-83A1-F6EECF244321}">
-                <p14:modId xmlns:p14="http://schemas.microsoft.com/office/powerpoint/2010/main" val="3544340283"/>
-              </p:ext>
-            </p:extLst>
-          </p:nvPr>
-        </p:nvGraphicFramePr>
-        <p:xfrm>
-          <a:off x="1367624" y="2490436"/>
-          <a:ext cx="9708995" cy="3567173"/>
-        </p:xfrm>
-        <a:graphic>
-          <a:graphicData uri="http://schemas.openxmlformats.org/drawingml/2006/diagram">
-            <dgm:relIds xmlns:dgm="http://schemas.openxmlformats.org/drawingml/2006/diagram" xmlns:r="http://schemas.openxmlformats.org/officeDocument/2006/relationships" r:dm="rId2" r:lo="rId3" r:qs="rId4" r:cs="rId5"/>
-          </a:graphicData>
-        </a:graphic>
-      </p:graphicFrame>
-    </p:spTree>
-    <p:extLst>
-      <p:ext uri="{BB962C8B-B14F-4D97-AF65-F5344CB8AC3E}">
-        <p14:creationId xmlns:p14="http://schemas.microsoft.com/office/powerpoint/2010/main" val="1005914395"/>
-      </p:ext>
-    </p:extLst>
-  </p:cSld>
-  <p:clrMapOvr>
-    <a:masterClrMapping/>
-  </p:clrMapOvr>
-</p:sld>
-</file>
-
-<file path=ppt/slides/slide20.xml><?xml version="1.0" encoding="utf-8"?>
+<file path=ppt/slides/slide23.xml><?xml version="1.0" encoding="utf-8"?>
 <p:sld xmlns:a="http://schemas.openxmlformats.org/drawingml/2006/main" xmlns:r="http://schemas.openxmlformats.org/officeDocument/2006/relationships" xmlns:p="http://schemas.openxmlformats.org/presentationml/2006/main">
   <p:cSld>
     <p:spTree>
@@ -50833,7 +51687,7 @@
 </p:sld>
 </file>
 
-<file path=ppt/slides/slide21.xml><?xml version="1.0" encoding="utf-8"?>
+<file path=ppt/slides/slide24.xml><?xml version="1.0" encoding="utf-8"?>
 <p:sld xmlns:a="http://schemas.openxmlformats.org/drawingml/2006/main" xmlns:r="http://schemas.openxmlformats.org/officeDocument/2006/relationships" xmlns:p="http://schemas.openxmlformats.org/presentationml/2006/main">
   <p:cSld>
     <p:spTree>
@@ -51084,7 +51938,7 @@
 </p:sld>
 </file>
 
-<file path=ppt/slides/slide22.xml><?xml version="1.0" encoding="utf-8"?>
+<file path=ppt/slides/slide25.xml><?xml version="1.0" encoding="utf-8"?>
 <p:sld xmlns:a="http://schemas.openxmlformats.org/drawingml/2006/main" xmlns:r="http://schemas.openxmlformats.org/officeDocument/2006/relationships" xmlns:p="http://schemas.openxmlformats.org/presentationml/2006/main">
   <p:cSld>
     <p:spTree>
@@ -51335,7 +52189,7 @@
 </p:sld>
 </file>
 
-<file path=ppt/slides/slide23.xml><?xml version="1.0" encoding="utf-8"?>
+<file path=ppt/slides/slide26.xml><?xml version="1.0" encoding="utf-8"?>
 <p:sld xmlns:a="http://schemas.openxmlformats.org/drawingml/2006/main" xmlns:r="http://schemas.openxmlformats.org/officeDocument/2006/relationships" xmlns:p="http://schemas.openxmlformats.org/presentationml/2006/main">
   <p:cSld>
     <p:spTree>
@@ -51586,7 +52440,7 @@
 </p:sld>
 </file>
 
-<file path=ppt/slides/slide24.xml><?xml version="1.0" encoding="utf-8"?>
+<file path=ppt/slides/slide27.xml><?xml version="1.0" encoding="utf-8"?>
 <p:sld xmlns:a="http://schemas.openxmlformats.org/drawingml/2006/main" xmlns:r="http://schemas.openxmlformats.org/officeDocument/2006/relationships" xmlns:p="http://schemas.openxmlformats.org/presentationml/2006/main">
   <p:cSld>
     <p:spTree>
@@ -51837,7 +52691,7 @@
 </p:sld>
 </file>
 
-<file path=ppt/slides/slide25.xml><?xml version="1.0" encoding="utf-8"?>
+<file path=ppt/slides/slide28.xml><?xml version="1.0" encoding="utf-8"?>
 <p:sld xmlns:a="http://schemas.openxmlformats.org/drawingml/2006/main" xmlns:r="http://schemas.openxmlformats.org/officeDocument/2006/relationships" xmlns:p="http://schemas.openxmlformats.org/presentationml/2006/main">
   <p:cSld>
     <p:spTree>
@@ -52088,7 +52942,7 @@
 </p:sld>
 </file>
 
-<file path=ppt/slides/slide26.xml><?xml version="1.0" encoding="utf-8"?>
+<file path=ppt/slides/slide29.xml><?xml version="1.0" encoding="utf-8"?>
 <p:sld xmlns:a="http://schemas.openxmlformats.org/drawingml/2006/main" xmlns:r="http://schemas.openxmlformats.org/officeDocument/2006/relationships" xmlns:p="http://schemas.openxmlformats.org/presentationml/2006/main">
   <p:cSld>
     <p:spTree>
@@ -52339,7 +53193,7 @@
 </p:sld>
 </file>
 
-<file path=ppt/slides/slide27.xml><?xml version="1.0" encoding="utf-8"?>
+<file path=ppt/slides/slide3.xml><?xml version="1.0" encoding="utf-8"?>
 <p:sld xmlns:a="http://schemas.openxmlformats.org/drawingml/2006/main" xmlns:r="http://schemas.openxmlformats.org/officeDocument/2006/relationships" xmlns:p="http://schemas.openxmlformats.org/presentationml/2006/main">
   <p:cSld>
     <p:bg>
@@ -52372,7 +53226,7 @@
                 <a16:creationId xmlns:a16="http://schemas.microsoft.com/office/drawing/2014/main" id="{6F5A5072-7B47-4D32-B52A-4EBBF590B8A5}"/>
               </a:ext>
               <a:ext uri="{C183D7F6-B498-43B3-948B-1728B52AA6E4}">
-                <adec:decorative xmlns:adec="http://schemas.microsoft.com/office/drawing/2017/decorative" val="1"/>
+                <adec:decorative xmlns:adec="http://schemas.microsoft.com/office/drawing/2017/decorative" xmlns="" val="1"/>
               </a:ext>
             </a:extLst>
           </p:cNvPr>
@@ -52448,7 +53302,7 @@
                 <a16:creationId xmlns:a16="http://schemas.microsoft.com/office/drawing/2014/main" id="{9715DAF0-AE1B-46C9-8A6B-DB2AA05AB91D}"/>
               </a:ext>
               <a:ext uri="{C183D7F6-B498-43B3-948B-1728B52AA6E4}">
-                <adec:decorative xmlns:adec="http://schemas.microsoft.com/office/drawing/2017/decorative" val="1"/>
+                <adec:decorative xmlns:adec="http://schemas.microsoft.com/office/drawing/2017/decorative" xmlns="" val="1"/>
               </a:ext>
             </a:extLst>
           </p:cNvPr>
@@ -52521,7 +53375,7 @@
                 <a16:creationId xmlns:a16="http://schemas.microsoft.com/office/drawing/2014/main" id="{6016219D-510E-4184-9090-6D5578A87BD1}"/>
               </a:ext>
               <a:ext uri="{C183D7F6-B498-43B3-948B-1728B52AA6E4}">
-                <adec:decorative xmlns:adec="http://schemas.microsoft.com/office/drawing/2017/decorative" val="1"/>
+                <adec:decorative xmlns:adec="http://schemas.microsoft.com/office/drawing/2017/decorative" xmlns="" val="1"/>
               </a:ext>
             </a:extLst>
           </p:cNvPr>
@@ -52597,7 +53451,7 @@
                 <a16:creationId xmlns:a16="http://schemas.microsoft.com/office/drawing/2014/main" id="{AFF4A713-7B75-4B21-90D7-5AB19547C728}"/>
               </a:ext>
               <a:ext uri="{C183D7F6-B498-43B3-948B-1728B52AA6E4}">
-                <adec:decorative xmlns:adec="http://schemas.microsoft.com/office/drawing/2017/decorative" val="1"/>
+                <adec:decorative xmlns:adec="http://schemas.microsoft.com/office/drawing/2017/decorative" xmlns="" val="1"/>
               </a:ext>
             </a:extLst>
           </p:cNvPr>
@@ -52672,7 +53526,7 @@
                 <a16:creationId xmlns:a16="http://schemas.microsoft.com/office/drawing/2014/main" id="{DC631C0B-6DA6-4E57-8231-CE32B3434A7E}"/>
               </a:ext>
               <a:ext uri="{C183D7F6-B498-43B3-948B-1728B52AA6E4}">
-                <adec:decorative xmlns:adec="http://schemas.microsoft.com/office/drawing/2017/decorative" val="1"/>
+                <adec:decorative xmlns:adec="http://schemas.microsoft.com/office/drawing/2017/decorative" xmlns="" val="1"/>
               </a:ext>
             </a:extLst>
           </p:cNvPr>
@@ -52748,7 +53602,689 @@
                 <a16:creationId xmlns:a16="http://schemas.microsoft.com/office/drawing/2014/main" id="{C29501E6-A978-4A61-9689-9085AF97A53A}"/>
               </a:ext>
               <a:ext uri="{C183D7F6-B498-43B3-948B-1728B52AA6E4}">
-                <adec:decorative xmlns:adec="http://schemas.microsoft.com/office/drawing/2017/decorative" val="1"/>
+                <adec:decorative xmlns:adec="http://schemas.microsoft.com/office/drawing/2017/decorative" xmlns="" val="1"/>
+              </a:ext>
+            </a:extLst>
+          </p:cNvPr>
+          <p:cNvSpPr>
+            <a:spLocks noGrp="1" noRot="1" noChangeAspect="1" noMove="1" noResize="1" noEditPoints="1" noAdjustHandles="1" noChangeArrowheads="1" noChangeShapeType="1" noTextEdit="1"/>
+          </p:cNvSpPr>
+          <p:nvPr>
+            <p:extLst>
+              <p:ext uri="{386F3935-93C4-4BCD-93E2-E3B085C9AB24}">
+                <p16:designElem xmlns:p16="http://schemas.microsoft.com/office/powerpoint/2015/main" val="1"/>
+              </p:ext>
+            </p:extLst>
+          </p:nvPr>
+        </p:nvSpPr>
+        <p:spPr>
+          <a:xfrm rot="12508972">
+            <a:off x="5945431" y="-1032053"/>
+            <a:ext cx="4990147" cy="4439131"/>
+          </a:xfrm>
+          <a:custGeom>
+            <a:avLst/>
+            <a:gdLst>
+              <a:gd name="connsiteX0" fmla="*/ 4990147 w 4990147"/>
+              <a:gd name="connsiteY0" fmla="*/ 2229378 h 4439131"/>
+              <a:gd name="connsiteX1" fmla="*/ 917384 w 4990147"/>
+              <a:gd name="connsiteY1" fmla="*/ 4439131 h 4439131"/>
+              <a:gd name="connsiteX2" fmla="*/ 910814 w 4990147"/>
+              <a:gd name="connsiteY2" fmla="*/ 4434219 h 4439131"/>
+              <a:gd name="connsiteX3" fmla="*/ 0 w 4990147"/>
+              <a:gd name="connsiteY3" fmla="*/ 2502877 h 4439131"/>
+              <a:gd name="connsiteX4" fmla="*/ 2502877 w 4990147"/>
+              <a:gd name="connsiteY4" fmla="*/ 0 h 4439131"/>
+              <a:gd name="connsiteX5" fmla="*/ 4954904 w 4990147"/>
+              <a:gd name="connsiteY5" fmla="*/ 1998460 h 4439131"/>
+            </a:gdLst>
+            <a:ahLst/>
+            <a:cxnLst>
+              <a:cxn ang="0">
+                <a:pos x="connsiteX0" y="connsiteY0"/>
+              </a:cxn>
+              <a:cxn ang="0">
+                <a:pos x="connsiteX1" y="connsiteY1"/>
+              </a:cxn>
+              <a:cxn ang="0">
+                <a:pos x="connsiteX2" y="connsiteY2"/>
+              </a:cxn>
+              <a:cxn ang="0">
+                <a:pos x="connsiteX3" y="connsiteY3"/>
+              </a:cxn>
+              <a:cxn ang="0">
+                <a:pos x="connsiteX4" y="connsiteY4"/>
+              </a:cxn>
+              <a:cxn ang="0">
+                <a:pos x="connsiteX5" y="connsiteY5"/>
+              </a:cxn>
+            </a:cxnLst>
+            <a:rect l="l" t="t" r="r" b="b"/>
+            <a:pathLst>
+              <a:path w="4990147" h="4439131">
+                <a:moveTo>
+                  <a:pt x="4990147" y="2229378"/>
+                </a:moveTo>
+                <a:lnTo>
+                  <a:pt x="917384" y="4439131"/>
+                </a:lnTo>
+                <a:lnTo>
+                  <a:pt x="910814" y="4434219"/>
+                </a:lnTo>
+                <a:cubicBezTo>
+                  <a:pt x="354557" y="3975154"/>
+                  <a:pt x="0" y="3280421"/>
+                  <a:pt x="0" y="2502877"/>
+                </a:cubicBezTo>
+                <a:cubicBezTo>
+                  <a:pt x="0" y="1120576"/>
+                  <a:pt x="1120576" y="0"/>
+                  <a:pt x="2502877" y="0"/>
+                </a:cubicBezTo>
+                <a:cubicBezTo>
+                  <a:pt x="3712390" y="0"/>
+                  <a:pt x="4721520" y="857941"/>
+                  <a:pt x="4954904" y="1998460"/>
+                </a:cubicBezTo>
+                <a:close/>
+              </a:path>
+            </a:pathLst>
+          </a:custGeom>
+          <a:gradFill>
+            <a:gsLst>
+              <a:gs pos="0">
+                <a:schemeClr val="accent1">
+                  <a:alpha val="22000"/>
+                </a:schemeClr>
+              </a:gs>
+              <a:gs pos="87000">
+                <a:schemeClr val="accent1">
+                  <a:lumMod val="60000"/>
+                  <a:lumOff val="40000"/>
+                  <a:alpha val="2000"/>
+                </a:schemeClr>
+              </a:gs>
+            </a:gsLst>
+            <a:lin ang="8400000" scaled="0"/>
+          </a:gradFill>
+          <a:ln>
+            <a:noFill/>
+          </a:ln>
+        </p:spPr>
+        <p:style>
+          <a:lnRef idx="2">
+            <a:schemeClr val="accent1">
+              <a:shade val="50000"/>
+            </a:schemeClr>
+          </a:lnRef>
+          <a:fillRef idx="1">
+            <a:schemeClr val="accent1"/>
+          </a:fillRef>
+          <a:effectRef idx="0">
+            <a:schemeClr val="accent1"/>
+          </a:effectRef>
+          <a:fontRef idx="minor">
+            <a:schemeClr val="lt1"/>
+          </a:fontRef>
+        </p:style>
+        <p:txBody>
+          <a:bodyPr wrap="square" rtlCol="0" anchor="ctr">
+            <a:noAutofit/>
+          </a:bodyPr>
+          <a:lstStyle/>
+          <a:p>
+            <a:pPr algn="ctr"/>
+            <a:endParaRPr lang="en-US" dirty="0"/>
+          </a:p>
+        </p:txBody>
+      </p:sp>
+      <p:sp>
+        <p:nvSpPr>
+          <p:cNvPr id="4" name="タイトル 3"/>
+          <p:cNvSpPr>
+            <a:spLocks noGrp="1"/>
+          </p:cNvSpPr>
+          <p:nvPr>
+            <p:ph type="ctrTitle"/>
+          </p:nvPr>
+        </p:nvSpPr>
+        <p:spPr>
+          <a:xfrm>
+            <a:off x="1314824" y="735106"/>
+            <a:ext cx="10053763" cy="2928470"/>
+          </a:xfrm>
+        </p:spPr>
+        <p:txBody>
+          <a:bodyPr anchor="b">
+            <a:normAutofit/>
+          </a:bodyPr>
+          <a:lstStyle/>
+          <a:p>
+            <a:pPr algn="l"/>
+            <a:r>
+              <a:rPr lang="ja-JP" altLang="en-US" sz="4800" dirty="0">
+                <a:solidFill>
+                  <a:srgbClr val="FFFFFF"/>
+                </a:solidFill>
+                <a:latin typeface="BIZ UDPゴシック" panose="020B0400000000000000" pitchFamily="50" charset="-128"/>
+                <a:ea typeface="BIZ UDPゴシック" panose="020B0400000000000000" pitchFamily="50" charset="-128"/>
+              </a:rPr>
+              <a:t>１．序論 </a:t>
+            </a:r>
+            <a:r>
+              <a:rPr lang="en-US" altLang="ja-JP" sz="4800" dirty="0">
+                <a:solidFill>
+                  <a:srgbClr val="FFFFFF"/>
+                </a:solidFill>
+                <a:latin typeface="BIZ UDPゴシック" panose="020B0400000000000000" pitchFamily="50" charset="-128"/>
+                <a:ea typeface="BIZ UDPゴシック" panose="020B0400000000000000" pitchFamily="50" charset="-128"/>
+              </a:rPr>
+              <a:t>-Introduction-</a:t>
+            </a:r>
+            <a:endParaRPr kumimoji="1" lang="ja-JP" altLang="en-US" sz="4800" dirty="0">
+              <a:solidFill>
+                <a:srgbClr val="FFFFFF"/>
+              </a:solidFill>
+              <a:latin typeface="BIZ UDPゴシック" panose="020B0400000000000000" pitchFamily="50" charset="-128"/>
+              <a:ea typeface="BIZ UDPゴシック" panose="020B0400000000000000" pitchFamily="50" charset="-128"/>
+            </a:endParaRPr>
+          </a:p>
+        </p:txBody>
+      </p:sp>
+      <p:sp>
+        <p:nvSpPr>
+          <p:cNvPr id="5" name="サブタイトル 4"/>
+          <p:cNvSpPr>
+            <a:spLocks noGrp="1"/>
+          </p:cNvSpPr>
+          <p:nvPr>
+            <p:ph type="subTitle" idx="1"/>
+          </p:nvPr>
+        </p:nvSpPr>
+        <p:spPr>
+          <a:xfrm>
+            <a:off x="2104845" y="4572000"/>
+            <a:ext cx="9251788" cy="1871932"/>
+          </a:xfrm>
+        </p:spPr>
+        <p:txBody>
+          <a:bodyPr anchor="ctr">
+            <a:normAutofit fontScale="92500" lnSpcReduction="20000"/>
+          </a:bodyPr>
+          <a:lstStyle/>
+          <a:p>
+            <a:pPr algn="l"/>
+            <a:r>
+              <a:rPr kumimoji="1" lang="en-US" altLang="ja-JP" sz="3200" b="1" dirty="0"/>
+              <a:t>1.1</a:t>
+            </a:r>
+            <a:r>
+              <a:rPr kumimoji="1" lang="ja-JP" altLang="en-US" sz="3200" b="1" dirty="0"/>
+              <a:t>　研究概要</a:t>
+            </a:r>
+            <a:endParaRPr kumimoji="1" lang="en-US" altLang="ja-JP" sz="3200" b="1" dirty="0"/>
+          </a:p>
+          <a:p>
+            <a:pPr algn="l"/>
+            <a:r>
+              <a:rPr lang="en-US" altLang="ja-JP" sz="3200" b="1" dirty="0"/>
+              <a:t>1.2</a:t>
+            </a:r>
+            <a:r>
+              <a:rPr lang="ja-JP" altLang="en-US" sz="3200" b="1" dirty="0"/>
+              <a:t>　研究目的</a:t>
+            </a:r>
+            <a:endParaRPr lang="en-US" altLang="ja-JP" sz="3200" b="1" dirty="0"/>
+          </a:p>
+          <a:p>
+            <a:pPr algn="l"/>
+            <a:r>
+              <a:rPr lang="en-US" altLang="ja-JP" sz="3200" b="1" dirty="0"/>
+              <a:t>1.3</a:t>
+            </a:r>
+            <a:r>
+              <a:rPr lang="ja-JP" altLang="en-US" sz="3200" b="1" dirty="0"/>
+              <a:t>　研究方法</a:t>
+            </a:r>
+            <a:endParaRPr lang="en-US" altLang="ja-JP" sz="3200" b="1" dirty="0"/>
+          </a:p>
+          <a:p>
+            <a:pPr algn="l"/>
+            <a:r>
+              <a:rPr lang="en-US" altLang="ja-JP" sz="3200" b="1" dirty="0"/>
+              <a:t>1.4</a:t>
+            </a:r>
+            <a:r>
+              <a:rPr lang="ja-JP" altLang="en-US" sz="3200" b="1" dirty="0"/>
+              <a:t>　仮　　説</a:t>
+            </a:r>
+            <a:endParaRPr lang="en-US" altLang="ja-JP" sz="3200" b="1" dirty="0"/>
+          </a:p>
+        </p:txBody>
+      </p:sp>
+    </p:spTree>
+    <p:extLst>
+      <p:ext uri="{BB962C8B-B14F-4D97-AF65-F5344CB8AC3E}">
+        <p14:creationId xmlns:p14="http://schemas.microsoft.com/office/powerpoint/2010/main" val="2967809717"/>
+      </p:ext>
+    </p:extLst>
+  </p:cSld>
+  <p:clrMapOvr>
+    <a:masterClrMapping/>
+  </p:clrMapOvr>
+</p:sld>
+</file>
+
+<file path=ppt/slides/slide30.xml><?xml version="1.0" encoding="utf-8"?>
+<p:sld xmlns:a="http://schemas.openxmlformats.org/drawingml/2006/main" xmlns:r="http://schemas.openxmlformats.org/officeDocument/2006/relationships" xmlns:p="http://schemas.openxmlformats.org/presentationml/2006/main">
+  <p:cSld>
+    <p:bg>
+      <p:bgPr>
+        <a:solidFill>
+          <a:schemeClr val="bg1"/>
+        </a:solidFill>
+        <a:effectLst/>
+      </p:bgPr>
+    </p:bg>
+    <p:spTree>
+      <p:nvGrpSpPr>
+        <p:cNvPr id="1" name=""/>
+        <p:cNvGrpSpPr/>
+        <p:nvPr/>
+      </p:nvGrpSpPr>
+      <p:grpSpPr>
+        <a:xfrm>
+          <a:off x="0" y="0"/>
+          <a:ext cx="0" cy="0"/>
+          <a:chOff x="0" y="0"/>
+          <a:chExt cx="0" cy="0"/>
+        </a:xfrm>
+      </p:grpSpPr>
+      <p:sp useBgFill="1">
+        <p:nvSpPr>
+          <p:cNvPr id="71" name="Rectangle 70">
+            <a:extLst>
+              <a:ext uri="{FF2B5EF4-FFF2-40B4-BE49-F238E27FC236}">
+                <a16:creationId xmlns:a16="http://schemas.microsoft.com/office/drawing/2014/main" id="{6F5A5072-7B47-4D32-B52A-4EBBF590B8A5}"/>
+              </a:ext>
+              <a:ext uri="{C183D7F6-B498-43B3-948B-1728B52AA6E4}">
+                <adec:decorative xmlns:adec="http://schemas.microsoft.com/office/drawing/2017/decorative" xmlns="" val="1"/>
+              </a:ext>
+            </a:extLst>
+          </p:cNvPr>
+          <p:cNvSpPr>
+            <a:spLocks noGrp="1" noRot="1" noChangeAspect="1" noMove="1" noResize="1" noEditPoints="1" noAdjustHandles="1" noChangeArrowheads="1" noChangeShapeType="1" noTextEdit="1"/>
+          </p:cNvSpPr>
+          <p:nvPr>
+            <p:extLst>
+              <p:ext uri="{386F3935-93C4-4BCD-93E2-E3B085C9AB24}">
+                <p16:designElem xmlns:p16="http://schemas.microsoft.com/office/powerpoint/2015/main" val="1"/>
+              </p:ext>
+            </p:extLst>
+          </p:nvPr>
+        </p:nvSpPr>
+        <p:spPr>
+          <a:xfrm>
+            <a:off x="0" y="0"/>
+            <a:ext cx="12192000" cy="6858000"/>
+          </a:xfrm>
+          <a:prstGeom prst="rect">
+            <a:avLst/>
+          </a:prstGeom>
+          <a:ln w="12700" cap="flat" cmpd="sng" algn="ctr">
+            <a:noFill/>
+            <a:prstDash val="solid"/>
+            <a:miter lim="800000"/>
+          </a:ln>
+          <a:effectLst/>
+          <a:extLst>
+            <a:ext uri="{91240B29-F687-4F45-9708-019B960494DF}">
+              <a14:hiddenLine xmlns:a14="http://schemas.microsoft.com/office/drawing/2010/main" w="12700" cap="flat" cmpd="sng" algn="ctr">
+                <a:solidFill>
+                  <a:schemeClr val="accent1">
+                    <a:shade val="50000"/>
+                  </a:schemeClr>
+                </a:solidFill>
+                <a:prstDash val="solid"/>
+                <a:miter lim="800000"/>
+              </a14:hiddenLine>
+            </a:ext>
+          </a:extLst>
+        </p:spPr>
+        <p:style>
+          <a:lnRef idx="2">
+            <a:schemeClr val="accent1">
+              <a:shade val="50000"/>
+            </a:schemeClr>
+          </a:lnRef>
+          <a:fillRef idx="1">
+            <a:schemeClr val="accent1"/>
+          </a:fillRef>
+          <a:effectRef idx="0">
+            <a:schemeClr val="accent1"/>
+          </a:effectRef>
+          <a:fontRef idx="minor">
+            <a:schemeClr val="lt1"/>
+          </a:fontRef>
+        </p:style>
+        <p:txBody>
+          <a:bodyPr rtlCol="0" anchor="ctr"/>
+          <a:lstStyle/>
+          <a:p>
+            <a:pPr algn="ctr"/>
+            <a:endParaRPr lang="en-US"/>
+          </a:p>
+        </p:txBody>
+      </p:sp>
+      <p:sp>
+        <p:nvSpPr>
+          <p:cNvPr id="73" name="Rectangle 72">
+            <a:extLst>
+              <a:ext uri="{FF2B5EF4-FFF2-40B4-BE49-F238E27FC236}">
+                <a16:creationId xmlns:a16="http://schemas.microsoft.com/office/drawing/2014/main" id="{9715DAF0-AE1B-46C9-8A6B-DB2AA05AB91D}"/>
+              </a:ext>
+              <a:ext uri="{C183D7F6-B498-43B3-948B-1728B52AA6E4}">
+                <adec:decorative xmlns:adec="http://schemas.microsoft.com/office/drawing/2017/decorative" xmlns="" val="1"/>
+              </a:ext>
+            </a:extLst>
+          </p:cNvPr>
+          <p:cNvSpPr>
+            <a:spLocks noGrp="1" noRot="1" noChangeAspect="1" noMove="1" noResize="1" noEditPoints="1" noAdjustHandles="1" noChangeArrowheads="1" noChangeShapeType="1" noTextEdit="1"/>
+          </p:cNvSpPr>
+          <p:nvPr>
+            <p:extLst>
+              <p:ext uri="{386F3935-93C4-4BCD-93E2-E3B085C9AB24}">
+                <p16:designElem xmlns:p16="http://schemas.microsoft.com/office/powerpoint/2015/main" val="1"/>
+              </p:ext>
+            </p:extLst>
+          </p:nvPr>
+        </p:nvSpPr>
+        <p:spPr>
+          <a:xfrm rot="10800000">
+            <a:off x="-2" y="-22693"/>
+            <a:ext cx="12191999" cy="4374129"/>
+          </a:xfrm>
+          <a:prstGeom prst="rect">
+            <a:avLst/>
+          </a:prstGeom>
+          <a:gradFill>
+            <a:gsLst>
+              <a:gs pos="0">
+                <a:schemeClr val="accent1">
+                  <a:lumMod val="75000"/>
+                </a:schemeClr>
+              </a:gs>
+              <a:gs pos="100000">
+                <a:srgbClr val="000000"/>
+              </a:gs>
+            </a:gsLst>
+            <a:lin ang="15000000" scaled="0"/>
+          </a:gradFill>
+          <a:ln>
+            <a:noFill/>
+          </a:ln>
+        </p:spPr>
+        <p:style>
+          <a:lnRef idx="2">
+            <a:schemeClr val="accent1">
+              <a:shade val="50000"/>
+            </a:schemeClr>
+          </a:lnRef>
+          <a:fillRef idx="1">
+            <a:schemeClr val="accent1"/>
+          </a:fillRef>
+          <a:effectRef idx="0">
+            <a:schemeClr val="accent1"/>
+          </a:effectRef>
+          <a:fontRef idx="minor">
+            <a:schemeClr val="lt1"/>
+          </a:fontRef>
+        </p:style>
+        <p:txBody>
+          <a:bodyPr rtlCol="0" anchor="ctr"/>
+          <a:lstStyle/>
+          <a:p>
+            <a:pPr algn="ctr"/>
+            <a:endParaRPr lang="en-US"/>
+          </a:p>
+        </p:txBody>
+      </p:sp>
+      <p:sp>
+        <p:nvSpPr>
+          <p:cNvPr id="75" name="Rectangle 74">
+            <a:extLst>
+              <a:ext uri="{FF2B5EF4-FFF2-40B4-BE49-F238E27FC236}">
+                <a16:creationId xmlns:a16="http://schemas.microsoft.com/office/drawing/2014/main" id="{6016219D-510E-4184-9090-6D5578A87BD1}"/>
+              </a:ext>
+              <a:ext uri="{C183D7F6-B498-43B3-948B-1728B52AA6E4}">
+                <adec:decorative xmlns:adec="http://schemas.microsoft.com/office/drawing/2017/decorative" xmlns="" val="1"/>
+              </a:ext>
+            </a:extLst>
+          </p:cNvPr>
+          <p:cNvSpPr>
+            <a:spLocks noGrp="1" noRot="1" noChangeAspect="1" noMove="1" noResize="1" noEditPoints="1" noAdjustHandles="1" noChangeArrowheads="1" noChangeShapeType="1" noTextEdit="1"/>
+          </p:cNvSpPr>
+          <p:nvPr>
+            <p:extLst>
+              <p:ext uri="{386F3935-93C4-4BCD-93E2-E3B085C9AB24}">
+                <p16:designElem xmlns:p16="http://schemas.microsoft.com/office/powerpoint/2015/main" val="1"/>
+              </p:ext>
+            </p:extLst>
+          </p:nvPr>
+        </p:nvSpPr>
+        <p:spPr>
+          <a:xfrm rot="5400000">
+            <a:off x="3908719" y="-3931841"/>
+            <a:ext cx="4374557" cy="12192000"/>
+          </a:xfrm>
+          <a:prstGeom prst="rect">
+            <a:avLst/>
+          </a:prstGeom>
+          <a:gradFill>
+            <a:gsLst>
+              <a:gs pos="40000">
+                <a:schemeClr val="accent1">
+                  <a:alpha val="0"/>
+                </a:schemeClr>
+              </a:gs>
+              <a:gs pos="100000">
+                <a:schemeClr val="accent1">
+                  <a:lumMod val="75000"/>
+                  <a:alpha val="52000"/>
+                </a:schemeClr>
+              </a:gs>
+            </a:gsLst>
+            <a:lin ang="2400000" scaled="0"/>
+          </a:gradFill>
+          <a:ln>
+            <a:noFill/>
+          </a:ln>
+        </p:spPr>
+        <p:style>
+          <a:lnRef idx="2">
+            <a:schemeClr val="accent1">
+              <a:shade val="50000"/>
+            </a:schemeClr>
+          </a:lnRef>
+          <a:fillRef idx="1">
+            <a:schemeClr val="accent1"/>
+          </a:fillRef>
+          <a:effectRef idx="0">
+            <a:schemeClr val="accent1"/>
+          </a:effectRef>
+          <a:fontRef idx="minor">
+            <a:schemeClr val="lt1"/>
+          </a:fontRef>
+        </p:style>
+        <p:txBody>
+          <a:bodyPr rtlCol="0" anchor="ctr"/>
+          <a:lstStyle/>
+          <a:p>
+            <a:pPr algn="ctr"/>
+            <a:endParaRPr lang="en-US"/>
+          </a:p>
+        </p:txBody>
+      </p:sp>
+      <p:sp>
+        <p:nvSpPr>
+          <p:cNvPr id="77" name="Rectangle 76">
+            <a:extLst>
+              <a:ext uri="{FF2B5EF4-FFF2-40B4-BE49-F238E27FC236}">
+                <a16:creationId xmlns:a16="http://schemas.microsoft.com/office/drawing/2014/main" id="{AFF4A713-7B75-4B21-90D7-5AB19547C728}"/>
+              </a:ext>
+              <a:ext uri="{C183D7F6-B498-43B3-948B-1728B52AA6E4}">
+                <adec:decorative xmlns:adec="http://schemas.microsoft.com/office/drawing/2017/decorative" xmlns="" val="1"/>
+              </a:ext>
+            </a:extLst>
+          </p:cNvPr>
+          <p:cNvSpPr>
+            <a:spLocks noGrp="1" noRot="1" noChangeAspect="1" noMove="1" noResize="1" noEditPoints="1" noAdjustHandles="1" noChangeArrowheads="1" noChangeShapeType="1" noTextEdit="1"/>
+          </p:cNvSpPr>
+          <p:nvPr>
+            <p:extLst>
+              <p:ext uri="{386F3935-93C4-4BCD-93E2-E3B085C9AB24}">
+                <p16:designElem xmlns:p16="http://schemas.microsoft.com/office/powerpoint/2015/main" val="1"/>
+              </p:ext>
+            </p:extLst>
+          </p:nvPr>
+        </p:nvSpPr>
+        <p:spPr>
+          <a:xfrm rot="5400000">
+            <a:off x="4136696" y="-3703868"/>
+            <a:ext cx="4374128" cy="11736479"/>
+          </a:xfrm>
+          <a:prstGeom prst="rect">
+            <a:avLst/>
+          </a:prstGeom>
+          <a:gradFill>
+            <a:gsLst>
+              <a:gs pos="17000">
+                <a:schemeClr val="accent1">
+                  <a:alpha val="0"/>
+                </a:schemeClr>
+              </a:gs>
+              <a:gs pos="100000">
+                <a:srgbClr val="000000">
+                  <a:alpha val="37000"/>
+                </a:srgbClr>
+              </a:gs>
+            </a:gsLst>
+            <a:lin ang="7800000" scaled="0"/>
+          </a:gradFill>
+          <a:ln>
+            <a:noFill/>
+          </a:ln>
+        </p:spPr>
+        <p:style>
+          <a:lnRef idx="2">
+            <a:schemeClr val="accent1">
+              <a:shade val="50000"/>
+            </a:schemeClr>
+          </a:lnRef>
+          <a:fillRef idx="1">
+            <a:schemeClr val="accent1"/>
+          </a:fillRef>
+          <a:effectRef idx="0">
+            <a:schemeClr val="accent1"/>
+          </a:effectRef>
+          <a:fontRef idx="minor">
+            <a:schemeClr val="lt1"/>
+          </a:fontRef>
+        </p:style>
+        <p:txBody>
+          <a:bodyPr rtlCol="0" anchor="ctr"/>
+          <a:lstStyle/>
+          <a:p>
+            <a:pPr algn="ctr"/>
+            <a:endParaRPr lang="en-US"/>
+          </a:p>
+        </p:txBody>
+      </p:sp>
+      <p:sp>
+        <p:nvSpPr>
+          <p:cNvPr id="79" name="Rectangle 78">
+            <a:extLst>
+              <a:ext uri="{FF2B5EF4-FFF2-40B4-BE49-F238E27FC236}">
+                <a16:creationId xmlns:a16="http://schemas.microsoft.com/office/drawing/2014/main" id="{DC631C0B-6DA6-4E57-8231-CE32B3434A7E}"/>
+              </a:ext>
+              <a:ext uri="{C183D7F6-B498-43B3-948B-1728B52AA6E4}">
+                <adec:decorative xmlns:adec="http://schemas.microsoft.com/office/drawing/2017/decorative" xmlns="" val="1"/>
+              </a:ext>
+            </a:extLst>
+          </p:cNvPr>
+          <p:cNvSpPr>
+            <a:spLocks noGrp="1" noRot="1" noChangeAspect="1" noMove="1" noResize="1" noEditPoints="1" noAdjustHandles="1" noChangeArrowheads="1" noChangeShapeType="1" noTextEdit="1"/>
+          </p:cNvSpPr>
+          <p:nvPr>
+            <p:extLst>
+              <p:ext uri="{386F3935-93C4-4BCD-93E2-E3B085C9AB24}">
+                <p16:designElem xmlns:p16="http://schemas.microsoft.com/office/powerpoint/2015/main" val="1"/>
+              </p:ext>
+            </p:extLst>
+          </p:nvPr>
+        </p:nvSpPr>
+        <p:spPr>
+          <a:xfrm>
+            <a:off x="-5" y="-22690"/>
+            <a:ext cx="8542485" cy="4374126"/>
+          </a:xfrm>
+          <a:prstGeom prst="rect">
+            <a:avLst/>
+          </a:prstGeom>
+          <a:gradFill>
+            <a:gsLst>
+              <a:gs pos="0">
+                <a:schemeClr val="accent1">
+                  <a:lumMod val="50000"/>
+                  <a:alpha val="0"/>
+                </a:schemeClr>
+              </a:gs>
+              <a:gs pos="100000">
+                <a:srgbClr val="000000">
+                  <a:alpha val="25000"/>
+                </a:srgbClr>
+              </a:gs>
+            </a:gsLst>
+            <a:lin ang="18600000" scaled="0"/>
+          </a:gradFill>
+          <a:ln>
+            <a:noFill/>
+          </a:ln>
+        </p:spPr>
+        <p:style>
+          <a:lnRef idx="2">
+            <a:schemeClr val="accent1">
+              <a:shade val="50000"/>
+            </a:schemeClr>
+          </a:lnRef>
+          <a:fillRef idx="1">
+            <a:schemeClr val="accent1"/>
+          </a:fillRef>
+          <a:effectRef idx="0">
+            <a:schemeClr val="accent1"/>
+          </a:effectRef>
+          <a:fontRef idx="minor">
+            <a:schemeClr val="lt1"/>
+          </a:fontRef>
+        </p:style>
+        <p:txBody>
+          <a:bodyPr rtlCol="0" anchor="ctr"/>
+          <a:lstStyle/>
+          <a:p>
+            <a:pPr algn="ctr"/>
+            <a:endParaRPr lang="en-US"/>
+          </a:p>
+        </p:txBody>
+      </p:sp>
+      <p:sp>
+        <p:nvSpPr>
+          <p:cNvPr id="81" name="Freeform: Shape 80">
+            <a:extLst>
+              <a:ext uri="{FF2B5EF4-FFF2-40B4-BE49-F238E27FC236}">
+                <a16:creationId xmlns:a16="http://schemas.microsoft.com/office/drawing/2014/main" id="{C29501E6-A978-4A61-9689-9085AF97A53A}"/>
+              </a:ext>
+              <a:ext uri="{C183D7F6-B498-43B3-948B-1728B52AA6E4}">
+                <adec:decorative xmlns:adec="http://schemas.microsoft.com/office/drawing/2017/decorative" xmlns="" val="1"/>
               </a:ext>
             </a:extLst>
           </p:cNvPr>
@@ -53120,26 +54656,6 @@
           </a:lstStyle>
           <a:p>
             <a:pPr algn="l"/>
-            <a:r>
-              <a:rPr lang="en-US" altLang="ja-JP" sz="3200" b="1" dirty="0"/>
-              <a:t>2.1</a:t>
-            </a:r>
-            <a:r>
-              <a:rPr lang="ja-JP" altLang="en-US" sz="3200" b="1" dirty="0"/>
-              <a:t>　デザインガイドライン調査</a:t>
-            </a:r>
-            <a:endParaRPr lang="en-US" altLang="ja-JP" sz="3200" b="1" dirty="0"/>
-          </a:p>
-          <a:p>
-            <a:pPr algn="l"/>
-            <a:r>
-              <a:rPr lang="en-US" altLang="ja-JP" sz="3200" b="1" dirty="0"/>
-              <a:t>2.2</a:t>
-            </a:r>
-            <a:r>
-              <a:rPr lang="ja-JP" altLang="en-US" sz="3200" b="1" dirty="0"/>
-              <a:t>　デザイン調査</a:t>
-            </a:r>
             <a:endParaRPr lang="en-US" altLang="ja-JP" sz="3200" b="1" dirty="0"/>
           </a:p>
         </p:txBody>
@@ -53157,7 +54673,7 @@
 </p:sld>
 </file>
 
-<file path=ppt/slides/slide28.xml><?xml version="1.0" encoding="utf-8"?>
+<file path=ppt/slides/slide31.xml><?xml version="1.0" encoding="utf-8"?>
 <p:sld xmlns:a="http://schemas.openxmlformats.org/drawingml/2006/main" xmlns:r="http://schemas.openxmlformats.org/officeDocument/2006/relationships" xmlns:p="http://schemas.openxmlformats.org/presentationml/2006/main">
   <p:cSld>
     <p:spTree>
@@ -53191,28 +54707,152 @@
           </a:xfrm>
         </p:spPr>
         <p:txBody>
-          <a:bodyPr/>
+          <a:bodyPr>
+            <a:normAutofit/>
+          </a:bodyPr>
           <a:lstStyle/>
           <a:p>
             <a:r>
-              <a:rPr kumimoji="1" lang="ja-JP" altLang="en-US" dirty="0"/>
-              <a:t>研究結果を</a:t>
+              <a:rPr lang="ja-JP" altLang="en-US" dirty="0">
+                <a:latin typeface="BIZ UDゴシック" panose="020B0400000000000000" pitchFamily="49" charset="-128"/>
+                <a:ea typeface="BIZ UDゴシック" panose="020B0400000000000000" pitchFamily="49" charset="-128"/>
+              </a:rPr>
+              <a:t>アンケート結果から、見やすさ</a:t>
             </a:r>
             <a:r>
-              <a:rPr lang="ja-JP" altLang="en-US" dirty="0"/>
-              <a:t>まとめ、研究によって生まれた新たな解釈があれば提案する。</a:t>
+              <a:rPr lang="ja-JP" altLang="en-US" dirty="0" smtClean="0">
+                <a:latin typeface="BIZ UDゴシック" panose="020B0400000000000000" pitchFamily="49" charset="-128"/>
+                <a:ea typeface="BIZ UDゴシック" panose="020B0400000000000000" pitchFamily="49" charset="-128"/>
+              </a:rPr>
+              <a:t>としては東京工芸大学の</a:t>
             </a:r>
-            <a:endParaRPr lang="en-US" altLang="ja-JP" dirty="0"/>
+            <a:r>
+              <a:rPr lang="en-US" altLang="ja-JP" dirty="0" smtClean="0">
+                <a:latin typeface="BIZ UDゴシック" panose="020B0400000000000000" pitchFamily="49" charset="-128"/>
+                <a:ea typeface="BIZ UDゴシック" panose="020B0400000000000000" pitchFamily="49" charset="-128"/>
+              </a:rPr>
+              <a:t>HP</a:t>
+            </a:r>
+            <a:r>
+              <a:rPr lang="ja-JP" altLang="en-US" dirty="0" smtClean="0">
+                <a:latin typeface="BIZ UDゴシック" panose="020B0400000000000000" pitchFamily="49" charset="-128"/>
+                <a:ea typeface="BIZ UDゴシック" panose="020B0400000000000000" pitchFamily="49" charset="-128"/>
+              </a:rPr>
+              <a:t>を模倣したものが、一番見やすいことが分かった。</a:t>
+            </a:r>
+            <a:endParaRPr lang="en-US" altLang="ja-JP" dirty="0" smtClean="0">
+              <a:latin typeface="BIZ UDゴシック" panose="020B0400000000000000" pitchFamily="49" charset="-128"/>
+              <a:ea typeface="BIZ UDゴシック" panose="020B0400000000000000" pitchFamily="49" charset="-128"/>
+            </a:endParaRPr>
           </a:p>
           <a:p>
-            <a:endParaRPr lang="en-US" altLang="ja-JP" dirty="0"/>
+            <a:pPr marL="0" indent="0">
+              <a:buNone/>
+            </a:pPr>
+            <a:endParaRPr lang="en-US" altLang="ja-JP" sz="800" dirty="0" smtClean="0"/>
+          </a:p>
+          <a:p>
+            <a:pPr marL="0" indent="0">
+              <a:buNone/>
+            </a:pPr>
+            <a:r>
+              <a:rPr lang="ja-JP" altLang="en-US" sz="2400" dirty="0" smtClean="0">
+                <a:latin typeface="+mn-ea"/>
+              </a:rPr>
+              <a:t>→ 先行</a:t>
+            </a:r>
+            <a:r>
+              <a:rPr lang="ja-JP" altLang="en-US" sz="2400" dirty="0">
+                <a:latin typeface="+mn-ea"/>
+              </a:rPr>
+              <a:t>研究で示されていたことをポータルサイトに搭載すると</a:t>
+            </a:r>
+            <a:r>
+              <a:rPr lang="ja-JP" altLang="en-US" sz="2400" dirty="0" smtClean="0">
+                <a:latin typeface="+mn-ea"/>
+              </a:rPr>
+              <a:t>、仮説通り見やすくなるということを新た</a:t>
+            </a:r>
+            <a:r>
+              <a:rPr lang="ja-JP" altLang="en-US" sz="2400" dirty="0">
+                <a:latin typeface="+mn-ea"/>
+              </a:rPr>
+              <a:t>に付与することが</a:t>
+            </a:r>
+            <a:r>
+              <a:rPr lang="ja-JP" altLang="en-US" sz="2400" dirty="0" smtClean="0">
+                <a:latin typeface="+mn-ea"/>
+              </a:rPr>
+              <a:t>できた。</a:t>
+            </a:r>
+            <a:endParaRPr lang="en-US" altLang="ja-JP" sz="2400" dirty="0" smtClean="0">
+              <a:latin typeface="+mn-ea"/>
+            </a:endParaRPr>
+          </a:p>
+          <a:p>
+            <a:endParaRPr lang="en-US" altLang="ja-JP" dirty="0" smtClean="0"/>
           </a:p>
           <a:p>
             <a:r>
-              <a:rPr lang="ja-JP" altLang="en-US" dirty="0"/>
-              <a:t>自分たちの研究によって明らかになった点を示す。</a:t>
+              <a:rPr lang="ja-JP" altLang="en-US" dirty="0" smtClean="0">
+                <a:latin typeface="BIZ UDゴシック" panose="020B0400000000000000" pitchFamily="49" charset="-128"/>
+                <a:ea typeface="BIZ UDゴシック" panose="020B0400000000000000" pitchFamily="49" charset="-128"/>
+              </a:rPr>
+              <a:t>全体的に現在の学生ユーザに良い体験を与える</a:t>
             </a:r>
-            <a:endParaRPr kumimoji="1" lang="ja-JP" altLang="en-US" dirty="0"/>
+            <a:r>
+              <a:rPr lang="en-US" altLang="ja-JP" dirty="0" smtClean="0">
+                <a:latin typeface="BIZ UDゴシック" panose="020B0400000000000000" pitchFamily="49" charset="-128"/>
+                <a:ea typeface="BIZ UDゴシック" panose="020B0400000000000000" pitchFamily="49" charset="-128"/>
+              </a:rPr>
+              <a:t>UI</a:t>
+            </a:r>
+            <a:r>
+              <a:rPr lang="ja-JP" altLang="en-US" dirty="0" smtClean="0">
+                <a:latin typeface="BIZ UDゴシック" panose="020B0400000000000000" pitchFamily="49" charset="-128"/>
+                <a:ea typeface="BIZ UDゴシック" panose="020B0400000000000000" pitchFamily="49" charset="-128"/>
+              </a:rPr>
+              <a:t>ではなく問題があると考えられる。</a:t>
+            </a:r>
+            <a:endParaRPr lang="en-US" altLang="ja-JP" dirty="0" smtClean="0">
+              <a:latin typeface="BIZ UDゴシック" panose="020B0400000000000000" pitchFamily="49" charset="-128"/>
+              <a:ea typeface="BIZ UDゴシック" panose="020B0400000000000000" pitchFamily="49" charset="-128"/>
+            </a:endParaRPr>
+          </a:p>
+          <a:p>
+            <a:pPr marL="0" indent="0">
+              <a:buNone/>
+            </a:pPr>
+            <a:endParaRPr lang="en-US" altLang="ja-JP" sz="800" dirty="0">
+              <a:latin typeface="BIZ UDゴシック" panose="020B0400000000000000" pitchFamily="49" charset="-128"/>
+              <a:ea typeface="BIZ UDゴシック" panose="020B0400000000000000" pitchFamily="49" charset="-128"/>
+            </a:endParaRPr>
+          </a:p>
+          <a:p>
+            <a:pPr marL="0" indent="0">
+              <a:buNone/>
+            </a:pPr>
+            <a:r>
+              <a:rPr lang="ja-JP" altLang="en-US" sz="2400" dirty="0" smtClean="0">
+                <a:latin typeface="+mn-ea"/>
+              </a:rPr>
+              <a:t>→ 今回の研究は、視覚的重視だったが</a:t>
+            </a:r>
+            <a:r>
+              <a:rPr lang="en-US" altLang="ja-JP" sz="2400" dirty="0" smtClean="0">
+                <a:latin typeface="+mn-ea"/>
+              </a:rPr>
+              <a:t>UX</a:t>
+            </a:r>
+            <a:r>
+              <a:rPr lang="ja-JP" altLang="en-US" sz="2400" dirty="0" smtClean="0">
+                <a:latin typeface="+mn-ea"/>
+              </a:rPr>
+              <a:t>の観点からも研究できたらいいなと思った。</a:t>
+            </a:r>
+            <a:endParaRPr lang="en-US" altLang="ja-JP" sz="2400" dirty="0">
+              <a:latin typeface="+mn-ea"/>
+            </a:endParaRPr>
           </a:p>
         </p:txBody>
       </p:sp>
@@ -53311,7 +54951,7 @@
 </p:sld>
 </file>
 
-<file path=ppt/slides/slide29.xml><?xml version="1.0" encoding="utf-8"?>
+<file path=ppt/slides/slide32.xml><?xml version="1.0" encoding="utf-8"?>
 <p:sld xmlns:a="http://schemas.openxmlformats.org/drawingml/2006/main" xmlns:r="http://schemas.openxmlformats.org/officeDocument/2006/relationships" xmlns:p="http://schemas.openxmlformats.org/presentationml/2006/main">
   <p:cSld>
     <p:bg>
@@ -53344,7 +54984,7 @@
                 <a16:creationId xmlns:a16="http://schemas.microsoft.com/office/drawing/2014/main" id="{6F5A5072-7B47-4D32-B52A-4EBBF590B8A5}"/>
               </a:ext>
               <a:ext uri="{C183D7F6-B498-43B3-948B-1728B52AA6E4}">
-                <adec:decorative xmlns:adec="http://schemas.microsoft.com/office/drawing/2017/decorative" val="1"/>
+                <adec:decorative xmlns:adec="http://schemas.microsoft.com/office/drawing/2017/decorative" xmlns="" val="1"/>
               </a:ext>
             </a:extLst>
           </p:cNvPr>
@@ -53420,7 +55060,7 @@
                 <a16:creationId xmlns:a16="http://schemas.microsoft.com/office/drawing/2014/main" id="{9715DAF0-AE1B-46C9-8A6B-DB2AA05AB91D}"/>
               </a:ext>
               <a:ext uri="{C183D7F6-B498-43B3-948B-1728B52AA6E4}">
-                <adec:decorative xmlns:adec="http://schemas.microsoft.com/office/drawing/2017/decorative" val="1"/>
+                <adec:decorative xmlns:adec="http://schemas.microsoft.com/office/drawing/2017/decorative" xmlns="" val="1"/>
               </a:ext>
             </a:extLst>
           </p:cNvPr>
@@ -53493,7 +55133,7 @@
                 <a16:creationId xmlns:a16="http://schemas.microsoft.com/office/drawing/2014/main" id="{6016219D-510E-4184-9090-6D5578A87BD1}"/>
               </a:ext>
               <a:ext uri="{C183D7F6-B498-43B3-948B-1728B52AA6E4}">
-                <adec:decorative xmlns:adec="http://schemas.microsoft.com/office/drawing/2017/decorative" val="1"/>
+                <adec:decorative xmlns:adec="http://schemas.microsoft.com/office/drawing/2017/decorative" xmlns="" val="1"/>
               </a:ext>
             </a:extLst>
           </p:cNvPr>
@@ -53569,7 +55209,7 @@
                 <a16:creationId xmlns:a16="http://schemas.microsoft.com/office/drawing/2014/main" id="{AFF4A713-7B75-4B21-90D7-5AB19547C728}"/>
               </a:ext>
               <a:ext uri="{C183D7F6-B498-43B3-948B-1728B52AA6E4}">
-                <adec:decorative xmlns:adec="http://schemas.microsoft.com/office/drawing/2017/decorative" val="1"/>
+                <adec:decorative xmlns:adec="http://schemas.microsoft.com/office/drawing/2017/decorative" xmlns="" val="1"/>
               </a:ext>
             </a:extLst>
           </p:cNvPr>
@@ -53644,7 +55284,7 @@
                 <a16:creationId xmlns:a16="http://schemas.microsoft.com/office/drawing/2014/main" id="{DC631C0B-6DA6-4E57-8231-CE32B3434A7E}"/>
               </a:ext>
               <a:ext uri="{C183D7F6-B498-43B3-948B-1728B52AA6E4}">
-                <adec:decorative xmlns:adec="http://schemas.microsoft.com/office/drawing/2017/decorative" val="1"/>
+                <adec:decorative xmlns:adec="http://schemas.microsoft.com/office/drawing/2017/decorative" xmlns="" val="1"/>
               </a:ext>
             </a:extLst>
           </p:cNvPr>
@@ -53720,7 +55360,7 @@
                 <a16:creationId xmlns:a16="http://schemas.microsoft.com/office/drawing/2014/main" id="{C29501E6-A978-4A61-9689-9085AF97A53A}"/>
               </a:ext>
               <a:ext uri="{C183D7F6-B498-43B3-948B-1728B52AA6E4}">
-                <adec:decorative xmlns:adec="http://schemas.microsoft.com/office/drawing/2017/decorative" val="1"/>
+                <adec:decorative xmlns:adec="http://schemas.microsoft.com/office/drawing/2017/decorative" xmlns="" val="1"/>
               </a:ext>
             </a:extLst>
           </p:cNvPr>
@@ -54085,26 +55725,6 @@
           </a:lstStyle>
           <a:p>
             <a:pPr algn="l"/>
-            <a:r>
-              <a:rPr lang="en-US" altLang="ja-JP" sz="3200" b="1" dirty="0"/>
-              <a:t>2.1</a:t>
-            </a:r>
-            <a:r>
-              <a:rPr lang="ja-JP" altLang="en-US" sz="3200" b="1" dirty="0"/>
-              <a:t>　デザインガイドライン調査</a:t>
-            </a:r>
-            <a:endParaRPr lang="en-US" altLang="ja-JP" sz="3200" b="1" dirty="0"/>
-          </a:p>
-          <a:p>
-            <a:pPr algn="l"/>
-            <a:r>
-              <a:rPr lang="en-US" altLang="ja-JP" sz="3200" b="1" dirty="0"/>
-              <a:t>2.2</a:t>
-            </a:r>
-            <a:r>
-              <a:rPr lang="ja-JP" altLang="en-US" sz="3200" b="1" dirty="0"/>
-              <a:t>　デザイン調査</a:t>
-            </a:r>
             <a:endParaRPr lang="en-US" altLang="ja-JP" sz="3200" b="1" dirty="0"/>
           </a:p>
         </p:txBody>
@@ -54122,689 +55742,7 @@
 </p:sld>
 </file>
 
-<file path=ppt/slides/slide3.xml><?xml version="1.0" encoding="utf-8"?>
-<p:sld xmlns:a="http://schemas.openxmlformats.org/drawingml/2006/main" xmlns:r="http://schemas.openxmlformats.org/officeDocument/2006/relationships" xmlns:p="http://schemas.openxmlformats.org/presentationml/2006/main">
-  <p:cSld>
-    <p:bg>
-      <p:bgPr>
-        <a:solidFill>
-          <a:schemeClr val="bg1"/>
-        </a:solidFill>
-        <a:effectLst/>
-      </p:bgPr>
-    </p:bg>
-    <p:spTree>
-      <p:nvGrpSpPr>
-        <p:cNvPr id="1" name=""/>
-        <p:cNvGrpSpPr/>
-        <p:nvPr/>
-      </p:nvGrpSpPr>
-      <p:grpSpPr>
-        <a:xfrm>
-          <a:off x="0" y="0"/>
-          <a:ext cx="0" cy="0"/>
-          <a:chOff x="0" y="0"/>
-          <a:chExt cx="0" cy="0"/>
-        </a:xfrm>
-      </p:grpSpPr>
-      <p:sp useBgFill="1">
-        <p:nvSpPr>
-          <p:cNvPr id="71" name="Rectangle 70">
-            <a:extLst>
-              <a:ext uri="{FF2B5EF4-FFF2-40B4-BE49-F238E27FC236}">
-                <a16:creationId xmlns:a16="http://schemas.microsoft.com/office/drawing/2014/main" id="{6F5A5072-7B47-4D32-B52A-4EBBF590B8A5}"/>
-              </a:ext>
-              <a:ext uri="{C183D7F6-B498-43B3-948B-1728B52AA6E4}">
-                <adec:decorative xmlns:adec="http://schemas.microsoft.com/office/drawing/2017/decorative" val="1"/>
-              </a:ext>
-            </a:extLst>
-          </p:cNvPr>
-          <p:cNvSpPr>
-            <a:spLocks noGrp="1" noRot="1" noChangeAspect="1" noMove="1" noResize="1" noEditPoints="1" noAdjustHandles="1" noChangeArrowheads="1" noChangeShapeType="1" noTextEdit="1"/>
-          </p:cNvSpPr>
-          <p:nvPr>
-            <p:extLst>
-              <p:ext uri="{386F3935-93C4-4BCD-93E2-E3B085C9AB24}">
-                <p16:designElem xmlns:p16="http://schemas.microsoft.com/office/powerpoint/2015/main" val="1"/>
-              </p:ext>
-            </p:extLst>
-          </p:nvPr>
-        </p:nvSpPr>
-        <p:spPr>
-          <a:xfrm>
-            <a:off x="0" y="0"/>
-            <a:ext cx="12192000" cy="6858000"/>
-          </a:xfrm>
-          <a:prstGeom prst="rect">
-            <a:avLst/>
-          </a:prstGeom>
-          <a:ln w="12700" cap="flat" cmpd="sng" algn="ctr">
-            <a:noFill/>
-            <a:prstDash val="solid"/>
-            <a:miter lim="800000"/>
-          </a:ln>
-          <a:effectLst/>
-          <a:extLst>
-            <a:ext uri="{91240B29-F687-4F45-9708-019B960494DF}">
-              <a14:hiddenLine xmlns:a14="http://schemas.microsoft.com/office/drawing/2010/main" w="12700" cap="flat" cmpd="sng" algn="ctr">
-                <a:solidFill>
-                  <a:schemeClr val="accent1">
-                    <a:shade val="50000"/>
-                  </a:schemeClr>
-                </a:solidFill>
-                <a:prstDash val="solid"/>
-                <a:miter lim="800000"/>
-              </a14:hiddenLine>
-            </a:ext>
-          </a:extLst>
-        </p:spPr>
-        <p:style>
-          <a:lnRef idx="2">
-            <a:schemeClr val="accent1">
-              <a:shade val="50000"/>
-            </a:schemeClr>
-          </a:lnRef>
-          <a:fillRef idx="1">
-            <a:schemeClr val="accent1"/>
-          </a:fillRef>
-          <a:effectRef idx="0">
-            <a:schemeClr val="accent1"/>
-          </a:effectRef>
-          <a:fontRef idx="minor">
-            <a:schemeClr val="lt1"/>
-          </a:fontRef>
-        </p:style>
-        <p:txBody>
-          <a:bodyPr rtlCol="0" anchor="ctr"/>
-          <a:lstStyle/>
-          <a:p>
-            <a:pPr algn="ctr"/>
-            <a:endParaRPr lang="en-US"/>
-          </a:p>
-        </p:txBody>
-      </p:sp>
-      <p:sp>
-        <p:nvSpPr>
-          <p:cNvPr id="73" name="Rectangle 72">
-            <a:extLst>
-              <a:ext uri="{FF2B5EF4-FFF2-40B4-BE49-F238E27FC236}">
-                <a16:creationId xmlns:a16="http://schemas.microsoft.com/office/drawing/2014/main" id="{9715DAF0-AE1B-46C9-8A6B-DB2AA05AB91D}"/>
-              </a:ext>
-              <a:ext uri="{C183D7F6-B498-43B3-948B-1728B52AA6E4}">
-                <adec:decorative xmlns:adec="http://schemas.microsoft.com/office/drawing/2017/decorative" val="1"/>
-              </a:ext>
-            </a:extLst>
-          </p:cNvPr>
-          <p:cNvSpPr>
-            <a:spLocks noGrp="1" noRot="1" noChangeAspect="1" noMove="1" noResize="1" noEditPoints="1" noAdjustHandles="1" noChangeArrowheads="1" noChangeShapeType="1" noTextEdit="1"/>
-          </p:cNvSpPr>
-          <p:nvPr>
-            <p:extLst>
-              <p:ext uri="{386F3935-93C4-4BCD-93E2-E3B085C9AB24}">
-                <p16:designElem xmlns:p16="http://schemas.microsoft.com/office/powerpoint/2015/main" val="1"/>
-              </p:ext>
-            </p:extLst>
-          </p:nvPr>
-        </p:nvSpPr>
-        <p:spPr>
-          <a:xfrm rot="10800000">
-            <a:off x="-2" y="-22693"/>
-            <a:ext cx="12191999" cy="4374129"/>
-          </a:xfrm>
-          <a:prstGeom prst="rect">
-            <a:avLst/>
-          </a:prstGeom>
-          <a:gradFill>
-            <a:gsLst>
-              <a:gs pos="0">
-                <a:schemeClr val="accent1">
-                  <a:lumMod val="75000"/>
-                </a:schemeClr>
-              </a:gs>
-              <a:gs pos="100000">
-                <a:srgbClr val="000000"/>
-              </a:gs>
-            </a:gsLst>
-            <a:lin ang="15000000" scaled="0"/>
-          </a:gradFill>
-          <a:ln>
-            <a:noFill/>
-          </a:ln>
-        </p:spPr>
-        <p:style>
-          <a:lnRef idx="2">
-            <a:schemeClr val="accent1">
-              <a:shade val="50000"/>
-            </a:schemeClr>
-          </a:lnRef>
-          <a:fillRef idx="1">
-            <a:schemeClr val="accent1"/>
-          </a:fillRef>
-          <a:effectRef idx="0">
-            <a:schemeClr val="accent1"/>
-          </a:effectRef>
-          <a:fontRef idx="minor">
-            <a:schemeClr val="lt1"/>
-          </a:fontRef>
-        </p:style>
-        <p:txBody>
-          <a:bodyPr rtlCol="0" anchor="ctr"/>
-          <a:lstStyle/>
-          <a:p>
-            <a:pPr algn="ctr"/>
-            <a:endParaRPr lang="en-US"/>
-          </a:p>
-        </p:txBody>
-      </p:sp>
-      <p:sp>
-        <p:nvSpPr>
-          <p:cNvPr id="75" name="Rectangle 74">
-            <a:extLst>
-              <a:ext uri="{FF2B5EF4-FFF2-40B4-BE49-F238E27FC236}">
-                <a16:creationId xmlns:a16="http://schemas.microsoft.com/office/drawing/2014/main" id="{6016219D-510E-4184-9090-6D5578A87BD1}"/>
-              </a:ext>
-              <a:ext uri="{C183D7F6-B498-43B3-948B-1728B52AA6E4}">
-                <adec:decorative xmlns:adec="http://schemas.microsoft.com/office/drawing/2017/decorative" val="1"/>
-              </a:ext>
-            </a:extLst>
-          </p:cNvPr>
-          <p:cNvSpPr>
-            <a:spLocks noGrp="1" noRot="1" noChangeAspect="1" noMove="1" noResize="1" noEditPoints="1" noAdjustHandles="1" noChangeArrowheads="1" noChangeShapeType="1" noTextEdit="1"/>
-          </p:cNvSpPr>
-          <p:nvPr>
-            <p:extLst>
-              <p:ext uri="{386F3935-93C4-4BCD-93E2-E3B085C9AB24}">
-                <p16:designElem xmlns:p16="http://schemas.microsoft.com/office/powerpoint/2015/main" val="1"/>
-              </p:ext>
-            </p:extLst>
-          </p:nvPr>
-        </p:nvSpPr>
-        <p:spPr>
-          <a:xfrm rot="5400000">
-            <a:off x="3908719" y="-3931841"/>
-            <a:ext cx="4374557" cy="12192000"/>
-          </a:xfrm>
-          <a:prstGeom prst="rect">
-            <a:avLst/>
-          </a:prstGeom>
-          <a:gradFill>
-            <a:gsLst>
-              <a:gs pos="40000">
-                <a:schemeClr val="accent1">
-                  <a:alpha val="0"/>
-                </a:schemeClr>
-              </a:gs>
-              <a:gs pos="100000">
-                <a:schemeClr val="accent1">
-                  <a:lumMod val="75000"/>
-                  <a:alpha val="52000"/>
-                </a:schemeClr>
-              </a:gs>
-            </a:gsLst>
-            <a:lin ang="2400000" scaled="0"/>
-          </a:gradFill>
-          <a:ln>
-            <a:noFill/>
-          </a:ln>
-        </p:spPr>
-        <p:style>
-          <a:lnRef idx="2">
-            <a:schemeClr val="accent1">
-              <a:shade val="50000"/>
-            </a:schemeClr>
-          </a:lnRef>
-          <a:fillRef idx="1">
-            <a:schemeClr val="accent1"/>
-          </a:fillRef>
-          <a:effectRef idx="0">
-            <a:schemeClr val="accent1"/>
-          </a:effectRef>
-          <a:fontRef idx="minor">
-            <a:schemeClr val="lt1"/>
-          </a:fontRef>
-        </p:style>
-        <p:txBody>
-          <a:bodyPr rtlCol="0" anchor="ctr"/>
-          <a:lstStyle/>
-          <a:p>
-            <a:pPr algn="ctr"/>
-            <a:endParaRPr lang="en-US"/>
-          </a:p>
-        </p:txBody>
-      </p:sp>
-      <p:sp>
-        <p:nvSpPr>
-          <p:cNvPr id="77" name="Rectangle 76">
-            <a:extLst>
-              <a:ext uri="{FF2B5EF4-FFF2-40B4-BE49-F238E27FC236}">
-                <a16:creationId xmlns:a16="http://schemas.microsoft.com/office/drawing/2014/main" id="{AFF4A713-7B75-4B21-90D7-5AB19547C728}"/>
-              </a:ext>
-              <a:ext uri="{C183D7F6-B498-43B3-948B-1728B52AA6E4}">
-                <adec:decorative xmlns:adec="http://schemas.microsoft.com/office/drawing/2017/decorative" val="1"/>
-              </a:ext>
-            </a:extLst>
-          </p:cNvPr>
-          <p:cNvSpPr>
-            <a:spLocks noGrp="1" noRot="1" noChangeAspect="1" noMove="1" noResize="1" noEditPoints="1" noAdjustHandles="1" noChangeArrowheads="1" noChangeShapeType="1" noTextEdit="1"/>
-          </p:cNvSpPr>
-          <p:nvPr>
-            <p:extLst>
-              <p:ext uri="{386F3935-93C4-4BCD-93E2-E3B085C9AB24}">
-                <p16:designElem xmlns:p16="http://schemas.microsoft.com/office/powerpoint/2015/main" val="1"/>
-              </p:ext>
-            </p:extLst>
-          </p:nvPr>
-        </p:nvSpPr>
-        <p:spPr>
-          <a:xfrm rot="5400000">
-            <a:off x="4136696" y="-3703868"/>
-            <a:ext cx="4374128" cy="11736479"/>
-          </a:xfrm>
-          <a:prstGeom prst="rect">
-            <a:avLst/>
-          </a:prstGeom>
-          <a:gradFill>
-            <a:gsLst>
-              <a:gs pos="17000">
-                <a:schemeClr val="accent1">
-                  <a:alpha val="0"/>
-                </a:schemeClr>
-              </a:gs>
-              <a:gs pos="100000">
-                <a:srgbClr val="000000">
-                  <a:alpha val="37000"/>
-                </a:srgbClr>
-              </a:gs>
-            </a:gsLst>
-            <a:lin ang="7800000" scaled="0"/>
-          </a:gradFill>
-          <a:ln>
-            <a:noFill/>
-          </a:ln>
-        </p:spPr>
-        <p:style>
-          <a:lnRef idx="2">
-            <a:schemeClr val="accent1">
-              <a:shade val="50000"/>
-            </a:schemeClr>
-          </a:lnRef>
-          <a:fillRef idx="1">
-            <a:schemeClr val="accent1"/>
-          </a:fillRef>
-          <a:effectRef idx="0">
-            <a:schemeClr val="accent1"/>
-          </a:effectRef>
-          <a:fontRef idx="minor">
-            <a:schemeClr val="lt1"/>
-          </a:fontRef>
-        </p:style>
-        <p:txBody>
-          <a:bodyPr rtlCol="0" anchor="ctr"/>
-          <a:lstStyle/>
-          <a:p>
-            <a:pPr algn="ctr"/>
-            <a:endParaRPr lang="en-US"/>
-          </a:p>
-        </p:txBody>
-      </p:sp>
-      <p:sp>
-        <p:nvSpPr>
-          <p:cNvPr id="79" name="Rectangle 78">
-            <a:extLst>
-              <a:ext uri="{FF2B5EF4-FFF2-40B4-BE49-F238E27FC236}">
-                <a16:creationId xmlns:a16="http://schemas.microsoft.com/office/drawing/2014/main" id="{DC631C0B-6DA6-4E57-8231-CE32B3434A7E}"/>
-              </a:ext>
-              <a:ext uri="{C183D7F6-B498-43B3-948B-1728B52AA6E4}">
-                <adec:decorative xmlns:adec="http://schemas.microsoft.com/office/drawing/2017/decorative" val="1"/>
-              </a:ext>
-            </a:extLst>
-          </p:cNvPr>
-          <p:cNvSpPr>
-            <a:spLocks noGrp="1" noRot="1" noChangeAspect="1" noMove="1" noResize="1" noEditPoints="1" noAdjustHandles="1" noChangeArrowheads="1" noChangeShapeType="1" noTextEdit="1"/>
-          </p:cNvSpPr>
-          <p:nvPr>
-            <p:extLst>
-              <p:ext uri="{386F3935-93C4-4BCD-93E2-E3B085C9AB24}">
-                <p16:designElem xmlns:p16="http://schemas.microsoft.com/office/powerpoint/2015/main" val="1"/>
-              </p:ext>
-            </p:extLst>
-          </p:nvPr>
-        </p:nvSpPr>
-        <p:spPr>
-          <a:xfrm>
-            <a:off x="-5" y="-22690"/>
-            <a:ext cx="8542485" cy="4374126"/>
-          </a:xfrm>
-          <a:prstGeom prst="rect">
-            <a:avLst/>
-          </a:prstGeom>
-          <a:gradFill>
-            <a:gsLst>
-              <a:gs pos="0">
-                <a:schemeClr val="accent1">
-                  <a:lumMod val="50000"/>
-                  <a:alpha val="0"/>
-                </a:schemeClr>
-              </a:gs>
-              <a:gs pos="100000">
-                <a:srgbClr val="000000">
-                  <a:alpha val="25000"/>
-                </a:srgbClr>
-              </a:gs>
-            </a:gsLst>
-            <a:lin ang="18600000" scaled="0"/>
-          </a:gradFill>
-          <a:ln>
-            <a:noFill/>
-          </a:ln>
-        </p:spPr>
-        <p:style>
-          <a:lnRef idx="2">
-            <a:schemeClr val="accent1">
-              <a:shade val="50000"/>
-            </a:schemeClr>
-          </a:lnRef>
-          <a:fillRef idx="1">
-            <a:schemeClr val="accent1"/>
-          </a:fillRef>
-          <a:effectRef idx="0">
-            <a:schemeClr val="accent1"/>
-          </a:effectRef>
-          <a:fontRef idx="minor">
-            <a:schemeClr val="lt1"/>
-          </a:fontRef>
-        </p:style>
-        <p:txBody>
-          <a:bodyPr rtlCol="0" anchor="ctr"/>
-          <a:lstStyle/>
-          <a:p>
-            <a:pPr algn="ctr"/>
-            <a:endParaRPr lang="en-US"/>
-          </a:p>
-        </p:txBody>
-      </p:sp>
-      <p:sp>
-        <p:nvSpPr>
-          <p:cNvPr id="81" name="Freeform: Shape 80">
-            <a:extLst>
-              <a:ext uri="{FF2B5EF4-FFF2-40B4-BE49-F238E27FC236}">
-                <a16:creationId xmlns:a16="http://schemas.microsoft.com/office/drawing/2014/main" id="{C29501E6-A978-4A61-9689-9085AF97A53A}"/>
-              </a:ext>
-              <a:ext uri="{C183D7F6-B498-43B3-948B-1728B52AA6E4}">
-                <adec:decorative xmlns:adec="http://schemas.microsoft.com/office/drawing/2017/decorative" val="1"/>
-              </a:ext>
-            </a:extLst>
-          </p:cNvPr>
-          <p:cNvSpPr>
-            <a:spLocks noGrp="1" noRot="1" noChangeAspect="1" noMove="1" noResize="1" noEditPoints="1" noAdjustHandles="1" noChangeArrowheads="1" noChangeShapeType="1" noTextEdit="1"/>
-          </p:cNvSpPr>
-          <p:nvPr>
-            <p:extLst>
-              <p:ext uri="{386F3935-93C4-4BCD-93E2-E3B085C9AB24}">
-                <p16:designElem xmlns:p16="http://schemas.microsoft.com/office/powerpoint/2015/main" val="1"/>
-              </p:ext>
-            </p:extLst>
-          </p:nvPr>
-        </p:nvSpPr>
-        <p:spPr>
-          <a:xfrm rot="12508972">
-            <a:off x="5945431" y="-1032053"/>
-            <a:ext cx="4990147" cy="4439131"/>
-          </a:xfrm>
-          <a:custGeom>
-            <a:avLst/>
-            <a:gdLst>
-              <a:gd name="connsiteX0" fmla="*/ 4990147 w 4990147"/>
-              <a:gd name="connsiteY0" fmla="*/ 2229378 h 4439131"/>
-              <a:gd name="connsiteX1" fmla="*/ 917384 w 4990147"/>
-              <a:gd name="connsiteY1" fmla="*/ 4439131 h 4439131"/>
-              <a:gd name="connsiteX2" fmla="*/ 910814 w 4990147"/>
-              <a:gd name="connsiteY2" fmla="*/ 4434219 h 4439131"/>
-              <a:gd name="connsiteX3" fmla="*/ 0 w 4990147"/>
-              <a:gd name="connsiteY3" fmla="*/ 2502877 h 4439131"/>
-              <a:gd name="connsiteX4" fmla="*/ 2502877 w 4990147"/>
-              <a:gd name="connsiteY4" fmla="*/ 0 h 4439131"/>
-              <a:gd name="connsiteX5" fmla="*/ 4954904 w 4990147"/>
-              <a:gd name="connsiteY5" fmla="*/ 1998460 h 4439131"/>
-            </a:gdLst>
-            <a:ahLst/>
-            <a:cxnLst>
-              <a:cxn ang="0">
-                <a:pos x="connsiteX0" y="connsiteY0"/>
-              </a:cxn>
-              <a:cxn ang="0">
-                <a:pos x="connsiteX1" y="connsiteY1"/>
-              </a:cxn>
-              <a:cxn ang="0">
-                <a:pos x="connsiteX2" y="connsiteY2"/>
-              </a:cxn>
-              <a:cxn ang="0">
-                <a:pos x="connsiteX3" y="connsiteY3"/>
-              </a:cxn>
-              <a:cxn ang="0">
-                <a:pos x="connsiteX4" y="connsiteY4"/>
-              </a:cxn>
-              <a:cxn ang="0">
-                <a:pos x="connsiteX5" y="connsiteY5"/>
-              </a:cxn>
-            </a:cxnLst>
-            <a:rect l="l" t="t" r="r" b="b"/>
-            <a:pathLst>
-              <a:path w="4990147" h="4439131">
-                <a:moveTo>
-                  <a:pt x="4990147" y="2229378"/>
-                </a:moveTo>
-                <a:lnTo>
-                  <a:pt x="917384" y="4439131"/>
-                </a:lnTo>
-                <a:lnTo>
-                  <a:pt x="910814" y="4434219"/>
-                </a:lnTo>
-                <a:cubicBezTo>
-                  <a:pt x="354557" y="3975154"/>
-                  <a:pt x="0" y="3280421"/>
-                  <a:pt x="0" y="2502877"/>
-                </a:cubicBezTo>
-                <a:cubicBezTo>
-                  <a:pt x="0" y="1120576"/>
-                  <a:pt x="1120576" y="0"/>
-                  <a:pt x="2502877" y="0"/>
-                </a:cubicBezTo>
-                <a:cubicBezTo>
-                  <a:pt x="3712390" y="0"/>
-                  <a:pt x="4721520" y="857941"/>
-                  <a:pt x="4954904" y="1998460"/>
-                </a:cubicBezTo>
-                <a:close/>
-              </a:path>
-            </a:pathLst>
-          </a:custGeom>
-          <a:gradFill>
-            <a:gsLst>
-              <a:gs pos="0">
-                <a:schemeClr val="accent1">
-                  <a:alpha val="22000"/>
-                </a:schemeClr>
-              </a:gs>
-              <a:gs pos="87000">
-                <a:schemeClr val="accent1">
-                  <a:lumMod val="60000"/>
-                  <a:lumOff val="40000"/>
-                  <a:alpha val="2000"/>
-                </a:schemeClr>
-              </a:gs>
-            </a:gsLst>
-            <a:lin ang="8400000" scaled="0"/>
-          </a:gradFill>
-          <a:ln>
-            <a:noFill/>
-          </a:ln>
-        </p:spPr>
-        <p:style>
-          <a:lnRef idx="2">
-            <a:schemeClr val="accent1">
-              <a:shade val="50000"/>
-            </a:schemeClr>
-          </a:lnRef>
-          <a:fillRef idx="1">
-            <a:schemeClr val="accent1"/>
-          </a:fillRef>
-          <a:effectRef idx="0">
-            <a:schemeClr val="accent1"/>
-          </a:effectRef>
-          <a:fontRef idx="minor">
-            <a:schemeClr val="lt1"/>
-          </a:fontRef>
-        </p:style>
-        <p:txBody>
-          <a:bodyPr wrap="square" rtlCol="0" anchor="ctr">
-            <a:noAutofit/>
-          </a:bodyPr>
-          <a:lstStyle/>
-          <a:p>
-            <a:pPr algn="ctr"/>
-            <a:endParaRPr lang="en-US" dirty="0"/>
-          </a:p>
-        </p:txBody>
-      </p:sp>
-      <p:sp>
-        <p:nvSpPr>
-          <p:cNvPr id="4" name="タイトル 3"/>
-          <p:cNvSpPr>
-            <a:spLocks noGrp="1"/>
-          </p:cNvSpPr>
-          <p:nvPr>
-            <p:ph type="ctrTitle"/>
-          </p:nvPr>
-        </p:nvSpPr>
-        <p:spPr>
-          <a:xfrm>
-            <a:off x="1314824" y="735106"/>
-            <a:ext cx="10053763" cy="2928470"/>
-          </a:xfrm>
-        </p:spPr>
-        <p:txBody>
-          <a:bodyPr anchor="b">
-            <a:normAutofit/>
-          </a:bodyPr>
-          <a:lstStyle/>
-          <a:p>
-            <a:pPr algn="l"/>
-            <a:r>
-              <a:rPr lang="ja-JP" altLang="en-US" sz="4800" dirty="0">
-                <a:solidFill>
-                  <a:srgbClr val="FFFFFF"/>
-                </a:solidFill>
-                <a:latin typeface="BIZ UDPゴシック" panose="020B0400000000000000" pitchFamily="50" charset="-128"/>
-                <a:ea typeface="BIZ UDPゴシック" panose="020B0400000000000000" pitchFamily="50" charset="-128"/>
-              </a:rPr>
-              <a:t>１．序論 </a:t>
-            </a:r>
-            <a:r>
-              <a:rPr lang="en-US" altLang="ja-JP" sz="4800" dirty="0">
-                <a:solidFill>
-                  <a:srgbClr val="FFFFFF"/>
-                </a:solidFill>
-                <a:latin typeface="BIZ UDPゴシック" panose="020B0400000000000000" pitchFamily="50" charset="-128"/>
-                <a:ea typeface="BIZ UDPゴシック" panose="020B0400000000000000" pitchFamily="50" charset="-128"/>
-              </a:rPr>
-              <a:t>-Introduction-</a:t>
-            </a:r>
-            <a:endParaRPr kumimoji="1" lang="ja-JP" altLang="en-US" sz="4800" dirty="0">
-              <a:solidFill>
-                <a:srgbClr val="FFFFFF"/>
-              </a:solidFill>
-              <a:latin typeface="BIZ UDPゴシック" panose="020B0400000000000000" pitchFamily="50" charset="-128"/>
-              <a:ea typeface="BIZ UDPゴシック" panose="020B0400000000000000" pitchFamily="50" charset="-128"/>
-            </a:endParaRPr>
-          </a:p>
-        </p:txBody>
-      </p:sp>
-      <p:sp>
-        <p:nvSpPr>
-          <p:cNvPr id="5" name="サブタイトル 4"/>
-          <p:cNvSpPr>
-            <a:spLocks noGrp="1"/>
-          </p:cNvSpPr>
-          <p:nvPr>
-            <p:ph type="subTitle" idx="1"/>
-          </p:nvPr>
-        </p:nvSpPr>
-        <p:spPr>
-          <a:xfrm>
-            <a:off x="2104845" y="4572000"/>
-            <a:ext cx="9251788" cy="1871932"/>
-          </a:xfrm>
-        </p:spPr>
-        <p:txBody>
-          <a:bodyPr anchor="ctr">
-            <a:normAutofit fontScale="92500" lnSpcReduction="20000"/>
-          </a:bodyPr>
-          <a:lstStyle/>
-          <a:p>
-            <a:pPr algn="l"/>
-            <a:r>
-              <a:rPr kumimoji="1" lang="en-US" altLang="ja-JP" sz="3200" b="1" dirty="0"/>
-              <a:t>1.1</a:t>
-            </a:r>
-            <a:r>
-              <a:rPr kumimoji="1" lang="ja-JP" altLang="en-US" sz="3200" b="1" dirty="0"/>
-              <a:t>　研究概要</a:t>
-            </a:r>
-            <a:endParaRPr kumimoji="1" lang="en-US" altLang="ja-JP" sz="3200" b="1" dirty="0"/>
-          </a:p>
-          <a:p>
-            <a:pPr algn="l"/>
-            <a:r>
-              <a:rPr lang="en-US" altLang="ja-JP" sz="3200" b="1" dirty="0"/>
-              <a:t>1.2</a:t>
-            </a:r>
-            <a:r>
-              <a:rPr lang="ja-JP" altLang="en-US" sz="3200" b="1" dirty="0"/>
-              <a:t>　研究目的</a:t>
-            </a:r>
-            <a:endParaRPr lang="en-US" altLang="ja-JP" sz="3200" b="1" dirty="0"/>
-          </a:p>
-          <a:p>
-            <a:pPr algn="l"/>
-            <a:r>
-              <a:rPr lang="en-US" altLang="ja-JP" sz="3200" b="1" dirty="0"/>
-              <a:t>1.3</a:t>
-            </a:r>
-            <a:r>
-              <a:rPr lang="ja-JP" altLang="en-US" sz="3200" b="1" dirty="0"/>
-              <a:t>　研究方法</a:t>
-            </a:r>
-            <a:endParaRPr lang="en-US" altLang="ja-JP" sz="3200" b="1" dirty="0"/>
-          </a:p>
-          <a:p>
-            <a:pPr algn="l"/>
-            <a:r>
-              <a:rPr lang="en-US" altLang="ja-JP" sz="3200" b="1" dirty="0"/>
-              <a:t>1.4</a:t>
-            </a:r>
-            <a:r>
-              <a:rPr lang="ja-JP" altLang="en-US" sz="3200" b="1" dirty="0"/>
-              <a:t>　仮　　説</a:t>
-            </a:r>
-            <a:endParaRPr lang="en-US" altLang="ja-JP" sz="3200" b="1" dirty="0"/>
-          </a:p>
-        </p:txBody>
-      </p:sp>
-    </p:spTree>
-    <p:extLst>
-      <p:ext uri="{BB962C8B-B14F-4D97-AF65-F5344CB8AC3E}">
-        <p14:creationId xmlns:p14="http://schemas.microsoft.com/office/powerpoint/2010/main" val="2967809717"/>
-      </p:ext>
-    </p:extLst>
-  </p:cSld>
-  <p:clrMapOvr>
-    <a:masterClrMapping/>
-  </p:clrMapOvr>
-</p:sld>
-</file>
-
-<file path=ppt/slides/slide30.xml><?xml version="1.0" encoding="utf-8"?>
+<file path=ppt/slides/slide33.xml><?xml version="1.0" encoding="utf-8"?>
 <p:sld xmlns:a="http://schemas.openxmlformats.org/drawingml/2006/main" xmlns:r="http://schemas.openxmlformats.org/officeDocument/2006/relationships" xmlns:p="http://schemas.openxmlformats.org/presentationml/2006/main">
   <p:cSld>
     <p:spTree>
@@ -54834,38 +55772,68 @@
         <p:spPr>
           <a:xfrm>
             <a:off x="838200" y="1487977"/>
-            <a:ext cx="10515600" cy="4688985"/>
+            <a:ext cx="10515600" cy="4994466"/>
           </a:xfrm>
         </p:spPr>
         <p:txBody>
-          <a:bodyPr/>
+          <a:bodyPr>
+            <a:normAutofit/>
+          </a:bodyPr>
           <a:lstStyle/>
           <a:p>
             <a:r>
+              <a:rPr lang="ja-JP" altLang="en-US" dirty="0" smtClean="0"/>
+              <a:t>スマートフォン</a:t>
+            </a:r>
+            <a:r>
               <a:rPr lang="ja-JP" altLang="en-US" dirty="0"/>
-              <a:t>インタビューや調査、アンケートの結果から分かったこと・考えなければならないことを考察する。</a:t>
+              <a:t>画面で、同じような研究を</a:t>
             </a:r>
+            <a:r>
+              <a:rPr lang="ja-JP" altLang="en-US" dirty="0" smtClean="0"/>
+              <a:t>行えば結果が同じようになるのかを研究したい。</a:t>
+            </a:r>
+            <a:endParaRPr lang="en-US" altLang="ja-JP" dirty="0" smtClean="0"/>
+          </a:p>
+          <a:p>
             <a:endParaRPr lang="en-US" altLang="ja-JP" dirty="0"/>
           </a:p>
           <a:p>
-            <a:endParaRPr kumimoji="1" lang="en-US" altLang="ja-JP" dirty="0"/>
+            <a:r>
+              <a:rPr lang="ja-JP" altLang="en-US" dirty="0" smtClean="0"/>
+              <a:t>使用年数が長くデザインが</a:t>
+            </a:r>
+            <a:r>
+              <a:rPr lang="en-US" altLang="ja-JP" dirty="0" smtClean="0"/>
+              <a:t>10</a:t>
+            </a:r>
+            <a:r>
+              <a:rPr lang="ja-JP" altLang="en-US" dirty="0" smtClean="0"/>
+              <a:t>年以上変更されていないことから、安定性を保つことが重視されていると判断でき、容易にアップデートすることが難しいのではと考えられる。</a:t>
+            </a:r>
+            <a:endParaRPr lang="en-US" altLang="ja-JP" dirty="0" smtClean="0"/>
+          </a:p>
+          <a:p>
+            <a:endParaRPr lang="en-US" altLang="ja-JP" dirty="0" smtClean="0"/>
           </a:p>
           <a:p>
             <a:r>
               <a:rPr lang="ja-JP" altLang="en-US" dirty="0"/>
-              <a:t>先行研究で示されていたことをポータルサイトに搭載すると、こういう知見を新たに付与することができるということを示す。</a:t>
+              <a:t>具体的</a:t>
+            </a:r>
+            <a:r>
+              <a:rPr lang="ja-JP" altLang="en-US" dirty="0" smtClean="0"/>
+              <a:t>な</a:t>
+            </a:r>
+            <a:r>
+              <a:rPr lang="en-US" altLang="ja-JP" dirty="0" smtClean="0"/>
+              <a:t>UI</a:t>
+            </a:r>
+            <a:r>
+              <a:rPr lang="ja-JP" altLang="en-US" dirty="0" smtClean="0"/>
+              <a:t>デザインではなく、その上流である行動や価値などの要素とそれらの関連性についてのガイドラインを作成することで、この課題を少しでも解決に導くことができるのでは？</a:t>
             </a:r>
             <a:endParaRPr lang="en-US" altLang="ja-JP" dirty="0"/>
-          </a:p>
-          <a:p>
-            <a:endParaRPr kumimoji="1" lang="en-US" altLang="ja-JP" dirty="0"/>
-          </a:p>
-          <a:p>
-            <a:r>
-              <a:rPr lang="ja-JP" altLang="en-US" dirty="0"/>
-              <a:t>今後の展望についての考察を示す。</a:t>
-            </a:r>
-            <a:endParaRPr kumimoji="1" lang="ja-JP" altLang="en-US" dirty="0"/>
           </a:p>
         </p:txBody>
       </p:sp>
@@ -54964,7 +55932,7 @@
 </p:sld>
 </file>
 
-<file path=ppt/slides/slide31.xml><?xml version="1.0" encoding="utf-8"?>
+<file path=ppt/slides/slide34.xml><?xml version="1.0" encoding="utf-8"?>
 <p:sld xmlns:a="http://schemas.openxmlformats.org/drawingml/2006/main" xmlns:r="http://schemas.openxmlformats.org/officeDocument/2006/relationships" xmlns:p="http://schemas.openxmlformats.org/presentationml/2006/main">
   <p:cSld>
     <p:spTree>
@@ -54997,7 +55965,88 @@
           <a:lstStyle/>
           <a:p>
             <a:r>
-              <a:rPr kumimoji="1" lang="ja-JP" altLang="en-US" dirty="0"/>
+              <a:rPr lang="ja-JP" altLang="en-US" dirty="0">
+                <a:latin typeface="BIZ UDP明朝 Medium" panose="02020500000000000000" pitchFamily="18" charset="-128"/>
+                <a:ea typeface="BIZ UDP明朝 Medium" panose="02020500000000000000" pitchFamily="18" charset="-128"/>
+              </a:rPr>
+              <a:t>反省点</a:t>
+            </a:r>
+            <a:endParaRPr kumimoji="1" lang="ja-JP" altLang="en-US" dirty="0">
+              <a:latin typeface="BIZ UDP明朝 Medium" panose="02020500000000000000" pitchFamily="18" charset="-128"/>
+              <a:ea typeface="BIZ UDP明朝 Medium" panose="02020500000000000000" pitchFamily="18" charset="-128"/>
+            </a:endParaRPr>
+          </a:p>
+        </p:txBody>
+      </p:sp>
+      <p:sp>
+        <p:nvSpPr>
+          <p:cNvPr id="5" name="サブタイトル 4"/>
+          <p:cNvSpPr>
+            <a:spLocks noGrp="1"/>
+          </p:cNvSpPr>
+          <p:nvPr>
+            <p:ph type="subTitle" idx="1"/>
+          </p:nvPr>
+        </p:nvSpPr>
+        <p:spPr/>
+        <p:txBody>
+          <a:bodyPr/>
+          <a:lstStyle/>
+          <a:p>
+            <a:endParaRPr kumimoji="1" lang="ja-JP" altLang="en-US" dirty="0"/>
+          </a:p>
+        </p:txBody>
+      </p:sp>
+    </p:spTree>
+    <p:extLst>
+      <p:ext uri="{BB962C8B-B14F-4D97-AF65-F5344CB8AC3E}">
+        <p14:creationId xmlns:p14="http://schemas.microsoft.com/office/powerpoint/2010/main" val="2660274786"/>
+      </p:ext>
+    </p:extLst>
+  </p:cSld>
+  <p:clrMapOvr>
+    <a:masterClrMapping/>
+  </p:clrMapOvr>
+</p:sld>
+</file>
+
+<file path=ppt/slides/slide35.xml><?xml version="1.0" encoding="utf-8"?>
+<p:sld xmlns:a="http://schemas.openxmlformats.org/drawingml/2006/main" xmlns:r="http://schemas.openxmlformats.org/officeDocument/2006/relationships" xmlns:p="http://schemas.openxmlformats.org/presentationml/2006/main">
+  <p:cSld>
+    <p:spTree>
+      <p:nvGrpSpPr>
+        <p:cNvPr id="1" name=""/>
+        <p:cNvGrpSpPr/>
+        <p:nvPr/>
+      </p:nvGrpSpPr>
+      <p:grpSpPr>
+        <a:xfrm>
+          <a:off x="0" y="0"/>
+          <a:ext cx="0" cy="0"/>
+          <a:chOff x="0" y="0"/>
+          <a:chExt cx="0" cy="0"/>
+        </a:xfrm>
+      </p:grpSpPr>
+      <p:sp>
+        <p:nvSpPr>
+          <p:cNvPr id="4" name="タイトル 3"/>
+          <p:cNvSpPr>
+            <a:spLocks noGrp="1"/>
+          </p:cNvSpPr>
+          <p:nvPr>
+            <p:ph type="ctrTitle"/>
+          </p:nvPr>
+        </p:nvSpPr>
+        <p:spPr/>
+        <p:txBody>
+          <a:bodyPr/>
+          <a:lstStyle/>
+          <a:p>
+            <a:r>
+              <a:rPr kumimoji="1" lang="ja-JP" altLang="en-US" dirty="0">
+                <a:latin typeface="BIZ UDP明朝 Medium" panose="02020500000000000000" pitchFamily="18" charset="-128"/>
+                <a:ea typeface="BIZ UDP明朝 Medium" panose="02020500000000000000" pitchFamily="18" charset="-128"/>
+              </a:rPr>
               <a:t>質疑応答</a:t>
             </a:r>
           </a:p>
@@ -55035,7 +56084,7 @@
 </p:sld>
 </file>
 
-<file path=ppt/slides/slide32.xml><?xml version="1.0" encoding="utf-8"?>
+<file path=ppt/slides/slide36.xml><?xml version="1.0" encoding="utf-8"?>
 <p:sld xmlns:a="http://schemas.openxmlformats.org/drawingml/2006/main" xmlns:r="http://schemas.openxmlformats.org/officeDocument/2006/relationships" xmlns:p="http://schemas.openxmlformats.org/presentationml/2006/main">
   <p:cSld>
     <p:spTree>
@@ -55218,7 +56267,7 @@
 </p:sld>
 </file>
 
-<file path=ppt/slides/slide33.xml><?xml version="1.0" encoding="utf-8"?>
+<file path=ppt/slides/slide37.xml><?xml version="1.0" encoding="utf-8"?>
 <p:sld xmlns:a="http://schemas.openxmlformats.org/drawingml/2006/main" xmlns:r="http://schemas.openxmlformats.org/officeDocument/2006/relationships" xmlns:p="http://schemas.openxmlformats.org/presentationml/2006/main">
   <p:cSld>
     <p:spTree>
@@ -55487,258 +56536,7 @@
 </p:sld>
 </file>
 
-<file path=ppt/slides/slide34.xml><?xml version="1.0" encoding="utf-8"?>
-<p:sld xmlns:a="http://schemas.openxmlformats.org/drawingml/2006/main" xmlns:r="http://schemas.openxmlformats.org/officeDocument/2006/relationships" xmlns:p="http://schemas.openxmlformats.org/presentationml/2006/main">
-  <p:cSld>
-    <p:spTree>
-      <p:nvGrpSpPr>
-        <p:cNvPr id="1" name=""/>
-        <p:cNvGrpSpPr/>
-        <p:nvPr/>
-      </p:nvGrpSpPr>
-      <p:grpSpPr>
-        <a:xfrm>
-          <a:off x="0" y="0"/>
-          <a:ext cx="0" cy="0"/>
-          <a:chOff x="0" y="0"/>
-          <a:chExt cx="0" cy="0"/>
-        </a:xfrm>
-      </p:grpSpPr>
-      <p:sp>
-        <p:nvSpPr>
-          <p:cNvPr id="2" name="タイトル 1"/>
-          <p:cNvSpPr>
-            <a:spLocks noGrp="1"/>
-          </p:cNvSpPr>
-          <p:nvPr>
-            <p:ph type="title"/>
-          </p:nvPr>
-        </p:nvSpPr>
-        <p:spPr/>
-        <p:txBody>
-          <a:bodyPr/>
-          <a:lstStyle/>
-          <a:p>
-            <a:r>
-              <a:rPr kumimoji="1" lang="ja-JP" altLang="en-US" u="sng" dirty="0"/>
-              <a:t>ヤコブの</a:t>
-            </a:r>
-            <a:r>
-              <a:rPr kumimoji="1" lang="en-US" altLang="ja-JP" u="sng" dirty="0"/>
-              <a:t>10</a:t>
-            </a:r>
-            <a:r>
-              <a:rPr kumimoji="1" lang="ja-JP" altLang="en-US" u="sng" dirty="0"/>
-              <a:t>原則</a:t>
-            </a:r>
-          </a:p>
-        </p:txBody>
-      </p:sp>
-      <p:sp>
-        <p:nvSpPr>
-          <p:cNvPr id="3" name="コンテンツ プレースホルダー 2"/>
-          <p:cNvSpPr>
-            <a:spLocks noGrp="1"/>
-          </p:cNvSpPr>
-          <p:nvPr>
-            <p:ph idx="1"/>
-          </p:nvPr>
-        </p:nvSpPr>
-        <p:spPr/>
-        <p:txBody>
-          <a:bodyPr>
-            <a:normAutofit fontScale="85000" lnSpcReduction="20000"/>
-          </a:bodyPr>
-          <a:lstStyle/>
-          <a:p>
-            <a:pPr marL="0" indent="0" fontAlgn="base">
-              <a:buNone/>
-            </a:pPr>
-            <a:r>
-              <a:rPr lang="en-US" altLang="ja-JP" dirty="0"/>
-              <a:t>1: </a:t>
-            </a:r>
-            <a:r>
-              <a:rPr lang="ja-JP" altLang="en-US" dirty="0"/>
-              <a:t>システムの状態を可視化する </a:t>
-            </a:r>
-            <a:r>
-              <a:rPr lang="en-US" altLang="ja-JP" dirty="0"/>
-              <a:t>(Visibility of system status)</a:t>
-            </a:r>
-          </a:p>
-          <a:p>
-            <a:pPr marL="0" indent="0" fontAlgn="base">
-              <a:buNone/>
-            </a:pPr>
-            <a:r>
-              <a:rPr lang="en-US" altLang="ja-JP" dirty="0"/>
-              <a:t>2: </a:t>
-            </a:r>
-            <a:r>
-              <a:rPr lang="ja-JP" altLang="en-US" dirty="0"/>
-              <a:t>実世界とシステムをマッチングさせる </a:t>
-            </a:r>
-            <a:r>
-              <a:rPr lang="en-US" altLang="ja-JP" dirty="0"/>
-              <a:t>(Match between system and the real world)</a:t>
-            </a:r>
-          </a:p>
-          <a:p>
-            <a:pPr marL="0" indent="0" fontAlgn="base">
-              <a:buNone/>
-            </a:pPr>
-            <a:r>
-              <a:rPr lang="en-US" altLang="ja-JP" dirty="0"/>
-              <a:t>3: </a:t>
-            </a:r>
-            <a:r>
-              <a:rPr lang="ja-JP" altLang="en-US" dirty="0"/>
-              <a:t>ユーザに制御の主導権と自由を与える </a:t>
-            </a:r>
-            <a:r>
-              <a:rPr lang="en-US" altLang="ja-JP" dirty="0"/>
-              <a:t>(User control and freedom)</a:t>
-            </a:r>
-          </a:p>
-          <a:p>
-            <a:pPr marL="0" indent="0" fontAlgn="base">
-              <a:buNone/>
-            </a:pPr>
-            <a:r>
-              <a:rPr lang="en-US" altLang="ja-JP" dirty="0"/>
-              <a:t>4: </a:t>
-            </a:r>
-            <a:r>
-              <a:rPr lang="ja-JP" altLang="en-US" dirty="0"/>
-              <a:t>一貫性と標準性を保持する </a:t>
-            </a:r>
-            <a:r>
-              <a:rPr lang="en-US" altLang="ja-JP" dirty="0"/>
-              <a:t>(Consistency and standards)</a:t>
-            </a:r>
-          </a:p>
-          <a:p>
-            <a:pPr marL="0" indent="0" fontAlgn="base">
-              <a:buNone/>
-            </a:pPr>
-            <a:r>
-              <a:rPr lang="en-US" altLang="ja-JP" dirty="0"/>
-              <a:t>5: </a:t>
-            </a:r>
-            <a:r>
-              <a:rPr lang="ja-JP" altLang="en-US" dirty="0"/>
-              <a:t>エラーを起こさない </a:t>
-            </a:r>
-            <a:r>
-              <a:rPr lang="en-US" altLang="ja-JP" dirty="0"/>
-              <a:t>(Error prevention)</a:t>
-            </a:r>
-          </a:p>
-          <a:p>
-            <a:pPr marL="0" indent="0" fontAlgn="base">
-              <a:buNone/>
-            </a:pPr>
-            <a:r>
-              <a:rPr lang="en-US" altLang="ja-JP" dirty="0"/>
-              <a:t>6: </a:t>
-            </a:r>
-            <a:r>
-              <a:rPr lang="ja-JP" altLang="en-US" dirty="0"/>
-              <a:t>覚えなくても理解できるデザインにする </a:t>
-            </a:r>
-            <a:r>
-              <a:rPr lang="en-US" altLang="ja-JP" dirty="0"/>
-              <a:t>(Recognition rather than recall)</a:t>
-            </a:r>
-          </a:p>
-          <a:p>
-            <a:pPr marL="0" indent="0" fontAlgn="base">
-              <a:buNone/>
-            </a:pPr>
-            <a:r>
-              <a:rPr lang="en-US" altLang="ja-JP" dirty="0"/>
-              <a:t>7: </a:t>
-            </a:r>
-            <a:r>
-              <a:rPr lang="ja-JP" altLang="en-US" dirty="0"/>
-              <a:t>柔軟性と効率性をもたせる </a:t>
-            </a:r>
-            <a:r>
-              <a:rPr lang="en-US" altLang="ja-JP" dirty="0"/>
-              <a:t>(Flexibility and efficiency of use)</a:t>
-            </a:r>
-          </a:p>
-          <a:p>
-            <a:pPr marL="0" indent="0" fontAlgn="base">
-              <a:buNone/>
-            </a:pPr>
-            <a:r>
-              <a:rPr lang="en-US" altLang="ja-JP" dirty="0"/>
-              <a:t>8: </a:t>
-            </a:r>
-            <a:r>
-              <a:rPr lang="ja-JP" altLang="en-US" dirty="0"/>
-              <a:t>最小限で無駄のないデザインにする </a:t>
-            </a:r>
-            <a:r>
-              <a:rPr lang="en-US" altLang="ja-JP" dirty="0"/>
-              <a:t>(Aesthetic and minimalist design)</a:t>
-            </a:r>
-          </a:p>
-          <a:p>
-            <a:pPr marL="0" indent="0" fontAlgn="base">
-              <a:buNone/>
-            </a:pPr>
-            <a:r>
-              <a:rPr lang="en-US" altLang="ja-JP" dirty="0"/>
-              <a:t>9: </a:t>
-            </a:r>
-            <a:r>
-              <a:rPr lang="ja-JP" altLang="en-US" dirty="0"/>
-              <a:t>ユーザ自身で認識、診断、回復ができるようにする </a:t>
-            </a:r>
-            <a:r>
-              <a:rPr lang="en-US" altLang="ja-JP" dirty="0"/>
-              <a:t>(Help users recognize, diagnose, and recover from errors)</a:t>
-            </a:r>
-          </a:p>
-          <a:p>
-            <a:pPr marL="0" indent="0" fontAlgn="base">
-              <a:buNone/>
-            </a:pPr>
-            <a:r>
-              <a:rPr lang="en-US" altLang="ja-JP" dirty="0"/>
-              <a:t>10: </a:t>
-            </a:r>
-            <a:r>
-              <a:rPr lang="ja-JP" altLang="en-US" dirty="0"/>
-              <a:t>ヘルプとマニュアルを用意する </a:t>
-            </a:r>
-            <a:r>
-              <a:rPr lang="en-US" altLang="ja-JP" dirty="0"/>
-              <a:t>(Help and documentation)</a:t>
-            </a:r>
-          </a:p>
-          <a:p>
-            <a:endParaRPr kumimoji="1" lang="ja-JP" altLang="en-US" dirty="0"/>
-          </a:p>
-        </p:txBody>
-      </p:sp>
-    </p:spTree>
-    <p:extLst>
-      <p:ext uri="{BB962C8B-B14F-4D97-AF65-F5344CB8AC3E}">
-        <p14:creationId xmlns:p14="http://schemas.microsoft.com/office/powerpoint/2010/main" val="3070698731"/>
-      </p:ext>
-    </p:extLst>
-  </p:cSld>
-  <p:clrMapOvr>
-    <a:masterClrMapping/>
-  </p:clrMapOvr>
-</p:sld>
-</file>
-
-<file path=ppt/slides/slide35.xml><?xml version="1.0" encoding="utf-8"?>
+<file path=ppt/slides/slide38.xml><?xml version="1.0" encoding="utf-8"?>
 <p:sld xmlns:a="http://schemas.openxmlformats.org/drawingml/2006/main" xmlns:r="http://schemas.openxmlformats.org/officeDocument/2006/relationships" xmlns:p="http://schemas.openxmlformats.org/presentationml/2006/main">
   <p:cSld>
     <p:spTree>
@@ -55888,7 +56686,7 @@
 </p:sld>
 </file>
 
-<file path=ppt/slides/slide36.xml><?xml version="1.0" encoding="utf-8"?>
+<file path=ppt/slides/slide39.xml><?xml version="1.0" encoding="utf-8"?>
 <p:sld xmlns:a="http://schemas.openxmlformats.org/drawingml/2006/main" xmlns:r="http://schemas.openxmlformats.org/officeDocument/2006/relationships" xmlns:p="http://schemas.openxmlformats.org/presentationml/2006/main">
   <p:cSld>
     <p:spTree>
@@ -56148,7 +56946,133 @@
 </p:sld>
 </file>
 
-<file path=ppt/slides/slide37.xml><?xml version="1.0" encoding="utf-8"?>
+<file path=ppt/slides/slide4.xml><?xml version="1.0" encoding="utf-8"?>
+<p:sld xmlns:a="http://schemas.openxmlformats.org/drawingml/2006/main" xmlns:r="http://schemas.openxmlformats.org/officeDocument/2006/relationships" xmlns:p="http://schemas.openxmlformats.org/presentationml/2006/main">
+  <p:cSld>
+    <p:spTree>
+      <p:nvGrpSpPr>
+        <p:cNvPr id="1" name=""/>
+        <p:cNvGrpSpPr/>
+        <p:nvPr/>
+      </p:nvGrpSpPr>
+      <p:grpSpPr>
+        <a:xfrm>
+          <a:off x="0" y="0"/>
+          <a:ext cx="0" cy="0"/>
+          <a:chOff x="0" y="0"/>
+          <a:chExt cx="0" cy="0"/>
+        </a:xfrm>
+      </p:grpSpPr>
+      <p:sp>
+        <p:nvSpPr>
+          <p:cNvPr id="2" name="タイトル 1"/>
+          <p:cNvSpPr>
+            <a:spLocks noGrp="1"/>
+          </p:cNvSpPr>
+          <p:nvPr>
+            <p:ph type="title"/>
+          </p:nvPr>
+        </p:nvSpPr>
+        <p:spPr>
+          <a:xfrm>
+            <a:off x="838200" y="365126"/>
+            <a:ext cx="10515600" cy="761546"/>
+          </a:xfrm>
+        </p:spPr>
+        <p:txBody>
+          <a:bodyPr/>
+          <a:lstStyle/>
+          <a:p>
+            <a:r>
+              <a:rPr lang="ja-JP" altLang="en-US" dirty="0">
+                <a:latin typeface="HG丸ｺﾞｼｯｸM-PRO" panose="020F0600000000000000" pitchFamily="50" charset="-128"/>
+                <a:ea typeface="HG丸ｺﾞｼｯｸM-PRO" panose="020F0600000000000000" pitchFamily="50" charset="-128"/>
+              </a:rPr>
+              <a:t>研究概要</a:t>
+            </a:r>
+            <a:endParaRPr kumimoji="1" lang="ja-JP" altLang="en-US" dirty="0">
+              <a:latin typeface="HG丸ｺﾞｼｯｸM-PRO" panose="020F0600000000000000" pitchFamily="50" charset="-128"/>
+              <a:ea typeface="HG丸ｺﾞｼｯｸM-PRO" panose="020F0600000000000000" pitchFamily="50" charset="-128"/>
+            </a:endParaRPr>
+          </a:p>
+        </p:txBody>
+      </p:sp>
+      <p:graphicFrame>
+        <p:nvGraphicFramePr>
+          <p:cNvPr id="9" name="コンテンツ プレースホルダー 2">
+            <a:extLst>
+              <a:ext uri="{FF2B5EF4-FFF2-40B4-BE49-F238E27FC236}">
+                <a16:creationId xmlns:a16="http://schemas.microsoft.com/office/drawing/2014/main" id="{135544FC-55CA-42E8-8D13-37DB50853A3B}"/>
+              </a:ext>
+            </a:extLst>
+          </p:cNvPr>
+          <p:cNvGraphicFramePr>
+            <a:graphicFrameLocks noGrp="1"/>
+          </p:cNvGraphicFramePr>
+          <p:nvPr>
+            <p:ph idx="1"/>
+            <p:extLst>
+              <p:ext uri="{D42A27DB-BD31-4B8C-83A1-F6EECF244321}">
+                <p14:modId xmlns:p14="http://schemas.microsoft.com/office/powerpoint/2010/main" val="1324369440"/>
+              </p:ext>
+            </p:extLst>
+          </p:nvPr>
+        </p:nvGraphicFramePr>
+        <p:xfrm>
+          <a:off x="838200" y="1564368"/>
+          <a:ext cx="10515600" cy="4787446"/>
+        </p:xfrm>
+        <a:graphic>
+          <a:graphicData uri="http://schemas.openxmlformats.org/drawingml/2006/diagram">
+            <dgm:relIds xmlns:dgm="http://schemas.openxmlformats.org/drawingml/2006/diagram" xmlns:r="http://schemas.openxmlformats.org/officeDocument/2006/relationships" r:dm="rId2" r:lo="rId3" r:qs="rId4" r:cs="rId5"/>
+          </a:graphicData>
+        </a:graphic>
+      </p:graphicFrame>
+      <p:cxnSp>
+        <p:nvCxnSpPr>
+          <p:cNvPr id="5" name="直線コネクタ 4"/>
+          <p:cNvCxnSpPr/>
+          <p:nvPr/>
+        </p:nvCxnSpPr>
+        <p:spPr>
+          <a:xfrm>
+            <a:off x="838200" y="1126672"/>
+            <a:ext cx="10515600" cy="0"/>
+          </a:xfrm>
+          <a:prstGeom prst="line">
+            <a:avLst/>
+          </a:prstGeom>
+          <a:ln w="76200"/>
+        </p:spPr>
+        <p:style>
+          <a:lnRef idx="1">
+            <a:schemeClr val="accent1"/>
+          </a:lnRef>
+          <a:fillRef idx="0">
+            <a:schemeClr val="accent1"/>
+          </a:fillRef>
+          <a:effectRef idx="0">
+            <a:schemeClr val="accent1"/>
+          </a:effectRef>
+          <a:fontRef idx="minor">
+            <a:schemeClr val="tx1"/>
+          </a:fontRef>
+        </p:style>
+      </p:cxnSp>
+    </p:spTree>
+    <p:extLst>
+      <p:ext uri="{BB962C8B-B14F-4D97-AF65-F5344CB8AC3E}">
+        <p14:creationId xmlns:p14="http://schemas.microsoft.com/office/powerpoint/2010/main" val="3749029901"/>
+      </p:ext>
+    </p:extLst>
+  </p:cSld>
+  <p:clrMapOvr>
+    <a:masterClrMapping/>
+  </p:clrMapOvr>
+</p:sld>
+</file>
+
+<file path=ppt/slides/slide40.xml><?xml version="1.0" encoding="utf-8"?>
 <p:sld xmlns:a="http://schemas.openxmlformats.org/drawingml/2006/main" xmlns:r="http://schemas.openxmlformats.org/officeDocument/2006/relationships" xmlns:p="http://schemas.openxmlformats.org/presentationml/2006/main">
   <p:cSld>
     <p:spTree>
@@ -56354,7 +57278,258 @@
 </p:sld>
 </file>
 
-<file path=ppt/slides/slide38.xml><?xml version="1.0" encoding="utf-8"?>
+<file path=ppt/slides/slide41.xml><?xml version="1.0" encoding="utf-8"?>
+<p:sld xmlns:a="http://schemas.openxmlformats.org/drawingml/2006/main" xmlns:r="http://schemas.openxmlformats.org/officeDocument/2006/relationships" xmlns:p="http://schemas.openxmlformats.org/presentationml/2006/main">
+  <p:cSld>
+    <p:spTree>
+      <p:nvGrpSpPr>
+        <p:cNvPr id="1" name=""/>
+        <p:cNvGrpSpPr/>
+        <p:nvPr/>
+      </p:nvGrpSpPr>
+      <p:grpSpPr>
+        <a:xfrm>
+          <a:off x="0" y="0"/>
+          <a:ext cx="0" cy="0"/>
+          <a:chOff x="0" y="0"/>
+          <a:chExt cx="0" cy="0"/>
+        </a:xfrm>
+      </p:grpSpPr>
+      <p:sp>
+        <p:nvSpPr>
+          <p:cNvPr id="2" name="タイトル 1"/>
+          <p:cNvSpPr>
+            <a:spLocks noGrp="1"/>
+          </p:cNvSpPr>
+          <p:nvPr>
+            <p:ph type="title"/>
+          </p:nvPr>
+        </p:nvSpPr>
+        <p:spPr/>
+        <p:txBody>
+          <a:bodyPr/>
+          <a:lstStyle/>
+          <a:p>
+            <a:r>
+              <a:rPr kumimoji="1" lang="ja-JP" altLang="en-US" u="sng" dirty="0"/>
+              <a:t>ヤコブの</a:t>
+            </a:r>
+            <a:r>
+              <a:rPr kumimoji="1" lang="en-US" altLang="ja-JP" u="sng" dirty="0"/>
+              <a:t>10</a:t>
+            </a:r>
+            <a:r>
+              <a:rPr kumimoji="1" lang="ja-JP" altLang="en-US" u="sng" dirty="0"/>
+              <a:t>原則</a:t>
+            </a:r>
+          </a:p>
+        </p:txBody>
+      </p:sp>
+      <p:sp>
+        <p:nvSpPr>
+          <p:cNvPr id="3" name="コンテンツ プレースホルダー 2"/>
+          <p:cNvSpPr>
+            <a:spLocks noGrp="1"/>
+          </p:cNvSpPr>
+          <p:nvPr>
+            <p:ph idx="1"/>
+          </p:nvPr>
+        </p:nvSpPr>
+        <p:spPr/>
+        <p:txBody>
+          <a:bodyPr>
+            <a:normAutofit fontScale="85000" lnSpcReduction="20000"/>
+          </a:bodyPr>
+          <a:lstStyle/>
+          <a:p>
+            <a:pPr marL="0" indent="0" fontAlgn="base">
+              <a:buNone/>
+            </a:pPr>
+            <a:r>
+              <a:rPr lang="en-US" altLang="ja-JP" dirty="0"/>
+              <a:t>1: </a:t>
+            </a:r>
+            <a:r>
+              <a:rPr lang="ja-JP" altLang="en-US" dirty="0"/>
+              <a:t>システムの状態を可視化する </a:t>
+            </a:r>
+            <a:r>
+              <a:rPr lang="en-US" altLang="ja-JP" dirty="0"/>
+              <a:t>(Visibility of system status)</a:t>
+            </a:r>
+          </a:p>
+          <a:p>
+            <a:pPr marL="0" indent="0" fontAlgn="base">
+              <a:buNone/>
+            </a:pPr>
+            <a:r>
+              <a:rPr lang="en-US" altLang="ja-JP" dirty="0"/>
+              <a:t>2: </a:t>
+            </a:r>
+            <a:r>
+              <a:rPr lang="ja-JP" altLang="en-US" dirty="0"/>
+              <a:t>実世界とシステムをマッチングさせる </a:t>
+            </a:r>
+            <a:r>
+              <a:rPr lang="en-US" altLang="ja-JP" dirty="0"/>
+              <a:t>(Match between system and the real world)</a:t>
+            </a:r>
+          </a:p>
+          <a:p>
+            <a:pPr marL="0" indent="0" fontAlgn="base">
+              <a:buNone/>
+            </a:pPr>
+            <a:r>
+              <a:rPr lang="en-US" altLang="ja-JP" dirty="0"/>
+              <a:t>3: </a:t>
+            </a:r>
+            <a:r>
+              <a:rPr lang="ja-JP" altLang="en-US" dirty="0"/>
+              <a:t>ユーザに制御の主導権と自由を与える </a:t>
+            </a:r>
+            <a:r>
+              <a:rPr lang="en-US" altLang="ja-JP" dirty="0"/>
+              <a:t>(User control and freedom)</a:t>
+            </a:r>
+          </a:p>
+          <a:p>
+            <a:pPr marL="0" indent="0" fontAlgn="base">
+              <a:buNone/>
+            </a:pPr>
+            <a:r>
+              <a:rPr lang="en-US" altLang="ja-JP" dirty="0"/>
+              <a:t>4: </a:t>
+            </a:r>
+            <a:r>
+              <a:rPr lang="ja-JP" altLang="en-US" dirty="0"/>
+              <a:t>一貫性と標準性を保持する </a:t>
+            </a:r>
+            <a:r>
+              <a:rPr lang="en-US" altLang="ja-JP" dirty="0"/>
+              <a:t>(Consistency and standards)</a:t>
+            </a:r>
+          </a:p>
+          <a:p>
+            <a:pPr marL="0" indent="0" fontAlgn="base">
+              <a:buNone/>
+            </a:pPr>
+            <a:r>
+              <a:rPr lang="en-US" altLang="ja-JP" dirty="0"/>
+              <a:t>5: </a:t>
+            </a:r>
+            <a:r>
+              <a:rPr lang="ja-JP" altLang="en-US" dirty="0"/>
+              <a:t>エラーを起こさない </a:t>
+            </a:r>
+            <a:r>
+              <a:rPr lang="en-US" altLang="ja-JP" dirty="0"/>
+              <a:t>(Error prevention)</a:t>
+            </a:r>
+          </a:p>
+          <a:p>
+            <a:pPr marL="0" indent="0" fontAlgn="base">
+              <a:buNone/>
+            </a:pPr>
+            <a:r>
+              <a:rPr lang="en-US" altLang="ja-JP" dirty="0"/>
+              <a:t>6: </a:t>
+            </a:r>
+            <a:r>
+              <a:rPr lang="ja-JP" altLang="en-US" dirty="0"/>
+              <a:t>覚えなくても理解できるデザインにする </a:t>
+            </a:r>
+            <a:r>
+              <a:rPr lang="en-US" altLang="ja-JP" dirty="0"/>
+              <a:t>(Recognition rather than recall)</a:t>
+            </a:r>
+          </a:p>
+          <a:p>
+            <a:pPr marL="0" indent="0" fontAlgn="base">
+              <a:buNone/>
+            </a:pPr>
+            <a:r>
+              <a:rPr lang="en-US" altLang="ja-JP" dirty="0"/>
+              <a:t>7: </a:t>
+            </a:r>
+            <a:r>
+              <a:rPr lang="ja-JP" altLang="en-US" dirty="0"/>
+              <a:t>柔軟性と効率性をもたせる </a:t>
+            </a:r>
+            <a:r>
+              <a:rPr lang="en-US" altLang="ja-JP" dirty="0"/>
+              <a:t>(Flexibility and efficiency of use)</a:t>
+            </a:r>
+          </a:p>
+          <a:p>
+            <a:pPr marL="0" indent="0" fontAlgn="base">
+              <a:buNone/>
+            </a:pPr>
+            <a:r>
+              <a:rPr lang="en-US" altLang="ja-JP" dirty="0"/>
+              <a:t>8: </a:t>
+            </a:r>
+            <a:r>
+              <a:rPr lang="ja-JP" altLang="en-US" dirty="0"/>
+              <a:t>最小限で無駄のないデザインにする </a:t>
+            </a:r>
+            <a:r>
+              <a:rPr lang="en-US" altLang="ja-JP" dirty="0"/>
+              <a:t>(Aesthetic and minimalist design)</a:t>
+            </a:r>
+          </a:p>
+          <a:p>
+            <a:pPr marL="0" indent="0" fontAlgn="base">
+              <a:buNone/>
+            </a:pPr>
+            <a:r>
+              <a:rPr lang="en-US" altLang="ja-JP" dirty="0"/>
+              <a:t>9: </a:t>
+            </a:r>
+            <a:r>
+              <a:rPr lang="ja-JP" altLang="en-US" dirty="0"/>
+              <a:t>ユーザ自身で認識、診断、回復ができるようにする </a:t>
+            </a:r>
+            <a:r>
+              <a:rPr lang="en-US" altLang="ja-JP" dirty="0"/>
+              <a:t>(Help users recognize, diagnose, and recover from errors)</a:t>
+            </a:r>
+          </a:p>
+          <a:p>
+            <a:pPr marL="0" indent="0" fontAlgn="base">
+              <a:buNone/>
+            </a:pPr>
+            <a:r>
+              <a:rPr lang="en-US" altLang="ja-JP" dirty="0"/>
+              <a:t>10: </a:t>
+            </a:r>
+            <a:r>
+              <a:rPr lang="ja-JP" altLang="en-US" dirty="0"/>
+              <a:t>ヘルプとマニュアルを用意する </a:t>
+            </a:r>
+            <a:r>
+              <a:rPr lang="en-US" altLang="ja-JP" dirty="0"/>
+              <a:t>(Help and documentation)</a:t>
+            </a:r>
+          </a:p>
+          <a:p>
+            <a:endParaRPr kumimoji="1" lang="ja-JP" altLang="en-US" dirty="0"/>
+          </a:p>
+        </p:txBody>
+      </p:sp>
+    </p:spTree>
+    <p:extLst>
+      <p:ext uri="{BB962C8B-B14F-4D97-AF65-F5344CB8AC3E}">
+        <p14:creationId xmlns:p14="http://schemas.microsoft.com/office/powerpoint/2010/main" val="3070698731"/>
+      </p:ext>
+    </p:extLst>
+  </p:cSld>
+  <p:clrMapOvr>
+    <a:masterClrMapping/>
+  </p:clrMapOvr>
+</p:sld>
+</file>
+
+<file path=ppt/slides/slide42.xml><?xml version="1.0" encoding="utf-8"?>
 <p:sld xmlns:a="http://schemas.openxmlformats.org/drawingml/2006/main" xmlns:r="http://schemas.openxmlformats.org/officeDocument/2006/relationships" xmlns:p="http://schemas.openxmlformats.org/presentationml/2006/main">
   <p:cSld>
     <p:spTree>
@@ -56425,7 +57600,7 @@
 </p:sld>
 </file>
 
-<file path=ppt/slides/slide39.xml><?xml version="1.0" encoding="utf-8"?>
+<file path=ppt/slides/slide43.xml><?xml version="1.0" encoding="utf-8"?>
 <p:sld xmlns:a="http://schemas.openxmlformats.org/drawingml/2006/main" xmlns:r="http://schemas.openxmlformats.org/officeDocument/2006/relationships" xmlns:p="http://schemas.openxmlformats.org/presentationml/2006/main">
   <p:cSld>
     <p:spTree>
@@ -56496,133 +57671,7 @@
 </p:sld>
 </file>
 
-<file path=ppt/slides/slide4.xml><?xml version="1.0" encoding="utf-8"?>
-<p:sld xmlns:a="http://schemas.openxmlformats.org/drawingml/2006/main" xmlns:r="http://schemas.openxmlformats.org/officeDocument/2006/relationships" xmlns:p="http://schemas.openxmlformats.org/presentationml/2006/main">
-  <p:cSld>
-    <p:spTree>
-      <p:nvGrpSpPr>
-        <p:cNvPr id="1" name=""/>
-        <p:cNvGrpSpPr/>
-        <p:nvPr/>
-      </p:nvGrpSpPr>
-      <p:grpSpPr>
-        <a:xfrm>
-          <a:off x="0" y="0"/>
-          <a:ext cx="0" cy="0"/>
-          <a:chOff x="0" y="0"/>
-          <a:chExt cx="0" cy="0"/>
-        </a:xfrm>
-      </p:grpSpPr>
-      <p:sp>
-        <p:nvSpPr>
-          <p:cNvPr id="2" name="タイトル 1"/>
-          <p:cNvSpPr>
-            <a:spLocks noGrp="1"/>
-          </p:cNvSpPr>
-          <p:nvPr>
-            <p:ph type="title"/>
-          </p:nvPr>
-        </p:nvSpPr>
-        <p:spPr>
-          <a:xfrm>
-            <a:off x="838200" y="365126"/>
-            <a:ext cx="10515600" cy="761546"/>
-          </a:xfrm>
-        </p:spPr>
-        <p:txBody>
-          <a:bodyPr/>
-          <a:lstStyle/>
-          <a:p>
-            <a:r>
-              <a:rPr lang="ja-JP" altLang="en-US" dirty="0">
-                <a:latin typeface="HG丸ｺﾞｼｯｸM-PRO" panose="020F0600000000000000" pitchFamily="50" charset="-128"/>
-                <a:ea typeface="HG丸ｺﾞｼｯｸM-PRO" panose="020F0600000000000000" pitchFamily="50" charset="-128"/>
-              </a:rPr>
-              <a:t>研究概要</a:t>
-            </a:r>
-            <a:endParaRPr kumimoji="1" lang="ja-JP" altLang="en-US" dirty="0">
-              <a:latin typeface="HG丸ｺﾞｼｯｸM-PRO" panose="020F0600000000000000" pitchFamily="50" charset="-128"/>
-              <a:ea typeface="HG丸ｺﾞｼｯｸM-PRO" panose="020F0600000000000000" pitchFamily="50" charset="-128"/>
-            </a:endParaRPr>
-          </a:p>
-        </p:txBody>
-      </p:sp>
-      <p:graphicFrame>
-        <p:nvGraphicFramePr>
-          <p:cNvPr id="9" name="コンテンツ プレースホルダー 2">
-            <a:extLst>
-              <a:ext uri="{FF2B5EF4-FFF2-40B4-BE49-F238E27FC236}">
-                <a16:creationId xmlns:a16="http://schemas.microsoft.com/office/drawing/2014/main" id="{135544FC-55CA-42E8-8D13-37DB50853A3B}"/>
-              </a:ext>
-            </a:extLst>
-          </p:cNvPr>
-          <p:cNvGraphicFramePr>
-            <a:graphicFrameLocks noGrp="1"/>
-          </p:cNvGraphicFramePr>
-          <p:nvPr>
-            <p:ph idx="1"/>
-            <p:extLst>
-              <p:ext uri="{D42A27DB-BD31-4B8C-83A1-F6EECF244321}">
-                <p14:modId xmlns:p14="http://schemas.microsoft.com/office/powerpoint/2010/main" val="1324369440"/>
-              </p:ext>
-            </p:extLst>
-          </p:nvPr>
-        </p:nvGraphicFramePr>
-        <p:xfrm>
-          <a:off x="838200" y="1564368"/>
-          <a:ext cx="10515600" cy="4787446"/>
-        </p:xfrm>
-        <a:graphic>
-          <a:graphicData uri="http://schemas.openxmlformats.org/drawingml/2006/diagram">
-            <dgm:relIds xmlns:dgm="http://schemas.openxmlformats.org/drawingml/2006/diagram" xmlns:r="http://schemas.openxmlformats.org/officeDocument/2006/relationships" r:dm="rId2" r:lo="rId3" r:qs="rId4" r:cs="rId5"/>
-          </a:graphicData>
-        </a:graphic>
-      </p:graphicFrame>
-      <p:cxnSp>
-        <p:nvCxnSpPr>
-          <p:cNvPr id="5" name="直線コネクタ 4"/>
-          <p:cNvCxnSpPr/>
-          <p:nvPr/>
-        </p:nvCxnSpPr>
-        <p:spPr>
-          <a:xfrm>
-            <a:off x="838200" y="1126672"/>
-            <a:ext cx="10515600" cy="0"/>
-          </a:xfrm>
-          <a:prstGeom prst="line">
-            <a:avLst/>
-          </a:prstGeom>
-          <a:ln w="76200"/>
-        </p:spPr>
-        <p:style>
-          <a:lnRef idx="1">
-            <a:schemeClr val="accent1"/>
-          </a:lnRef>
-          <a:fillRef idx="0">
-            <a:schemeClr val="accent1"/>
-          </a:fillRef>
-          <a:effectRef idx="0">
-            <a:schemeClr val="accent1"/>
-          </a:effectRef>
-          <a:fontRef idx="minor">
-            <a:schemeClr val="tx1"/>
-          </a:fontRef>
-        </p:style>
-      </p:cxnSp>
-    </p:spTree>
-    <p:extLst>
-      <p:ext uri="{BB962C8B-B14F-4D97-AF65-F5344CB8AC3E}">
-        <p14:creationId xmlns:p14="http://schemas.microsoft.com/office/powerpoint/2010/main" val="3749029901"/>
-      </p:ext>
-    </p:extLst>
-  </p:cSld>
-  <p:clrMapOvr>
-    <a:masterClrMapping/>
-  </p:clrMapOvr>
-</p:sld>
-</file>
-
-<file path=ppt/slides/slide40.xml><?xml version="1.0" encoding="utf-8"?>
+<file path=ppt/slides/slide44.xml><?xml version="1.0" encoding="utf-8"?>
 <p:sld xmlns:a="http://schemas.openxmlformats.org/drawingml/2006/main" xmlns:r="http://schemas.openxmlformats.org/officeDocument/2006/relationships" xmlns:p="http://schemas.openxmlformats.org/presentationml/2006/main">
   <p:cSld>
     <p:spTree>
@@ -56903,6 +57952,359 @@
 </p:sld>
 </file>
 
+<file path=ppt/slides/slide45.xml><?xml version="1.0" encoding="utf-8"?>
+<p:sld xmlns:a="http://schemas.openxmlformats.org/drawingml/2006/main" xmlns:r="http://schemas.openxmlformats.org/officeDocument/2006/relationships" xmlns:p="http://schemas.openxmlformats.org/presentationml/2006/main">
+  <p:cSld>
+    <p:spTree>
+      <p:nvGrpSpPr>
+        <p:cNvPr id="1" name=""/>
+        <p:cNvGrpSpPr/>
+        <p:nvPr/>
+      </p:nvGrpSpPr>
+      <p:grpSpPr>
+        <a:xfrm>
+          <a:off x="0" y="0"/>
+          <a:ext cx="0" cy="0"/>
+          <a:chOff x="0" y="0"/>
+          <a:chExt cx="0" cy="0"/>
+        </a:xfrm>
+      </p:grpSpPr>
+      <p:sp>
+        <p:nvSpPr>
+          <p:cNvPr id="3" name="コンテンツ プレースホルダー 2"/>
+          <p:cNvSpPr>
+            <a:spLocks noGrp="1"/>
+          </p:cNvSpPr>
+          <p:nvPr>
+            <p:ph idx="1"/>
+          </p:nvPr>
+        </p:nvSpPr>
+        <p:spPr>
+          <a:xfrm>
+            <a:off x="838200" y="1289956"/>
+            <a:ext cx="10515600" cy="5355773"/>
+          </a:xfrm>
+        </p:spPr>
+        <p:txBody>
+          <a:bodyPr>
+            <a:normAutofit/>
+          </a:bodyPr>
+          <a:lstStyle/>
+          <a:p>
+            <a:pPr marL="742950" indent="-742950">
+              <a:buFont typeface="+mj-lt"/>
+              <a:buAutoNum type="alphaUcParenR" startAt="3"/>
+            </a:pPr>
+            <a:r>
+              <a:rPr lang="ja-JP" altLang="en-US" sz="3600" dirty="0">
+                <a:effectLst>
+                  <a:outerShdw blurRad="38100" dist="38100" dir="2700000" algn="tl">
+                    <a:srgbClr val="000000">
+                      <a:alpha val="43137"/>
+                    </a:srgbClr>
+                  </a:outerShdw>
+                </a:effectLst>
+              </a:rPr>
+              <a:t>ヒューリスティック分析</a:t>
+            </a:r>
+            <a:endParaRPr kumimoji="1" lang="en-US" altLang="ja-JP" sz="3600" dirty="0">
+              <a:effectLst>
+                <a:outerShdw blurRad="38100" dist="38100" dir="2700000" algn="tl">
+                  <a:srgbClr val="000000">
+                    <a:alpha val="43137"/>
+                  </a:srgbClr>
+                </a:outerShdw>
+              </a:effectLst>
+            </a:endParaRPr>
+          </a:p>
+          <a:p>
+            <a:pPr marL="0" indent="0">
+              <a:buNone/>
+            </a:pPr>
+            <a:r>
+              <a:rPr lang="ja-JP" altLang="en-US" dirty="0"/>
+              <a:t>　</a:t>
+            </a:r>
+            <a:r>
+              <a:rPr lang="ja-JP" altLang="en-US" sz="2400" u="sng" dirty="0"/>
+              <a:t>対象：無限大キャンパス トップ画面</a:t>
+            </a:r>
+            <a:endParaRPr lang="en-US" altLang="ja-JP" sz="2400" u="sng" dirty="0"/>
+          </a:p>
+          <a:p>
+            <a:pPr marL="0" indent="0">
+              <a:buNone/>
+            </a:pPr>
+            <a:r>
+              <a:rPr lang="ja-JP" altLang="en-US" dirty="0"/>
+              <a:t>　ヤコブ・ニールセン</a:t>
+            </a:r>
+            <a:r>
+              <a:rPr lang="en-US" altLang="ja-JP" dirty="0"/>
+              <a:t>『</a:t>
+            </a:r>
+            <a:r>
+              <a:rPr lang="ja-JP" altLang="en-US" dirty="0"/>
+              <a:t>ユーザビリティ</a:t>
+            </a:r>
+            <a:r>
+              <a:rPr lang="en-US" altLang="ja-JP" dirty="0"/>
+              <a:t>10</a:t>
+            </a:r>
+            <a:r>
+              <a:rPr lang="ja-JP" altLang="en-US" dirty="0"/>
+              <a:t>原則</a:t>
+            </a:r>
+            <a:r>
+              <a:rPr lang="en-US" altLang="ja-JP" dirty="0"/>
+              <a:t>』</a:t>
+            </a:r>
+            <a:r>
+              <a:rPr lang="ja-JP" altLang="en-US" dirty="0"/>
+              <a:t>を用いた調査を行った。</a:t>
+            </a:r>
+            <a:r>
+              <a:rPr lang="ja-JP" altLang="en-US" sz="2000" dirty="0"/>
+              <a:t>（先行研究</a:t>
+            </a:r>
+            <a:r>
+              <a:rPr lang="en-US" altLang="ja-JP" sz="2000" dirty="0"/>
+              <a:t>〔https://u-site.jp/</a:t>
+            </a:r>
+            <a:r>
+              <a:rPr lang="en-US" altLang="ja-JP" sz="2000" dirty="0" err="1"/>
+              <a:t>alertbox</a:t>
+            </a:r>
+            <a:r>
+              <a:rPr lang="en-US" altLang="ja-JP" sz="2000" dirty="0"/>
+              <a:t>/ten-usability-heuristics〕</a:t>
+            </a:r>
+            <a:r>
+              <a:rPr lang="ja-JP" altLang="en-US" sz="2000" dirty="0"/>
+              <a:t>）</a:t>
+            </a:r>
+            <a:endParaRPr lang="en-US" altLang="ja-JP" sz="2000" dirty="0"/>
+          </a:p>
+          <a:p>
+            <a:pPr marL="0" indent="0">
+              <a:buNone/>
+            </a:pPr>
+            <a:endParaRPr lang="en-US" altLang="ja-JP" dirty="0"/>
+          </a:p>
+          <a:p>
+            <a:pPr marL="0" indent="0">
+              <a:buNone/>
+            </a:pPr>
+            <a:endParaRPr lang="en-US" altLang="ja-JP" dirty="0"/>
+          </a:p>
+          <a:p>
+            <a:pPr marL="0" indent="0">
+              <a:buNone/>
+            </a:pPr>
+            <a:r>
+              <a:rPr lang="ja-JP" altLang="en-US" dirty="0"/>
+              <a:t>結論</a:t>
+            </a:r>
+            <a:r>
+              <a:rPr lang="ja-JP" altLang="en-US" dirty="0" smtClean="0"/>
+              <a:t>：表示に柔軟性がない</a:t>
+            </a:r>
+            <a:endParaRPr lang="en-US" altLang="ja-JP" dirty="0"/>
+          </a:p>
+          <a:p>
+            <a:pPr marL="0" indent="0">
+              <a:buNone/>
+            </a:pPr>
+            <a:endParaRPr lang="en-US" altLang="ja-JP" dirty="0"/>
+          </a:p>
+        </p:txBody>
+      </p:sp>
+      <p:sp>
+        <p:nvSpPr>
+          <p:cNvPr id="4" name="タイトル 1"/>
+          <p:cNvSpPr txBox="1">
+            <a:spLocks/>
+          </p:cNvSpPr>
+          <p:nvPr/>
+        </p:nvSpPr>
+        <p:spPr>
+          <a:xfrm>
+            <a:off x="838200" y="365126"/>
+            <a:ext cx="10515600" cy="761546"/>
+          </a:xfrm>
+          <a:prstGeom prst="rect">
+            <a:avLst/>
+          </a:prstGeom>
+        </p:spPr>
+        <p:txBody>
+          <a:bodyPr vert="horz" lIns="91440" tIns="45720" rIns="91440" bIns="45720" rtlCol="0" anchor="ctr">
+            <a:normAutofit/>
+          </a:bodyPr>
+          <a:lstStyle>
+            <a:lvl1pPr algn="l" defTabSz="914400" rtl="0" eaLnBrk="1" latinLnBrk="0" hangingPunct="1">
+              <a:lnSpc>
+                <a:spcPct val="90000"/>
+              </a:lnSpc>
+              <a:spcBef>
+                <a:spcPct val="0"/>
+              </a:spcBef>
+              <a:buNone/>
+              <a:defRPr kumimoji="1" sz="4400" kern="1200">
+                <a:solidFill>
+                  <a:schemeClr val="tx1"/>
+                </a:solidFill>
+                <a:latin typeface="+mj-lt"/>
+                <a:ea typeface="+mj-ea"/>
+                <a:cs typeface="+mj-cs"/>
+              </a:defRPr>
+            </a:lvl1pPr>
+          </a:lstStyle>
+          <a:p>
+            <a:r>
+              <a:rPr lang="ja-JP" altLang="en-US" dirty="0">
+                <a:latin typeface="HG丸ｺﾞｼｯｸM-PRO" panose="020F0600000000000000" pitchFamily="50" charset="-128"/>
+                <a:ea typeface="HG丸ｺﾞｼｯｸM-PRO" panose="020F0600000000000000" pitchFamily="50" charset="-128"/>
+              </a:rPr>
+              <a:t>デザイン調査</a:t>
+            </a:r>
+          </a:p>
+        </p:txBody>
+      </p:sp>
+      <p:cxnSp>
+        <p:nvCxnSpPr>
+          <p:cNvPr id="6" name="直線コネクタ 5"/>
+          <p:cNvCxnSpPr/>
+          <p:nvPr/>
+        </p:nvCxnSpPr>
+        <p:spPr>
+          <a:xfrm>
+            <a:off x="838200" y="1126672"/>
+            <a:ext cx="10515600" cy="0"/>
+          </a:xfrm>
+          <a:prstGeom prst="line">
+            <a:avLst/>
+          </a:prstGeom>
+          <a:ln w="76200"/>
+        </p:spPr>
+        <p:style>
+          <a:lnRef idx="1">
+            <a:schemeClr val="accent1"/>
+          </a:lnRef>
+          <a:fillRef idx="0">
+            <a:schemeClr val="accent1"/>
+          </a:fillRef>
+          <a:effectRef idx="0">
+            <a:schemeClr val="accent1"/>
+          </a:effectRef>
+          <a:fontRef idx="minor">
+            <a:schemeClr val="tx1"/>
+          </a:fontRef>
+        </p:style>
+      </p:cxnSp>
+    </p:spTree>
+    <p:extLst>
+      <p:ext uri="{BB962C8B-B14F-4D97-AF65-F5344CB8AC3E}">
+        <p14:creationId xmlns:p14="http://schemas.microsoft.com/office/powerpoint/2010/main" val="1830119171"/>
+      </p:ext>
+    </p:extLst>
+  </p:cSld>
+  <p:clrMapOvr>
+    <a:masterClrMapping/>
+  </p:clrMapOvr>
+  <p:timing>
+    <p:tnLst>
+      <p:par>
+        <p:cTn id="1" dur="indefinite" restart="never" nodeType="tmRoot">
+          <p:childTnLst>
+            <p:seq concurrent="1" nextAc="seek">
+              <p:cTn id="2" dur="indefinite" nodeType="mainSeq">
+                <p:childTnLst>
+                  <p:par>
+                    <p:cTn id="3" fill="hold">
+                      <p:stCondLst>
+                        <p:cond delay="indefinite"/>
+                      </p:stCondLst>
+                      <p:childTnLst>
+                        <p:par>
+                          <p:cTn id="4" fill="hold">
+                            <p:stCondLst>
+                              <p:cond delay="0"/>
+                            </p:stCondLst>
+                            <p:childTnLst>
+                              <p:par>
+                                <p:cTn id="5" presetID="10" presetClass="entr" presetSubtype="0" fill="hold" nodeType="clickEffect">
+                                  <p:stCondLst>
+                                    <p:cond delay="0"/>
+                                  </p:stCondLst>
+                                  <p:childTnLst>
+                                    <p:set>
+                                      <p:cBhvr>
+                                        <p:cTn id="6" dur="1" fill="hold">
+                                          <p:stCondLst>
+                                            <p:cond delay="0"/>
+                                          </p:stCondLst>
+                                        </p:cTn>
+                                        <p:tgtEl>
+                                          <p:spTgt spid="3">
+                                            <p:txEl>
+                                              <p:pRg st="5" end="5"/>
+                                            </p:txEl>
+                                          </p:spTgt>
+                                        </p:tgtEl>
+                                        <p:attrNameLst>
+                                          <p:attrName>style.visibility</p:attrName>
+                                        </p:attrNameLst>
+                                      </p:cBhvr>
+                                      <p:to>
+                                        <p:strVal val="visible"/>
+                                      </p:to>
+                                    </p:set>
+                                    <p:animEffect transition="in" filter="fade">
+                                      <p:cBhvr>
+                                        <p:cTn id="7" dur="500"/>
+                                        <p:tgtEl>
+                                          <p:spTgt spid="3">
+                                            <p:txEl>
+                                              <p:pRg st="5" end="5"/>
+                                            </p:txEl>
+                                          </p:spTgt>
+                                        </p:tgtEl>
+                                      </p:cBhvr>
+                                    </p:animEffect>
+                                  </p:childTnLst>
+                                </p:cTn>
+                              </p:par>
+                            </p:childTnLst>
+                          </p:cTn>
+                        </p:par>
+                      </p:childTnLst>
+                    </p:cTn>
+                  </p:par>
+                </p:childTnLst>
+              </p:cTn>
+              <p:prevCondLst>
+                <p:cond evt="onPrev" delay="0">
+                  <p:tgtEl>
+                    <p:sldTgt/>
+                  </p:tgtEl>
+                </p:cond>
+              </p:prevCondLst>
+              <p:nextCondLst>
+                <p:cond evt="onNext" delay="0">
+                  <p:tgtEl>
+                    <p:sldTgt/>
+                  </p:tgtEl>
+                </p:cond>
+              </p:nextCondLst>
+            </p:seq>
+          </p:childTnLst>
+        </p:cTn>
+      </p:par>
+    </p:tnLst>
+  </p:timing>
+</p:sld>
+</file>
+
 <file path=ppt/slides/slide5.xml><?xml version="1.0" encoding="utf-8"?>
 <p:sld xmlns:a="http://schemas.openxmlformats.org/drawingml/2006/main" xmlns:r="http://schemas.openxmlformats.org/officeDocument/2006/relationships" xmlns:p="http://schemas.openxmlformats.org/presentationml/2006/main">
   <p:cSld>
@@ -56954,7 +58356,51 @@
                 <a:latin typeface="HG丸ｺﾞｼｯｸM-PRO" panose="020F0600000000000000" pitchFamily="50" charset="-128"/>
                 <a:ea typeface="HG丸ｺﾞｼｯｸM-PRO" panose="020F0600000000000000" pitchFamily="50" charset="-128"/>
               </a:rPr>
-              <a:t>デザインの複数の改善案を提案し、どのパターンがユーザビリティの観点で見やすい・使いやすいのかを検証</a:t>
+              <a:t>デザインの複数の改善案を提案し、どのパターン</a:t>
+            </a:r>
+            <a:r>
+              <a:rPr lang="ja-JP" altLang="en-US" dirty="0" smtClean="0">
+                <a:latin typeface="HG丸ｺﾞｼｯｸM-PRO" panose="020F0600000000000000" pitchFamily="50" charset="-128"/>
+                <a:ea typeface="HG丸ｺﾞｼｯｸM-PRO" panose="020F0600000000000000" pitchFamily="50" charset="-128"/>
+              </a:rPr>
+              <a:t>が</a:t>
+            </a:r>
+            <a:endParaRPr lang="en-US" altLang="ja-JP" dirty="0" smtClean="0">
+              <a:latin typeface="HG丸ｺﾞｼｯｸM-PRO" panose="020F0600000000000000" pitchFamily="50" charset="-128"/>
+              <a:ea typeface="HG丸ｺﾞｼｯｸM-PRO" panose="020F0600000000000000" pitchFamily="50" charset="-128"/>
+            </a:endParaRPr>
+          </a:p>
+          <a:p>
+            <a:pPr marL="0" indent="0">
+              <a:buNone/>
+            </a:pPr>
+            <a:r>
+              <a:rPr lang="en-US" altLang="ja-JP" dirty="0">
+                <a:latin typeface="HG丸ｺﾞｼｯｸM-PRO" panose="020F0600000000000000" pitchFamily="50" charset="-128"/>
+                <a:ea typeface="HG丸ｺﾞｼｯｸM-PRO" panose="020F0600000000000000" pitchFamily="50" charset="-128"/>
+              </a:rPr>
+              <a:t> </a:t>
+            </a:r>
+            <a:r>
+              <a:rPr lang="en-US" altLang="ja-JP" dirty="0" smtClean="0">
+                <a:latin typeface="HG丸ｺﾞｼｯｸM-PRO" panose="020F0600000000000000" pitchFamily="50" charset="-128"/>
+                <a:ea typeface="HG丸ｺﾞｼｯｸM-PRO" panose="020F0600000000000000" pitchFamily="50" charset="-128"/>
+              </a:rPr>
+              <a:t> </a:t>
+            </a:r>
+            <a:r>
+              <a:rPr lang="ja-JP" altLang="en-US" dirty="0" smtClean="0">
+                <a:latin typeface="HG丸ｺﾞｼｯｸM-PRO" panose="020F0600000000000000" pitchFamily="50" charset="-128"/>
+                <a:ea typeface="HG丸ｺﾞｼｯｸM-PRO" panose="020F0600000000000000" pitchFamily="50" charset="-128"/>
+              </a:rPr>
+              <a:t>ユーザビリティ</a:t>
+            </a:r>
+            <a:r>
+              <a:rPr lang="ja-JP" altLang="en-US" dirty="0">
+                <a:latin typeface="HG丸ｺﾞｼｯｸM-PRO" panose="020F0600000000000000" pitchFamily="50" charset="-128"/>
+                <a:ea typeface="HG丸ｺﾞｼｯｸM-PRO" panose="020F0600000000000000" pitchFamily="50" charset="-128"/>
+              </a:rPr>
+              <a:t>の観点で見やすい・使いやすいのかを検証</a:t>
             </a:r>
             <a:endParaRPr lang="en-US" altLang="ja-JP" dirty="0">
               <a:latin typeface="HG丸ｺﾞｼｯｸM-PRO" panose="020F0600000000000000" pitchFamily="50" charset="-128"/>
@@ -56972,13 +58418,27 @@
               <a:buNone/>
             </a:pPr>
             <a:r>
-              <a:rPr lang="ja-JP" altLang="en-US" b="1" dirty="0">
+              <a:rPr lang="ja-JP" altLang="en-US" sz="4400" b="1" u="sng" dirty="0">
+                <a:effectLst>
+                  <a:outerShdw blurRad="38100" dist="38100" dir="2700000" algn="tl">
+                    <a:srgbClr val="000000">
+                      <a:alpha val="43137"/>
+                    </a:srgbClr>
+                  </a:outerShdw>
+                </a:effectLst>
                 <a:latin typeface="BIZ UDPゴシック" panose="020B0400000000000000" pitchFamily="50" charset="-128"/>
                 <a:ea typeface="BIZ UDPゴシック" panose="020B0400000000000000" pitchFamily="50" charset="-128"/>
               </a:rPr>
               <a:t>プロセス</a:t>
             </a:r>
-            <a:endParaRPr lang="en-US" altLang="ja-JP" b="1" dirty="0">
+            <a:endParaRPr lang="en-US" altLang="ja-JP" sz="4400" b="1" u="sng" dirty="0">
+              <a:effectLst>
+                <a:outerShdw blurRad="38100" dist="38100" dir="2700000" algn="tl">
+                  <a:srgbClr val="000000">
+                    <a:alpha val="43137"/>
+                  </a:srgbClr>
+                </a:outerShdw>
+              </a:effectLst>
               <a:latin typeface="BIZ UDPゴシック" panose="020B0400000000000000" pitchFamily="50" charset="-128"/>
               <a:ea typeface="BIZ UDPゴシック" panose="020B0400000000000000" pitchFamily="50" charset="-128"/>
             </a:endParaRPr>
@@ -56988,24 +58448,38 @@
               <a:buNone/>
             </a:pPr>
             <a:r>
-              <a:rPr lang="ja-JP" altLang="en-US" sz="2000" b="1" dirty="0"/>
+              <a:rPr lang="ja-JP" altLang="en-US" b="1" dirty="0"/>
               <a:t>　</a:t>
             </a:r>
             <a:r>
-              <a:rPr lang="ja-JP" altLang="en-US" sz="2000" dirty="0"/>
-              <a:t>現代のデザインのガイドラインについての調査、現在のポータルサイトのデザインの</a:t>
+              <a:rPr lang="ja-JP" altLang="en-US" u="sng" dirty="0"/>
+              <a:t>現代のデザインのガイドライン</a:t>
             </a:r>
-            <a:endParaRPr lang="en-US" altLang="ja-JP" sz="2000" dirty="0"/>
-          </a:p>
-          <a:p>
-            <a:pPr marL="0" indent="0">
-              <a:buNone/>
-            </a:pPr>
             <a:r>
-              <a:rPr lang="ja-JP" altLang="en-US" sz="2000" dirty="0"/>
-              <a:t>問題の調査の順に調べ、改善案をアプローチする。</a:t>
+              <a:rPr lang="ja-JP" altLang="en-US" dirty="0"/>
+              <a:t>についての調査、</a:t>
             </a:r>
-            <a:endParaRPr lang="en-US" altLang="ja-JP" sz="2000" dirty="0"/>
+            <a:r>
+              <a:rPr lang="ja-JP" altLang="en-US" u="sng" dirty="0"/>
+              <a:t>現在のポータルサイトのデザイン</a:t>
+            </a:r>
+            <a:r>
+              <a:rPr lang="ja-JP" altLang="en-US" u="sng" dirty="0" smtClean="0"/>
+              <a:t>の問題</a:t>
+            </a:r>
+            <a:r>
+              <a:rPr lang="ja-JP" altLang="en-US" dirty="0"/>
+              <a:t>の調査の順に調べ、</a:t>
+            </a:r>
+            <a:r>
+              <a:rPr lang="ja-JP" altLang="en-US" u="sng" dirty="0"/>
+              <a:t>改善案</a:t>
+            </a:r>
+            <a:r>
+              <a:rPr lang="ja-JP" altLang="en-US" dirty="0"/>
+              <a:t>をアプローチする。</a:t>
+            </a:r>
+            <a:endParaRPr lang="en-US" altLang="ja-JP" dirty="0"/>
           </a:p>
         </p:txBody>
       </p:sp>
@@ -57730,7 +59204,7 @@
                 <a16:creationId xmlns:a16="http://schemas.microsoft.com/office/drawing/2014/main" id="{6F5A5072-7B47-4D32-B52A-4EBBF590B8A5}"/>
               </a:ext>
               <a:ext uri="{C183D7F6-B498-43B3-948B-1728B52AA6E4}">
-                <adec:decorative xmlns:adec="http://schemas.microsoft.com/office/drawing/2017/decorative" val="1"/>
+                <adec:decorative xmlns:adec="http://schemas.microsoft.com/office/drawing/2017/decorative" xmlns="" val="1"/>
               </a:ext>
             </a:extLst>
           </p:cNvPr>
@@ -57806,7 +59280,7 @@
                 <a16:creationId xmlns:a16="http://schemas.microsoft.com/office/drawing/2014/main" id="{9715DAF0-AE1B-46C9-8A6B-DB2AA05AB91D}"/>
               </a:ext>
               <a:ext uri="{C183D7F6-B498-43B3-948B-1728B52AA6E4}">
-                <adec:decorative xmlns:adec="http://schemas.microsoft.com/office/drawing/2017/decorative" val="1"/>
+                <adec:decorative xmlns:adec="http://schemas.microsoft.com/office/drawing/2017/decorative" xmlns="" val="1"/>
               </a:ext>
             </a:extLst>
           </p:cNvPr>
@@ -57879,7 +59353,7 @@
                 <a16:creationId xmlns:a16="http://schemas.microsoft.com/office/drawing/2014/main" id="{6016219D-510E-4184-9090-6D5578A87BD1}"/>
               </a:ext>
               <a:ext uri="{C183D7F6-B498-43B3-948B-1728B52AA6E4}">
-                <adec:decorative xmlns:adec="http://schemas.microsoft.com/office/drawing/2017/decorative" val="1"/>
+                <adec:decorative xmlns:adec="http://schemas.microsoft.com/office/drawing/2017/decorative" xmlns="" val="1"/>
               </a:ext>
             </a:extLst>
           </p:cNvPr>
@@ -57955,7 +59429,7 @@
                 <a16:creationId xmlns:a16="http://schemas.microsoft.com/office/drawing/2014/main" id="{AFF4A713-7B75-4B21-90D7-5AB19547C728}"/>
               </a:ext>
               <a:ext uri="{C183D7F6-B498-43B3-948B-1728B52AA6E4}">
-                <adec:decorative xmlns:adec="http://schemas.microsoft.com/office/drawing/2017/decorative" val="1"/>
+                <adec:decorative xmlns:adec="http://schemas.microsoft.com/office/drawing/2017/decorative" xmlns="" val="1"/>
               </a:ext>
             </a:extLst>
           </p:cNvPr>
@@ -58030,7 +59504,7 @@
                 <a16:creationId xmlns:a16="http://schemas.microsoft.com/office/drawing/2014/main" id="{DC631C0B-6DA6-4E57-8231-CE32B3434A7E}"/>
               </a:ext>
               <a:ext uri="{C183D7F6-B498-43B3-948B-1728B52AA6E4}">
-                <adec:decorative xmlns:adec="http://schemas.microsoft.com/office/drawing/2017/decorative" val="1"/>
+                <adec:decorative xmlns:adec="http://schemas.microsoft.com/office/drawing/2017/decorative" xmlns="" val="1"/>
               </a:ext>
             </a:extLst>
           </p:cNvPr>
@@ -58106,7 +59580,7 @@
                 <a16:creationId xmlns:a16="http://schemas.microsoft.com/office/drawing/2014/main" id="{C29501E6-A978-4A61-9689-9085AF97A53A}"/>
               </a:ext>
               <a:ext uri="{C183D7F6-B498-43B3-948B-1728B52AA6E4}">
-                <adec:decorative xmlns:adec="http://schemas.microsoft.com/office/drawing/2017/decorative" val="1"/>
+                <adec:decorative xmlns:adec="http://schemas.microsoft.com/office/drawing/2017/decorative" xmlns="" val="1"/>
               </a:ext>
             </a:extLst>
           </p:cNvPr>
@@ -58799,7 +60273,7 @@
         </p:blipFill>
         <p:spPr>
           <a:xfrm>
-            <a:off x="8513618" y="4099934"/>
+            <a:off x="7924801" y="4099934"/>
             <a:ext cx="2286000" cy="2286000"/>
           </a:xfrm>
           <a:prstGeom prst="rect">
